--- a/Intro MVCTSL.pptx
+++ b/Intro MVCTSL.pptx
@@ -1,33 +1,128 @@
 
 <file path=ppt/presentation.xml><?xml version="1.0" encoding="utf-8"?>
-<p:presentation xmlns:a="http://schemas.openxmlformats.org/drawingml/2006/main" xmlns:p="http://schemas.openxmlformats.org/presentationml/2006/main" xmlns:r="http://schemas.openxmlformats.org/officeDocument/2006/relationships" xmlns:p14="http://schemas.microsoft.com/office/powerpoint/2010/main" xmlns:p15="http://schemas.microsoft.com/office/powerpoint/2012/main" xmlns:mc="http://schemas.openxmlformats.org/markup-compatibility/2006">
+<p:presentation xmlns:a="http://schemas.openxmlformats.org/drawingml/2006/main" xmlns:r="http://schemas.openxmlformats.org/officeDocument/2006/relationships" xmlns:p="http://schemas.openxmlformats.org/presentationml/2006/main">
   <p:sldMasterIdLst>
-    <p:sldMasterId id="2147483648" r:id="rId2"/>
+    <p:sldMasterId id="2147483648" r:id="rId1"/>
   </p:sldMasterIdLst>
   <p:sldIdLst>
-    <p:sldId id="256" r:id="rId3"/>
-    <p:sldId id="257" r:id="rId4"/>
-    <p:sldId id="258" r:id="rId5"/>
-    <p:sldId id="259" r:id="rId6"/>
-    <p:sldId id="260" r:id="rId7"/>
-    <p:sldId id="261" r:id="rId8"/>
-    <p:sldId id="262" r:id="rId9"/>
-    <p:sldId id="263" r:id="rId10"/>
-    <p:sldId id="264" r:id="rId11"/>
-    <p:sldId id="265" r:id="rId12"/>
-    <p:sldId id="266" r:id="rId13"/>
-    <p:sldId id="267" r:id="rId14"/>
-    <p:sldId id="268" r:id="rId15"/>
-    <p:sldId id="269" r:id="rId16"/>
-    <p:sldId id="270" r:id="rId17"/>
+    <p:sldId id="256" r:id="rId2"/>
+    <p:sldId id="257" r:id="rId3"/>
+    <p:sldId id="258" r:id="rId4"/>
+    <p:sldId id="259" r:id="rId5"/>
+    <p:sldId id="260" r:id="rId6"/>
+    <p:sldId id="261" r:id="rId7"/>
+    <p:sldId id="262" r:id="rId8"/>
+    <p:sldId id="263" r:id="rId9"/>
+    <p:sldId id="264" r:id="rId10"/>
+    <p:sldId id="265" r:id="rId11"/>
+    <p:sldId id="266" r:id="rId12"/>
+    <p:sldId id="267" r:id="rId13"/>
+    <p:sldId id="268" r:id="rId14"/>
+    <p:sldId id="269" r:id="rId15"/>
+    <p:sldId id="270" r:id="rId16"/>
   </p:sldIdLst>
   <p:sldSz cx="10080625" cy="5670550"/>
   <p:notesSz cx="7772400" cy="10058400"/>
+  <p:defaultTextStyle>
+    <a:defPPr>
+      <a:defRPr lang="en-US"/>
+    </a:defPPr>
+    <a:lvl1pPr marL="0" algn="l" defTabSz="914400" rtl="0" eaLnBrk="1" latinLnBrk="0" hangingPunct="1">
+      <a:defRPr sz="1800" kern="1200">
+        <a:solidFill>
+          <a:schemeClr val="tx1"/>
+        </a:solidFill>
+        <a:latin typeface="+mn-lt"/>
+        <a:ea typeface="+mn-ea"/>
+        <a:cs typeface="+mn-cs"/>
+      </a:defRPr>
+    </a:lvl1pPr>
+    <a:lvl2pPr marL="457200" algn="l" defTabSz="914400" rtl="0" eaLnBrk="1" latinLnBrk="0" hangingPunct="1">
+      <a:defRPr sz="1800" kern="1200">
+        <a:solidFill>
+          <a:schemeClr val="tx1"/>
+        </a:solidFill>
+        <a:latin typeface="+mn-lt"/>
+        <a:ea typeface="+mn-ea"/>
+        <a:cs typeface="+mn-cs"/>
+      </a:defRPr>
+    </a:lvl2pPr>
+    <a:lvl3pPr marL="914400" algn="l" defTabSz="914400" rtl="0" eaLnBrk="1" latinLnBrk="0" hangingPunct="1">
+      <a:defRPr sz="1800" kern="1200">
+        <a:solidFill>
+          <a:schemeClr val="tx1"/>
+        </a:solidFill>
+        <a:latin typeface="+mn-lt"/>
+        <a:ea typeface="+mn-ea"/>
+        <a:cs typeface="+mn-cs"/>
+      </a:defRPr>
+    </a:lvl3pPr>
+    <a:lvl4pPr marL="1371600" algn="l" defTabSz="914400" rtl="0" eaLnBrk="1" latinLnBrk="0" hangingPunct="1">
+      <a:defRPr sz="1800" kern="1200">
+        <a:solidFill>
+          <a:schemeClr val="tx1"/>
+        </a:solidFill>
+        <a:latin typeface="+mn-lt"/>
+        <a:ea typeface="+mn-ea"/>
+        <a:cs typeface="+mn-cs"/>
+      </a:defRPr>
+    </a:lvl4pPr>
+    <a:lvl5pPr marL="1828800" algn="l" defTabSz="914400" rtl="0" eaLnBrk="1" latinLnBrk="0" hangingPunct="1">
+      <a:defRPr sz="1800" kern="1200">
+        <a:solidFill>
+          <a:schemeClr val="tx1"/>
+        </a:solidFill>
+        <a:latin typeface="+mn-lt"/>
+        <a:ea typeface="+mn-ea"/>
+        <a:cs typeface="+mn-cs"/>
+      </a:defRPr>
+    </a:lvl5pPr>
+    <a:lvl6pPr marL="2286000" algn="l" defTabSz="914400" rtl="0" eaLnBrk="1" latinLnBrk="0" hangingPunct="1">
+      <a:defRPr sz="1800" kern="1200">
+        <a:solidFill>
+          <a:schemeClr val="tx1"/>
+        </a:solidFill>
+        <a:latin typeface="+mn-lt"/>
+        <a:ea typeface="+mn-ea"/>
+        <a:cs typeface="+mn-cs"/>
+      </a:defRPr>
+    </a:lvl6pPr>
+    <a:lvl7pPr marL="2743200" algn="l" defTabSz="914400" rtl="0" eaLnBrk="1" latinLnBrk="0" hangingPunct="1">
+      <a:defRPr sz="1800" kern="1200">
+        <a:solidFill>
+          <a:schemeClr val="tx1"/>
+        </a:solidFill>
+        <a:latin typeface="+mn-lt"/>
+        <a:ea typeface="+mn-ea"/>
+        <a:cs typeface="+mn-cs"/>
+      </a:defRPr>
+    </a:lvl7pPr>
+    <a:lvl8pPr marL="3200400" algn="l" defTabSz="914400" rtl="0" eaLnBrk="1" latinLnBrk="0" hangingPunct="1">
+      <a:defRPr sz="1800" kern="1200">
+        <a:solidFill>
+          <a:schemeClr val="tx1"/>
+        </a:solidFill>
+        <a:latin typeface="+mn-lt"/>
+        <a:ea typeface="+mn-ea"/>
+        <a:cs typeface="+mn-cs"/>
+      </a:defRPr>
+    </a:lvl8pPr>
+    <a:lvl9pPr marL="3657600" algn="l" defTabSz="914400" rtl="0" eaLnBrk="1" latinLnBrk="0" hangingPunct="1">
+      <a:defRPr sz="1800" kern="1200">
+        <a:solidFill>
+          <a:schemeClr val="tx1"/>
+        </a:solidFill>
+        <a:latin typeface="+mn-lt"/>
+        <a:ea typeface="+mn-ea"/>
+        <a:cs typeface="+mn-cs"/>
+      </a:defRPr>
+    </a:lvl9pPr>
+  </p:defaultTextStyle>
 </p:presentation>
 </file>
 
 <file path=ppt/slideLayouts/slideLayout1.xml><?xml version="1.0" encoding="utf-8"?>
-<p:sldLayout xmlns:a="http://schemas.openxmlformats.org/drawingml/2006/main" xmlns:p="http://schemas.openxmlformats.org/presentationml/2006/main" xmlns:r="http://schemas.openxmlformats.org/officeDocument/2006/relationships" xmlns:p14="http://schemas.microsoft.com/office/powerpoint/2010/main" xmlns:p15="http://schemas.microsoft.com/office/powerpoint/2012/main" xmlns:mc="http://schemas.openxmlformats.org/markup-compatibility/2006" type="blank" preserve="1">
+<p:sldLayout xmlns:a="http://schemas.openxmlformats.org/drawingml/2006/main" xmlns:r="http://schemas.openxmlformats.org/officeDocument/2006/relationships" xmlns:p="http://schemas.openxmlformats.org/presentationml/2006/main" type="blank" preserve="1">
   <p:cSld name="Blank Slide">
     <p:spTree>
       <p:nvGrpSpPr>
@@ -45,11 +140,14 @@
       </p:grpSpPr>
     </p:spTree>
   </p:cSld>
+  <p:clrMapOvr>
+    <a:masterClrMapping/>
+  </p:clrMapOvr>
 </p:sldLayout>
 </file>
 
 <file path=ppt/slideLayouts/slideLayout10.xml><?xml version="1.0" encoding="utf-8"?>
-<p:sldLayout xmlns:a="http://schemas.openxmlformats.org/drawingml/2006/main" xmlns:p="http://schemas.openxmlformats.org/presentationml/2006/main" xmlns:r="http://schemas.openxmlformats.org/officeDocument/2006/relationships" xmlns:p14="http://schemas.microsoft.com/office/powerpoint/2010/main" xmlns:p15="http://schemas.microsoft.com/office/powerpoint/2012/main" xmlns:mc="http://schemas.openxmlformats.org/markup-compatibility/2006" type="objOverTx" preserve="1">
+<p:sldLayout xmlns:a="http://schemas.openxmlformats.org/drawingml/2006/main" xmlns:r="http://schemas.openxmlformats.org/officeDocument/2006/relationships" xmlns:p="http://schemas.openxmlformats.org/presentationml/2006/main" type="objOverTx" preserve="1">
   <p:cSld name="Title, Content over Content">
     <p:spTree>
       <p:nvGrpSpPr>
@@ -85,10 +183,11 @@
           </a:prstGeom>
         </p:spPr>
         <p:txBody>
-          <a:bodyPr lIns="0" rIns="0" tIns="0" bIns="0" anchor="ctr"/>
+          <a:bodyPr lIns="0" tIns="0" rIns="0" bIns="0" anchor="ctr"/>
+          <a:lstStyle/>
           <a:p>
             <a:pPr algn="ctr"/>
-            <a:endParaRPr b="0" lang="en-US" sz="4400" spc="-1" strike="noStrike">
+            <a:endParaRPr lang="en-US" sz="4400" b="0" strike="noStrike" spc="-1">
               <a:latin typeface="Arial"/>
             </a:endParaRPr>
           </a:p>
@@ -114,11 +213,12 @@
           </a:prstGeom>
         </p:spPr>
         <p:txBody>
-          <a:bodyPr lIns="0" rIns="0" tIns="0" bIns="0">
+          <a:bodyPr lIns="0" tIns="0" rIns="0" bIns="0">
             <a:normAutofit/>
           </a:bodyPr>
-          <a:p>
-            <a:endParaRPr b="0" lang="en-US" sz="3200" spc="-1" strike="noStrike">
+          <a:lstStyle/>
+          <a:p>
+            <a:endParaRPr lang="en-US" sz="3200" b="0" strike="noStrike" spc="-1">
               <a:latin typeface="Arial"/>
             </a:endParaRPr>
           </a:p>
@@ -144,11 +244,12 @@
           </a:prstGeom>
         </p:spPr>
         <p:txBody>
-          <a:bodyPr lIns="0" rIns="0" tIns="0" bIns="0">
+          <a:bodyPr lIns="0" tIns="0" rIns="0" bIns="0">
             <a:normAutofit/>
           </a:bodyPr>
-          <a:p>
-            <a:endParaRPr b="0" lang="en-US" sz="3200" spc="-1" strike="noStrike">
+          <a:lstStyle/>
+          <a:p>
+            <a:endParaRPr lang="en-US" sz="3200" b="0" strike="noStrike" spc="-1">
               <a:latin typeface="Arial"/>
             </a:endParaRPr>
           </a:p>
@@ -156,11 +257,14 @@
       </p:sp>
     </p:spTree>
   </p:cSld>
+  <p:clrMapOvr>
+    <a:masterClrMapping/>
+  </p:clrMapOvr>
 </p:sldLayout>
 </file>
 
 <file path=ppt/slideLayouts/slideLayout11.xml><?xml version="1.0" encoding="utf-8"?>
-<p:sldLayout xmlns:a="http://schemas.openxmlformats.org/drawingml/2006/main" xmlns:p="http://schemas.openxmlformats.org/presentationml/2006/main" xmlns:r="http://schemas.openxmlformats.org/officeDocument/2006/relationships" xmlns:p14="http://schemas.microsoft.com/office/powerpoint/2010/main" xmlns:p15="http://schemas.microsoft.com/office/powerpoint/2012/main" xmlns:mc="http://schemas.openxmlformats.org/markup-compatibility/2006" type="fourObj" preserve="1">
+<p:sldLayout xmlns:a="http://schemas.openxmlformats.org/drawingml/2006/main" xmlns:r="http://schemas.openxmlformats.org/officeDocument/2006/relationships" xmlns:p="http://schemas.openxmlformats.org/presentationml/2006/main" type="fourObj" preserve="1">
   <p:cSld name="Title, 4 Content">
     <p:spTree>
       <p:nvGrpSpPr>
@@ -196,10 +300,11 @@
           </a:prstGeom>
         </p:spPr>
         <p:txBody>
-          <a:bodyPr lIns="0" rIns="0" tIns="0" bIns="0" anchor="ctr"/>
+          <a:bodyPr lIns="0" tIns="0" rIns="0" bIns="0" anchor="ctr"/>
+          <a:lstStyle/>
           <a:p>
             <a:pPr algn="ctr"/>
-            <a:endParaRPr b="0" lang="en-US" sz="4400" spc="-1" strike="noStrike">
+            <a:endParaRPr lang="en-US" sz="4400" b="0" strike="noStrike" spc="-1">
               <a:latin typeface="Arial"/>
             </a:endParaRPr>
           </a:p>
@@ -225,11 +330,12 @@
           </a:prstGeom>
         </p:spPr>
         <p:txBody>
-          <a:bodyPr lIns="0" rIns="0" tIns="0" bIns="0">
+          <a:bodyPr lIns="0" tIns="0" rIns="0" bIns="0">
             <a:normAutofit/>
           </a:bodyPr>
-          <a:p>
-            <a:endParaRPr b="0" lang="en-US" sz="3200" spc="-1" strike="noStrike">
+          <a:lstStyle/>
+          <a:p>
+            <a:endParaRPr lang="en-US" sz="3200" b="0" strike="noStrike" spc="-1">
               <a:latin typeface="Arial"/>
             </a:endParaRPr>
           </a:p>
@@ -255,11 +361,12 @@
           </a:prstGeom>
         </p:spPr>
         <p:txBody>
-          <a:bodyPr lIns="0" rIns="0" tIns="0" bIns="0">
+          <a:bodyPr lIns="0" tIns="0" rIns="0" bIns="0">
             <a:normAutofit/>
           </a:bodyPr>
-          <a:p>
-            <a:endParaRPr b="0" lang="en-US" sz="3200" spc="-1" strike="noStrike">
+          <a:lstStyle/>
+          <a:p>
+            <a:endParaRPr lang="en-US" sz="3200" b="0" strike="noStrike" spc="-1">
               <a:latin typeface="Arial"/>
             </a:endParaRPr>
           </a:p>
@@ -285,11 +392,12 @@
           </a:prstGeom>
         </p:spPr>
         <p:txBody>
-          <a:bodyPr lIns="0" rIns="0" tIns="0" bIns="0">
+          <a:bodyPr lIns="0" tIns="0" rIns="0" bIns="0">
             <a:normAutofit/>
           </a:bodyPr>
-          <a:p>
-            <a:endParaRPr b="0" lang="en-US" sz="3200" spc="-1" strike="noStrike">
+          <a:lstStyle/>
+          <a:p>
+            <a:endParaRPr lang="en-US" sz="3200" b="0" strike="noStrike" spc="-1">
               <a:latin typeface="Arial"/>
             </a:endParaRPr>
           </a:p>
@@ -315,11 +423,12 @@
           </a:prstGeom>
         </p:spPr>
         <p:txBody>
-          <a:bodyPr lIns="0" rIns="0" tIns="0" bIns="0">
+          <a:bodyPr lIns="0" tIns="0" rIns="0" bIns="0">
             <a:normAutofit/>
           </a:bodyPr>
-          <a:p>
-            <a:endParaRPr b="0" lang="en-US" sz="3200" spc="-1" strike="noStrike">
+          <a:lstStyle/>
+          <a:p>
+            <a:endParaRPr lang="en-US" sz="3200" b="0" strike="noStrike" spc="-1">
               <a:latin typeface="Arial"/>
             </a:endParaRPr>
           </a:p>
@@ -327,11 +436,14 @@
       </p:sp>
     </p:spTree>
   </p:cSld>
+  <p:clrMapOvr>
+    <a:masterClrMapping/>
+  </p:clrMapOvr>
 </p:sldLayout>
 </file>
 
 <file path=ppt/slideLayouts/slideLayout12.xml><?xml version="1.0" encoding="utf-8"?>
-<p:sldLayout xmlns:a="http://schemas.openxmlformats.org/drawingml/2006/main" xmlns:p="http://schemas.openxmlformats.org/presentationml/2006/main" xmlns:r="http://schemas.openxmlformats.org/officeDocument/2006/relationships" xmlns:p14="http://schemas.microsoft.com/office/powerpoint/2010/main" xmlns:p15="http://schemas.microsoft.com/office/powerpoint/2012/main" xmlns:mc="http://schemas.openxmlformats.org/markup-compatibility/2006" type="blank" preserve="1">
+<p:sldLayout xmlns:a="http://schemas.openxmlformats.org/drawingml/2006/main" xmlns:r="http://schemas.openxmlformats.org/officeDocument/2006/relationships" xmlns:p="http://schemas.openxmlformats.org/presentationml/2006/main" type="blank" preserve="1">
   <p:cSld name="Title, 6 Content">
     <p:spTree>
       <p:nvGrpSpPr>
@@ -367,10 +479,11 @@
           </a:prstGeom>
         </p:spPr>
         <p:txBody>
-          <a:bodyPr lIns="0" rIns="0" tIns="0" bIns="0" anchor="ctr"/>
+          <a:bodyPr lIns="0" tIns="0" rIns="0" bIns="0" anchor="ctr"/>
+          <a:lstStyle/>
           <a:p>
             <a:pPr algn="ctr"/>
-            <a:endParaRPr b="0" lang="en-US" sz="4400" spc="-1" strike="noStrike">
+            <a:endParaRPr lang="en-US" sz="4400" b="0" strike="noStrike" spc="-1">
               <a:latin typeface="Arial"/>
             </a:endParaRPr>
           </a:p>
@@ -396,11 +509,12 @@
           </a:prstGeom>
         </p:spPr>
         <p:txBody>
-          <a:bodyPr lIns="0" rIns="0" tIns="0" bIns="0">
+          <a:bodyPr lIns="0" tIns="0" rIns="0" bIns="0">
             <a:normAutofit/>
           </a:bodyPr>
-          <a:p>
-            <a:endParaRPr b="0" lang="en-US" sz="3200" spc="-1" strike="noStrike">
+          <a:lstStyle/>
+          <a:p>
+            <a:endParaRPr lang="en-US" sz="3200" b="0" strike="noStrike" spc="-1">
               <a:latin typeface="Arial"/>
             </a:endParaRPr>
           </a:p>
@@ -426,11 +540,12 @@
           </a:prstGeom>
         </p:spPr>
         <p:txBody>
-          <a:bodyPr lIns="0" rIns="0" tIns="0" bIns="0">
+          <a:bodyPr lIns="0" tIns="0" rIns="0" bIns="0">
             <a:normAutofit/>
           </a:bodyPr>
-          <a:p>
-            <a:endParaRPr b="0" lang="en-US" sz="3200" spc="-1" strike="noStrike">
+          <a:lstStyle/>
+          <a:p>
+            <a:endParaRPr lang="en-US" sz="3200" b="0" strike="noStrike" spc="-1">
               <a:latin typeface="Arial"/>
             </a:endParaRPr>
           </a:p>
@@ -456,11 +571,12 @@
           </a:prstGeom>
         </p:spPr>
         <p:txBody>
-          <a:bodyPr lIns="0" rIns="0" tIns="0" bIns="0">
+          <a:bodyPr lIns="0" tIns="0" rIns="0" bIns="0">
             <a:normAutofit/>
           </a:bodyPr>
-          <a:p>
-            <a:endParaRPr b="0" lang="en-US" sz="3200" spc="-1" strike="noStrike">
+          <a:lstStyle/>
+          <a:p>
+            <a:endParaRPr lang="en-US" sz="3200" b="0" strike="noStrike" spc="-1">
               <a:latin typeface="Arial"/>
             </a:endParaRPr>
           </a:p>
@@ -486,11 +602,12 @@
           </a:prstGeom>
         </p:spPr>
         <p:txBody>
-          <a:bodyPr lIns="0" rIns="0" tIns="0" bIns="0">
+          <a:bodyPr lIns="0" tIns="0" rIns="0" bIns="0">
             <a:normAutofit/>
           </a:bodyPr>
-          <a:p>
-            <a:endParaRPr b="0" lang="en-US" sz="3200" spc="-1" strike="noStrike">
+          <a:lstStyle/>
+          <a:p>
+            <a:endParaRPr lang="en-US" sz="3200" b="0" strike="noStrike" spc="-1">
               <a:latin typeface="Arial"/>
             </a:endParaRPr>
           </a:p>
@@ -516,11 +633,12 @@
           </a:prstGeom>
         </p:spPr>
         <p:txBody>
-          <a:bodyPr lIns="0" rIns="0" tIns="0" bIns="0">
+          <a:bodyPr lIns="0" tIns="0" rIns="0" bIns="0">
             <a:normAutofit/>
           </a:bodyPr>
-          <a:p>
-            <a:endParaRPr b="0" lang="en-US" sz="3200" spc="-1" strike="noStrike">
+          <a:lstStyle/>
+          <a:p>
+            <a:endParaRPr lang="en-US" sz="3200" b="0" strike="noStrike" spc="-1">
               <a:latin typeface="Arial"/>
             </a:endParaRPr>
           </a:p>
@@ -546,11 +664,12 @@
           </a:prstGeom>
         </p:spPr>
         <p:txBody>
-          <a:bodyPr lIns="0" rIns="0" tIns="0" bIns="0">
+          <a:bodyPr lIns="0" tIns="0" rIns="0" bIns="0">
             <a:normAutofit/>
           </a:bodyPr>
-          <a:p>
-            <a:endParaRPr b="0" lang="en-US" sz="3200" spc="-1" strike="noStrike">
+          <a:lstStyle/>
+          <a:p>
+            <a:endParaRPr lang="en-US" sz="3200" b="0" strike="noStrike" spc="-1">
               <a:latin typeface="Arial"/>
             </a:endParaRPr>
           </a:p>
@@ -558,11 +677,14 @@
       </p:sp>
     </p:spTree>
   </p:cSld>
+  <p:clrMapOvr>
+    <a:masterClrMapping/>
+  </p:clrMapOvr>
 </p:sldLayout>
 </file>
 
 <file path=ppt/slideLayouts/slideLayout2.xml><?xml version="1.0" encoding="utf-8"?>
-<p:sldLayout xmlns:a="http://schemas.openxmlformats.org/drawingml/2006/main" xmlns:p="http://schemas.openxmlformats.org/presentationml/2006/main" xmlns:r="http://schemas.openxmlformats.org/officeDocument/2006/relationships" xmlns:p14="http://schemas.microsoft.com/office/powerpoint/2010/main" xmlns:p15="http://schemas.microsoft.com/office/powerpoint/2012/main" xmlns:mc="http://schemas.openxmlformats.org/markup-compatibility/2006" type="tx" preserve="1">
+<p:sldLayout xmlns:a="http://schemas.openxmlformats.org/drawingml/2006/main" xmlns:r="http://schemas.openxmlformats.org/officeDocument/2006/relationships" xmlns:p="http://schemas.openxmlformats.org/presentationml/2006/main" type="tx" preserve="1">
   <p:cSld name="Title Slide">
     <p:spTree>
       <p:nvGrpSpPr>
@@ -598,10 +720,11 @@
           </a:prstGeom>
         </p:spPr>
         <p:txBody>
-          <a:bodyPr lIns="0" rIns="0" tIns="0" bIns="0" anchor="ctr"/>
+          <a:bodyPr lIns="0" tIns="0" rIns="0" bIns="0" anchor="ctr"/>
+          <a:lstStyle/>
           <a:p>
             <a:pPr algn="ctr"/>
-            <a:endParaRPr b="0" lang="en-US" sz="4400" spc="-1" strike="noStrike">
+            <a:endParaRPr lang="en-US" sz="4400" b="0" strike="noStrike" spc="-1">
               <a:latin typeface="Arial"/>
             </a:endParaRPr>
           </a:p>
@@ -627,10 +750,11 @@
           </a:prstGeom>
         </p:spPr>
         <p:txBody>
-          <a:bodyPr lIns="0" rIns="0" tIns="0" bIns="0" anchor="ctr"/>
+          <a:bodyPr lIns="0" tIns="0" rIns="0" bIns="0" anchor="ctr"/>
+          <a:lstStyle/>
           <a:p>
             <a:pPr algn="ctr"/>
-            <a:endParaRPr b="0" lang="en-US" sz="3200" spc="-1" strike="noStrike">
+            <a:endParaRPr lang="en-US" sz="3200" b="0" strike="noStrike" spc="-1">
               <a:latin typeface="Arial"/>
             </a:endParaRPr>
           </a:p>
@@ -638,11 +762,14 @@
       </p:sp>
     </p:spTree>
   </p:cSld>
+  <p:clrMapOvr>
+    <a:masterClrMapping/>
+  </p:clrMapOvr>
 </p:sldLayout>
 </file>
 
 <file path=ppt/slideLayouts/slideLayout3.xml><?xml version="1.0" encoding="utf-8"?>
-<p:sldLayout xmlns:a="http://schemas.openxmlformats.org/drawingml/2006/main" xmlns:p="http://schemas.openxmlformats.org/presentationml/2006/main" xmlns:r="http://schemas.openxmlformats.org/officeDocument/2006/relationships" xmlns:p14="http://schemas.microsoft.com/office/powerpoint/2010/main" xmlns:p15="http://schemas.microsoft.com/office/powerpoint/2012/main" xmlns:mc="http://schemas.openxmlformats.org/markup-compatibility/2006" type="obj" preserve="1">
+<p:sldLayout xmlns:a="http://schemas.openxmlformats.org/drawingml/2006/main" xmlns:r="http://schemas.openxmlformats.org/officeDocument/2006/relationships" xmlns:p="http://schemas.openxmlformats.org/presentationml/2006/main" type="obj" preserve="1">
   <p:cSld name="Title, Content">
     <p:spTree>
       <p:nvGrpSpPr>
@@ -678,10 +805,11 @@
           </a:prstGeom>
         </p:spPr>
         <p:txBody>
-          <a:bodyPr lIns="0" rIns="0" tIns="0" bIns="0" anchor="ctr"/>
+          <a:bodyPr lIns="0" tIns="0" rIns="0" bIns="0" anchor="ctr"/>
+          <a:lstStyle/>
           <a:p>
             <a:pPr algn="ctr"/>
-            <a:endParaRPr b="0" lang="en-US" sz="4400" spc="-1" strike="noStrike">
+            <a:endParaRPr lang="en-US" sz="4400" b="0" strike="noStrike" spc="-1">
               <a:latin typeface="Arial"/>
             </a:endParaRPr>
           </a:p>
@@ -707,11 +835,12 @@
           </a:prstGeom>
         </p:spPr>
         <p:txBody>
-          <a:bodyPr lIns="0" rIns="0" tIns="0" bIns="0">
+          <a:bodyPr lIns="0" tIns="0" rIns="0" bIns="0">
             <a:normAutofit/>
           </a:bodyPr>
-          <a:p>
-            <a:endParaRPr b="0" lang="en-US" sz="3200" spc="-1" strike="noStrike">
+          <a:lstStyle/>
+          <a:p>
+            <a:endParaRPr lang="en-US" sz="3200" b="0" strike="noStrike" spc="-1">
               <a:latin typeface="Arial"/>
             </a:endParaRPr>
           </a:p>
@@ -719,11 +848,14 @@
       </p:sp>
     </p:spTree>
   </p:cSld>
+  <p:clrMapOvr>
+    <a:masterClrMapping/>
+  </p:clrMapOvr>
 </p:sldLayout>
 </file>
 
 <file path=ppt/slideLayouts/slideLayout4.xml><?xml version="1.0" encoding="utf-8"?>
-<p:sldLayout xmlns:a="http://schemas.openxmlformats.org/drawingml/2006/main" xmlns:p="http://schemas.openxmlformats.org/presentationml/2006/main" xmlns:r="http://schemas.openxmlformats.org/officeDocument/2006/relationships" xmlns:p14="http://schemas.microsoft.com/office/powerpoint/2010/main" xmlns:p15="http://schemas.microsoft.com/office/powerpoint/2012/main" xmlns:mc="http://schemas.openxmlformats.org/markup-compatibility/2006" type="twoObj" preserve="1">
+<p:sldLayout xmlns:a="http://schemas.openxmlformats.org/drawingml/2006/main" xmlns:r="http://schemas.openxmlformats.org/officeDocument/2006/relationships" xmlns:p="http://schemas.openxmlformats.org/presentationml/2006/main" type="twoObj" preserve="1">
   <p:cSld name="Title, 2 Content">
     <p:spTree>
       <p:nvGrpSpPr>
@@ -759,10 +891,11 @@
           </a:prstGeom>
         </p:spPr>
         <p:txBody>
-          <a:bodyPr lIns="0" rIns="0" tIns="0" bIns="0" anchor="ctr"/>
+          <a:bodyPr lIns="0" tIns="0" rIns="0" bIns="0" anchor="ctr"/>
+          <a:lstStyle/>
           <a:p>
             <a:pPr algn="ctr"/>
-            <a:endParaRPr b="0" lang="en-US" sz="4400" spc="-1" strike="noStrike">
+            <a:endParaRPr lang="en-US" sz="4400" b="0" strike="noStrike" spc="-1">
               <a:latin typeface="Arial"/>
             </a:endParaRPr>
           </a:p>
@@ -788,11 +921,12 @@
           </a:prstGeom>
         </p:spPr>
         <p:txBody>
-          <a:bodyPr lIns="0" rIns="0" tIns="0" bIns="0">
+          <a:bodyPr lIns="0" tIns="0" rIns="0" bIns="0">
             <a:normAutofit/>
           </a:bodyPr>
-          <a:p>
-            <a:endParaRPr b="0" lang="en-US" sz="3200" spc="-1" strike="noStrike">
+          <a:lstStyle/>
+          <a:p>
+            <a:endParaRPr lang="en-US" sz="3200" b="0" strike="noStrike" spc="-1">
               <a:latin typeface="Arial"/>
             </a:endParaRPr>
           </a:p>
@@ -818,11 +952,12 @@
           </a:prstGeom>
         </p:spPr>
         <p:txBody>
-          <a:bodyPr lIns="0" rIns="0" tIns="0" bIns="0">
+          <a:bodyPr lIns="0" tIns="0" rIns="0" bIns="0">
             <a:normAutofit/>
           </a:bodyPr>
-          <a:p>
-            <a:endParaRPr b="0" lang="en-US" sz="3200" spc="-1" strike="noStrike">
+          <a:lstStyle/>
+          <a:p>
+            <a:endParaRPr lang="en-US" sz="3200" b="0" strike="noStrike" spc="-1">
               <a:latin typeface="Arial"/>
             </a:endParaRPr>
           </a:p>
@@ -830,11 +965,14 @@
       </p:sp>
     </p:spTree>
   </p:cSld>
+  <p:clrMapOvr>
+    <a:masterClrMapping/>
+  </p:clrMapOvr>
 </p:sldLayout>
 </file>
 
 <file path=ppt/slideLayouts/slideLayout5.xml><?xml version="1.0" encoding="utf-8"?>
-<p:sldLayout xmlns:a="http://schemas.openxmlformats.org/drawingml/2006/main" xmlns:p="http://schemas.openxmlformats.org/presentationml/2006/main" xmlns:r="http://schemas.openxmlformats.org/officeDocument/2006/relationships" xmlns:p14="http://schemas.microsoft.com/office/powerpoint/2010/main" xmlns:p15="http://schemas.microsoft.com/office/powerpoint/2012/main" xmlns:mc="http://schemas.openxmlformats.org/markup-compatibility/2006" type="titleOnly" preserve="1">
+<p:sldLayout xmlns:a="http://schemas.openxmlformats.org/drawingml/2006/main" xmlns:r="http://schemas.openxmlformats.org/officeDocument/2006/relationships" xmlns:p="http://schemas.openxmlformats.org/presentationml/2006/main" type="titleOnly" preserve="1">
   <p:cSld name="Title Only">
     <p:spTree>
       <p:nvGrpSpPr>
@@ -870,10 +1008,11 @@
           </a:prstGeom>
         </p:spPr>
         <p:txBody>
-          <a:bodyPr lIns="0" rIns="0" tIns="0" bIns="0" anchor="ctr"/>
+          <a:bodyPr lIns="0" tIns="0" rIns="0" bIns="0" anchor="ctr"/>
+          <a:lstStyle/>
           <a:p>
             <a:pPr algn="ctr"/>
-            <a:endParaRPr b="0" lang="en-US" sz="4400" spc="-1" strike="noStrike">
+            <a:endParaRPr lang="en-US" sz="4400" b="0" strike="noStrike" spc="-1">
               <a:latin typeface="Arial"/>
             </a:endParaRPr>
           </a:p>
@@ -881,11 +1020,14 @@
       </p:sp>
     </p:spTree>
   </p:cSld>
+  <p:clrMapOvr>
+    <a:masterClrMapping/>
+  </p:clrMapOvr>
 </p:sldLayout>
 </file>
 
 <file path=ppt/slideLayouts/slideLayout6.xml><?xml version="1.0" encoding="utf-8"?>
-<p:sldLayout xmlns:a="http://schemas.openxmlformats.org/drawingml/2006/main" xmlns:p="http://schemas.openxmlformats.org/presentationml/2006/main" xmlns:r="http://schemas.openxmlformats.org/officeDocument/2006/relationships" xmlns:p14="http://schemas.microsoft.com/office/powerpoint/2010/main" xmlns:p15="http://schemas.microsoft.com/office/powerpoint/2012/main" xmlns:mc="http://schemas.openxmlformats.org/markup-compatibility/2006" type="objOnly" preserve="1">
+<p:sldLayout xmlns:a="http://schemas.openxmlformats.org/drawingml/2006/main" xmlns:r="http://schemas.openxmlformats.org/officeDocument/2006/relationships" xmlns:p="http://schemas.openxmlformats.org/presentationml/2006/main" type="objOnly" preserve="1">
   <p:cSld name="Centered Text">
     <p:spTree>
       <p:nvGrpSpPr>
@@ -921,10 +1063,11 @@
           </a:prstGeom>
         </p:spPr>
         <p:txBody>
-          <a:bodyPr lIns="0" rIns="0" tIns="0" bIns="0" anchor="ctr"/>
+          <a:bodyPr lIns="0" tIns="0" rIns="0" bIns="0" anchor="ctr"/>
+          <a:lstStyle/>
           <a:p>
             <a:pPr algn="ctr"/>
-            <a:endParaRPr b="0" lang="en-US" sz="3200" spc="-1" strike="noStrike">
+            <a:endParaRPr lang="en-US" sz="3200" b="0" strike="noStrike" spc="-1">
               <a:latin typeface="Arial"/>
             </a:endParaRPr>
           </a:p>
@@ -932,11 +1075,14 @@
       </p:sp>
     </p:spTree>
   </p:cSld>
+  <p:clrMapOvr>
+    <a:masterClrMapping/>
+  </p:clrMapOvr>
 </p:sldLayout>
 </file>
 
 <file path=ppt/slideLayouts/slideLayout7.xml><?xml version="1.0" encoding="utf-8"?>
-<p:sldLayout xmlns:a="http://schemas.openxmlformats.org/drawingml/2006/main" xmlns:p="http://schemas.openxmlformats.org/presentationml/2006/main" xmlns:r="http://schemas.openxmlformats.org/officeDocument/2006/relationships" xmlns:p14="http://schemas.microsoft.com/office/powerpoint/2010/main" xmlns:p15="http://schemas.microsoft.com/office/powerpoint/2012/main" xmlns:mc="http://schemas.openxmlformats.org/markup-compatibility/2006" type="twoObjAndObj" preserve="1">
+<p:sldLayout xmlns:a="http://schemas.openxmlformats.org/drawingml/2006/main" xmlns:r="http://schemas.openxmlformats.org/officeDocument/2006/relationships" xmlns:p="http://schemas.openxmlformats.org/presentationml/2006/main" type="twoObjAndObj" preserve="1">
   <p:cSld name="Title, 2 Content and Content">
     <p:spTree>
       <p:nvGrpSpPr>
@@ -972,10 +1118,11 @@
           </a:prstGeom>
         </p:spPr>
         <p:txBody>
-          <a:bodyPr lIns="0" rIns="0" tIns="0" bIns="0" anchor="ctr"/>
+          <a:bodyPr lIns="0" tIns="0" rIns="0" bIns="0" anchor="ctr"/>
+          <a:lstStyle/>
           <a:p>
             <a:pPr algn="ctr"/>
-            <a:endParaRPr b="0" lang="en-US" sz="4400" spc="-1" strike="noStrike">
+            <a:endParaRPr lang="en-US" sz="4400" b="0" strike="noStrike" spc="-1">
               <a:latin typeface="Arial"/>
             </a:endParaRPr>
           </a:p>
@@ -1001,11 +1148,12 @@
           </a:prstGeom>
         </p:spPr>
         <p:txBody>
-          <a:bodyPr lIns="0" rIns="0" tIns="0" bIns="0">
+          <a:bodyPr lIns="0" tIns="0" rIns="0" bIns="0">
             <a:normAutofit/>
           </a:bodyPr>
-          <a:p>
-            <a:endParaRPr b="0" lang="en-US" sz="3200" spc="-1" strike="noStrike">
+          <a:lstStyle/>
+          <a:p>
+            <a:endParaRPr lang="en-US" sz="3200" b="0" strike="noStrike" spc="-1">
               <a:latin typeface="Arial"/>
             </a:endParaRPr>
           </a:p>
@@ -1031,11 +1179,12 @@
           </a:prstGeom>
         </p:spPr>
         <p:txBody>
-          <a:bodyPr lIns="0" rIns="0" tIns="0" bIns="0">
+          <a:bodyPr lIns="0" tIns="0" rIns="0" bIns="0">
             <a:normAutofit/>
           </a:bodyPr>
-          <a:p>
-            <a:endParaRPr b="0" lang="en-US" sz="3200" spc="-1" strike="noStrike">
+          <a:lstStyle/>
+          <a:p>
+            <a:endParaRPr lang="en-US" sz="3200" b="0" strike="noStrike" spc="-1">
               <a:latin typeface="Arial"/>
             </a:endParaRPr>
           </a:p>
@@ -1061,11 +1210,12 @@
           </a:prstGeom>
         </p:spPr>
         <p:txBody>
-          <a:bodyPr lIns="0" rIns="0" tIns="0" bIns="0">
+          <a:bodyPr lIns="0" tIns="0" rIns="0" bIns="0">
             <a:normAutofit/>
           </a:bodyPr>
-          <a:p>
-            <a:endParaRPr b="0" lang="en-US" sz="3200" spc="-1" strike="noStrike">
+          <a:lstStyle/>
+          <a:p>
+            <a:endParaRPr lang="en-US" sz="3200" b="0" strike="noStrike" spc="-1">
               <a:latin typeface="Arial"/>
             </a:endParaRPr>
           </a:p>
@@ -1073,11 +1223,14 @@
       </p:sp>
     </p:spTree>
   </p:cSld>
+  <p:clrMapOvr>
+    <a:masterClrMapping/>
+  </p:clrMapOvr>
 </p:sldLayout>
 </file>
 
 <file path=ppt/slideLayouts/slideLayout8.xml><?xml version="1.0" encoding="utf-8"?>
-<p:sldLayout xmlns:a="http://schemas.openxmlformats.org/drawingml/2006/main" xmlns:p="http://schemas.openxmlformats.org/presentationml/2006/main" xmlns:r="http://schemas.openxmlformats.org/officeDocument/2006/relationships" xmlns:p14="http://schemas.microsoft.com/office/powerpoint/2010/main" xmlns:p15="http://schemas.microsoft.com/office/powerpoint/2012/main" xmlns:mc="http://schemas.openxmlformats.org/markup-compatibility/2006" type="objAndTwoObj" preserve="1">
+<p:sldLayout xmlns:a="http://schemas.openxmlformats.org/drawingml/2006/main" xmlns:r="http://schemas.openxmlformats.org/officeDocument/2006/relationships" xmlns:p="http://schemas.openxmlformats.org/presentationml/2006/main" type="objAndTwoObj" preserve="1">
   <p:cSld name="Title Content and 2 Content">
     <p:spTree>
       <p:nvGrpSpPr>
@@ -1113,10 +1266,11 @@
           </a:prstGeom>
         </p:spPr>
         <p:txBody>
-          <a:bodyPr lIns="0" rIns="0" tIns="0" bIns="0" anchor="ctr"/>
+          <a:bodyPr lIns="0" tIns="0" rIns="0" bIns="0" anchor="ctr"/>
+          <a:lstStyle/>
           <a:p>
             <a:pPr algn="ctr"/>
-            <a:endParaRPr b="0" lang="en-US" sz="4400" spc="-1" strike="noStrike">
+            <a:endParaRPr lang="en-US" sz="4400" b="0" strike="noStrike" spc="-1">
               <a:latin typeface="Arial"/>
             </a:endParaRPr>
           </a:p>
@@ -1142,11 +1296,12 @@
           </a:prstGeom>
         </p:spPr>
         <p:txBody>
-          <a:bodyPr lIns="0" rIns="0" tIns="0" bIns="0">
+          <a:bodyPr lIns="0" tIns="0" rIns="0" bIns="0">
             <a:normAutofit/>
           </a:bodyPr>
-          <a:p>
-            <a:endParaRPr b="0" lang="en-US" sz="3200" spc="-1" strike="noStrike">
+          <a:lstStyle/>
+          <a:p>
+            <a:endParaRPr lang="en-US" sz="3200" b="0" strike="noStrike" spc="-1">
               <a:latin typeface="Arial"/>
             </a:endParaRPr>
           </a:p>
@@ -1172,11 +1327,12 @@
           </a:prstGeom>
         </p:spPr>
         <p:txBody>
-          <a:bodyPr lIns="0" rIns="0" tIns="0" bIns="0">
+          <a:bodyPr lIns="0" tIns="0" rIns="0" bIns="0">
             <a:normAutofit/>
           </a:bodyPr>
-          <a:p>
-            <a:endParaRPr b="0" lang="en-US" sz="3200" spc="-1" strike="noStrike">
+          <a:lstStyle/>
+          <a:p>
+            <a:endParaRPr lang="en-US" sz="3200" b="0" strike="noStrike" spc="-1">
               <a:latin typeface="Arial"/>
             </a:endParaRPr>
           </a:p>
@@ -1202,11 +1358,12 @@
           </a:prstGeom>
         </p:spPr>
         <p:txBody>
-          <a:bodyPr lIns="0" rIns="0" tIns="0" bIns="0">
+          <a:bodyPr lIns="0" tIns="0" rIns="0" bIns="0">
             <a:normAutofit/>
           </a:bodyPr>
-          <a:p>
-            <a:endParaRPr b="0" lang="en-US" sz="3200" spc="-1" strike="noStrike">
+          <a:lstStyle/>
+          <a:p>
+            <a:endParaRPr lang="en-US" sz="3200" b="0" strike="noStrike" spc="-1">
               <a:latin typeface="Arial"/>
             </a:endParaRPr>
           </a:p>
@@ -1214,11 +1371,14 @@
       </p:sp>
     </p:spTree>
   </p:cSld>
+  <p:clrMapOvr>
+    <a:masterClrMapping/>
+  </p:clrMapOvr>
 </p:sldLayout>
 </file>
 
 <file path=ppt/slideLayouts/slideLayout9.xml><?xml version="1.0" encoding="utf-8"?>
-<p:sldLayout xmlns:a="http://schemas.openxmlformats.org/drawingml/2006/main" xmlns:p="http://schemas.openxmlformats.org/presentationml/2006/main" xmlns:r="http://schemas.openxmlformats.org/officeDocument/2006/relationships" xmlns:p14="http://schemas.microsoft.com/office/powerpoint/2010/main" xmlns:p15="http://schemas.microsoft.com/office/powerpoint/2012/main" xmlns:mc="http://schemas.openxmlformats.org/markup-compatibility/2006" type="twoObjOverTx" preserve="1">
+<p:sldLayout xmlns:a="http://schemas.openxmlformats.org/drawingml/2006/main" xmlns:r="http://schemas.openxmlformats.org/officeDocument/2006/relationships" xmlns:p="http://schemas.openxmlformats.org/presentationml/2006/main" type="twoObjOverTx" preserve="1">
   <p:cSld name="Title, 2 Content over Content">
     <p:spTree>
       <p:nvGrpSpPr>
@@ -1254,10 +1414,11 @@
           </a:prstGeom>
         </p:spPr>
         <p:txBody>
-          <a:bodyPr lIns="0" rIns="0" tIns="0" bIns="0" anchor="ctr"/>
+          <a:bodyPr lIns="0" tIns="0" rIns="0" bIns="0" anchor="ctr"/>
+          <a:lstStyle/>
           <a:p>
             <a:pPr algn="ctr"/>
-            <a:endParaRPr b="0" lang="en-US" sz="4400" spc="-1" strike="noStrike">
+            <a:endParaRPr lang="en-US" sz="4400" b="0" strike="noStrike" spc="-1">
               <a:latin typeface="Arial"/>
             </a:endParaRPr>
           </a:p>
@@ -1283,11 +1444,12 @@
           </a:prstGeom>
         </p:spPr>
         <p:txBody>
-          <a:bodyPr lIns="0" rIns="0" tIns="0" bIns="0">
+          <a:bodyPr lIns="0" tIns="0" rIns="0" bIns="0">
             <a:normAutofit/>
           </a:bodyPr>
-          <a:p>
-            <a:endParaRPr b="0" lang="en-US" sz="3200" spc="-1" strike="noStrike">
+          <a:lstStyle/>
+          <a:p>
+            <a:endParaRPr lang="en-US" sz="3200" b="0" strike="noStrike" spc="-1">
               <a:latin typeface="Arial"/>
             </a:endParaRPr>
           </a:p>
@@ -1313,11 +1475,12 @@
           </a:prstGeom>
         </p:spPr>
         <p:txBody>
-          <a:bodyPr lIns="0" rIns="0" tIns="0" bIns="0">
+          <a:bodyPr lIns="0" tIns="0" rIns="0" bIns="0">
             <a:normAutofit/>
           </a:bodyPr>
-          <a:p>
-            <a:endParaRPr b="0" lang="en-US" sz="3200" spc="-1" strike="noStrike">
+          <a:lstStyle/>
+          <a:p>
+            <a:endParaRPr lang="en-US" sz="3200" b="0" strike="noStrike" spc="-1">
               <a:latin typeface="Arial"/>
             </a:endParaRPr>
           </a:p>
@@ -1343,11 +1506,12 @@
           </a:prstGeom>
         </p:spPr>
         <p:txBody>
-          <a:bodyPr lIns="0" rIns="0" tIns="0" bIns="0">
+          <a:bodyPr lIns="0" tIns="0" rIns="0" bIns="0">
             <a:normAutofit/>
           </a:bodyPr>
-          <a:p>
-            <a:endParaRPr b="0" lang="en-US" sz="3200" spc="-1" strike="noStrike">
+          <a:lstStyle/>
+          <a:p>
+            <a:endParaRPr lang="en-US" sz="3200" b="0" strike="noStrike" spc="-1">
               <a:latin typeface="Arial"/>
             </a:endParaRPr>
           </a:p>
@@ -1355,11 +1519,629 @@
       </p:sp>
     </p:spTree>
   </p:cSld>
+  <p:clrMapOvr>
+    <a:masterClrMapping/>
+  </p:clrMapOvr>
 </p:sldLayout>
 </file>
 
 <file path=ppt/slideMasters/slideMaster1.xml><?xml version="1.0" encoding="utf-8"?>
-<p:sldMaster xmlns:a="http://schemas.openxmlformats.org/drawingml/2006/main" xmlns:p="http://schemas.openxmlformats.org/presentationml/2006/main" xmlns:r="http://schemas.openxmlformats.org/officeDocument/2006/relationships" xmlns:p14="http://schemas.microsoft.com/office/powerpoint/2010/main" xmlns:p15="http://schemas.microsoft.com/office/powerpoint/2012/main" xmlns:mc="http://schemas.openxmlformats.org/markup-compatibility/2006">
+<p:sldMaster xmlns:a="http://schemas.openxmlformats.org/drawingml/2006/main" xmlns:r="http://schemas.openxmlformats.org/officeDocument/2006/relationships" xmlns:p="http://schemas.openxmlformats.org/presentationml/2006/main">
+  <p:cSld>
+    <p:bg>
+      <p:bgRef idx="1001">
+        <a:schemeClr val="bg1"/>
+      </p:bgRef>
+    </p:bg>
+    <p:spTree>
+      <p:nvGrpSpPr>
+        <p:cNvPr id="1" name=""/>
+        <p:cNvGrpSpPr/>
+        <p:nvPr/>
+      </p:nvGrpSpPr>
+      <p:grpSpPr>
+        <a:xfrm>
+          <a:off x="0" y="0"/>
+          <a:ext cx="0" cy="0"/>
+          <a:chOff x="0" y="0"/>
+          <a:chExt cx="0" cy="0"/>
+        </a:xfrm>
+      </p:grpSpPr>
+      <p:sp>
+        <p:nvSpPr>
+          <p:cNvPr id="5" name="PlaceHolder 1"/>
+          <p:cNvSpPr>
+            <a:spLocks noGrp="1"/>
+          </p:cNvSpPr>
+          <p:nvPr>
+            <p:ph type="title"/>
+          </p:nvPr>
+        </p:nvSpPr>
+        <p:spPr>
+          <a:xfrm>
+            <a:off x="504000" y="226080"/>
+            <a:ext cx="9071640" cy="946440"/>
+          </a:xfrm>
+          <a:prstGeom prst="rect">
+            <a:avLst/>
+          </a:prstGeom>
+        </p:spPr>
+        <p:txBody>
+          <a:bodyPr lIns="0" tIns="0" rIns="0" bIns="0" anchor="ctr"/>
+          <a:lstStyle/>
+          <a:p>
+            <a:pPr algn="ctr"/>
+            <a:r>
+              <a:rPr lang="en-US" sz="4400" b="0" strike="noStrike" spc="-1">
+                <a:latin typeface="Arial"/>
+              </a:rPr>
+              <a:t>Click to edit the title text format</a:t>
+            </a:r>
+          </a:p>
+        </p:txBody>
+      </p:sp>
+      <p:sp>
+        <p:nvSpPr>
+          <p:cNvPr id="6" name="PlaceHolder 2"/>
+          <p:cNvSpPr>
+            <a:spLocks noGrp="1"/>
+          </p:cNvSpPr>
+          <p:nvPr>
+            <p:ph type="body"/>
+          </p:nvPr>
+        </p:nvSpPr>
+        <p:spPr>
+          <a:xfrm>
+            <a:off x="504000" y="1326600"/>
+            <a:ext cx="9071640" cy="3288240"/>
+          </a:xfrm>
+          <a:prstGeom prst="rect">
+            <a:avLst/>
+          </a:prstGeom>
+        </p:spPr>
+        <p:txBody>
+          <a:bodyPr lIns="0" tIns="0" rIns="0" bIns="0">
+            <a:normAutofit/>
+          </a:bodyPr>
+          <a:lstStyle/>
+          <a:p>
+            <a:pPr marL="432000" indent="-324000">
+              <a:spcBef>
+                <a:spcPts val="1417"/>
+              </a:spcBef>
+              <a:buClr>
+                <a:srgbClr val="000000"/>
+              </a:buClr>
+              <a:buSzPct val="45000"/>
+              <a:buFont typeface="Wingdings" charset="2"/>
+              <a:buChar char=""/>
+            </a:pPr>
+            <a:r>
+              <a:rPr lang="en-US" sz="3200" b="0" strike="noStrike" spc="-1">
+                <a:latin typeface="Arial"/>
+              </a:rPr>
+              <a:t>Click to edit the outline text format</a:t>
+            </a:r>
+          </a:p>
+          <a:p>
+            <a:pPr marL="864000" lvl="1" indent="-324000">
+              <a:spcBef>
+                <a:spcPts val="1134"/>
+              </a:spcBef>
+              <a:buClr>
+                <a:srgbClr val="000000"/>
+              </a:buClr>
+              <a:buSzPct val="75000"/>
+              <a:buFont typeface="Symbol" charset="2"/>
+              <a:buChar char=""/>
+            </a:pPr>
+            <a:r>
+              <a:rPr lang="en-US" sz="2800" b="0" strike="noStrike" spc="-1">
+                <a:latin typeface="Arial"/>
+              </a:rPr>
+              <a:t>Second Outline Level</a:t>
+            </a:r>
+          </a:p>
+          <a:p>
+            <a:pPr marL="1296000" lvl="2" indent="-288000">
+              <a:spcBef>
+                <a:spcPts val="850"/>
+              </a:spcBef>
+              <a:buClr>
+                <a:srgbClr val="000000"/>
+              </a:buClr>
+              <a:buSzPct val="45000"/>
+              <a:buFont typeface="Wingdings" charset="2"/>
+              <a:buChar char=""/>
+            </a:pPr>
+            <a:r>
+              <a:rPr lang="en-US" sz="2400" b="0" strike="noStrike" spc="-1">
+                <a:latin typeface="Arial"/>
+              </a:rPr>
+              <a:t>Third Outline Level</a:t>
+            </a:r>
+          </a:p>
+          <a:p>
+            <a:pPr marL="1728000" lvl="3" indent="-216000">
+              <a:spcBef>
+                <a:spcPts val="567"/>
+              </a:spcBef>
+              <a:buClr>
+                <a:srgbClr val="000000"/>
+              </a:buClr>
+              <a:buSzPct val="75000"/>
+              <a:buFont typeface="Symbol" charset="2"/>
+              <a:buChar char=""/>
+            </a:pPr>
+            <a:r>
+              <a:rPr lang="en-US" sz="2000" b="0" strike="noStrike" spc="-1">
+                <a:latin typeface="Arial"/>
+              </a:rPr>
+              <a:t>Fourth Outline Level</a:t>
+            </a:r>
+          </a:p>
+          <a:p>
+            <a:pPr marL="2160000" lvl="4" indent="-216000">
+              <a:spcBef>
+                <a:spcPts val="283"/>
+              </a:spcBef>
+              <a:buClr>
+                <a:srgbClr val="000000"/>
+              </a:buClr>
+              <a:buSzPct val="45000"/>
+              <a:buFont typeface="Wingdings" charset="2"/>
+              <a:buChar char=""/>
+            </a:pPr>
+            <a:r>
+              <a:rPr lang="en-US" sz="2000" b="0" strike="noStrike" spc="-1">
+                <a:latin typeface="Arial"/>
+              </a:rPr>
+              <a:t>Fifth Outline Level</a:t>
+            </a:r>
+          </a:p>
+          <a:p>
+            <a:pPr marL="2592000" lvl="5" indent="-216000">
+              <a:spcBef>
+                <a:spcPts val="283"/>
+              </a:spcBef>
+              <a:buClr>
+                <a:srgbClr val="000000"/>
+              </a:buClr>
+              <a:buSzPct val="45000"/>
+              <a:buFont typeface="Wingdings" charset="2"/>
+              <a:buChar char=""/>
+            </a:pPr>
+            <a:r>
+              <a:rPr lang="en-US" sz="2000" b="0" strike="noStrike" spc="-1">
+                <a:latin typeface="Arial"/>
+              </a:rPr>
+              <a:t>Sixth Outline Level</a:t>
+            </a:r>
+          </a:p>
+          <a:p>
+            <a:pPr marL="3024000" lvl="6" indent="-216000">
+              <a:spcBef>
+                <a:spcPts val="283"/>
+              </a:spcBef>
+              <a:buClr>
+                <a:srgbClr val="000000"/>
+              </a:buClr>
+              <a:buSzPct val="45000"/>
+              <a:buFont typeface="Wingdings" charset="2"/>
+              <a:buChar char=""/>
+            </a:pPr>
+            <a:r>
+              <a:rPr lang="en-US" sz="2000" b="0" strike="noStrike" spc="-1">
+                <a:latin typeface="Arial"/>
+              </a:rPr>
+              <a:t>Seventh Outline Level</a:t>
+            </a:r>
+          </a:p>
+        </p:txBody>
+      </p:sp>
+      <p:sp>
+        <p:nvSpPr>
+          <p:cNvPr id="2" name="PlaceHolder 3"/>
+          <p:cNvSpPr>
+            <a:spLocks noGrp="1"/>
+          </p:cNvSpPr>
+          <p:nvPr>
+            <p:ph type="dt"/>
+          </p:nvPr>
+        </p:nvSpPr>
+        <p:spPr>
+          <a:xfrm>
+            <a:off x="504000" y="5165280"/>
+            <a:ext cx="2348280" cy="390600"/>
+          </a:xfrm>
+          <a:prstGeom prst="rect">
+            <a:avLst/>
+          </a:prstGeom>
+        </p:spPr>
+        <p:txBody>
+          <a:bodyPr lIns="0" tIns="0" rIns="0" bIns="0"/>
+          <a:lstStyle/>
+          <a:p>
+            <a:r>
+              <a:rPr lang="en-US" sz="1400" b="0" strike="noStrike" spc="-1">
+                <a:latin typeface="Times New Roman"/>
+              </a:rPr>
+              <a:t>&lt;date/time&gt;</a:t>
+            </a:r>
+          </a:p>
+        </p:txBody>
+      </p:sp>
+      <p:sp>
+        <p:nvSpPr>
+          <p:cNvPr id="3" name="PlaceHolder 4"/>
+          <p:cNvSpPr>
+            <a:spLocks noGrp="1"/>
+          </p:cNvSpPr>
+          <p:nvPr>
+            <p:ph type="ftr"/>
+          </p:nvPr>
+        </p:nvSpPr>
+        <p:spPr>
+          <a:xfrm>
+            <a:off x="3447360" y="5165280"/>
+            <a:ext cx="3195000" cy="390600"/>
+          </a:xfrm>
+          <a:prstGeom prst="rect">
+            <a:avLst/>
+          </a:prstGeom>
+        </p:spPr>
+        <p:txBody>
+          <a:bodyPr lIns="0" tIns="0" rIns="0" bIns="0"/>
+          <a:lstStyle/>
+          <a:p>
+            <a:pPr algn="ctr"/>
+            <a:r>
+              <a:rPr lang="en-US" sz="1400" b="0" strike="noStrike" spc="-1">
+                <a:latin typeface="Times New Roman"/>
+              </a:rPr>
+              <a:t>&lt;footer&gt;</a:t>
+            </a:r>
+          </a:p>
+        </p:txBody>
+      </p:sp>
+      <p:sp>
+        <p:nvSpPr>
+          <p:cNvPr id="4" name="PlaceHolder 5"/>
+          <p:cNvSpPr>
+            <a:spLocks noGrp="1"/>
+          </p:cNvSpPr>
+          <p:nvPr>
+            <p:ph type="sldNum"/>
+          </p:nvPr>
+        </p:nvSpPr>
+        <p:spPr>
+          <a:xfrm>
+            <a:off x="7227360" y="5165280"/>
+            <a:ext cx="2348280" cy="390600"/>
+          </a:xfrm>
+          <a:prstGeom prst="rect">
+            <a:avLst/>
+          </a:prstGeom>
+        </p:spPr>
+        <p:txBody>
+          <a:bodyPr lIns="0" tIns="0" rIns="0" bIns="0"/>
+          <a:lstStyle/>
+          <a:p>
+            <a:pPr algn="r"/>
+            <a:fld id="{BD3A539B-743D-43CC-A65F-3A21E52F8418}" type="slidenum">
+              <a:rPr lang="en-US" sz="1400" b="0" strike="noStrike" spc="-1">
+                <a:latin typeface="Times New Roman"/>
+              </a:rPr>
+              <a:t>‹#›</a:t>
+            </a:fld>
+            <a:endParaRPr lang="en-US" sz="1400" b="0" strike="noStrike" spc="-1">
+              <a:latin typeface="Times New Roman"/>
+            </a:endParaRPr>
+          </a:p>
+        </p:txBody>
+      </p:sp>
+    </p:spTree>
+  </p:cSld>
+  <p:clrMap bg1="lt1" tx1="dk1" bg2="lt2" tx2="dk2" accent1="accent1" accent2="accent2" accent3="accent3" accent4="accent4" accent5="accent5" accent6="accent6" hlink="hlink" folHlink="folHlink"/>
+  <p:sldLayoutIdLst>
+    <p:sldLayoutId id="2147483649" r:id="rId1"/>
+    <p:sldLayoutId id="2147483650" r:id="rId2"/>
+    <p:sldLayoutId id="2147483651" r:id="rId3"/>
+    <p:sldLayoutId id="2147483652" r:id="rId4"/>
+    <p:sldLayoutId id="2147483653" r:id="rId5"/>
+    <p:sldLayoutId id="2147483654" r:id="rId6"/>
+    <p:sldLayoutId id="2147483655" r:id="rId7"/>
+    <p:sldLayoutId id="2147483656" r:id="rId8"/>
+    <p:sldLayoutId id="2147483657" r:id="rId9"/>
+    <p:sldLayoutId id="2147483658" r:id="rId10"/>
+    <p:sldLayoutId id="2147483659" r:id="rId11"/>
+    <p:sldLayoutId id="2147483660" r:id="rId12"/>
+  </p:sldLayoutIdLst>
+  <p:txStyles>
+    <p:titleStyle>
+      <a:lvl1pPr algn="l" defTabSz="914400" rtl="0" eaLnBrk="1" latinLnBrk="0" hangingPunct="1">
+        <a:lnSpc>
+          <a:spcPct val="90000"/>
+        </a:lnSpc>
+        <a:spcBef>
+          <a:spcPct val="0"/>
+        </a:spcBef>
+        <a:buNone/>
+        <a:defRPr sz="4400" kern="1200">
+          <a:solidFill>
+            <a:schemeClr val="tx1"/>
+          </a:solidFill>
+          <a:latin typeface="+mj-lt"/>
+          <a:ea typeface="+mj-ea"/>
+          <a:cs typeface="+mj-cs"/>
+        </a:defRPr>
+      </a:lvl1pPr>
+    </p:titleStyle>
+    <p:bodyStyle>
+      <a:lvl1pPr marL="228600" indent="-228600" algn="l" defTabSz="914400" rtl="0" eaLnBrk="1" latinLnBrk="0" hangingPunct="1">
+        <a:lnSpc>
+          <a:spcPct val="90000"/>
+        </a:lnSpc>
+        <a:spcBef>
+          <a:spcPts val="1000"/>
+        </a:spcBef>
+        <a:buFont typeface="Arial" panose="020B0604020202020204" pitchFamily="34" charset="0"/>
+        <a:buChar char="•"/>
+        <a:defRPr sz="2800" kern="1200">
+          <a:solidFill>
+            <a:schemeClr val="tx1"/>
+          </a:solidFill>
+          <a:latin typeface="+mn-lt"/>
+          <a:ea typeface="+mn-ea"/>
+          <a:cs typeface="+mn-cs"/>
+        </a:defRPr>
+      </a:lvl1pPr>
+      <a:lvl2pPr marL="685800" indent="-228600" algn="l" defTabSz="914400" rtl="0" eaLnBrk="1" latinLnBrk="0" hangingPunct="1">
+        <a:lnSpc>
+          <a:spcPct val="90000"/>
+        </a:lnSpc>
+        <a:spcBef>
+          <a:spcPts val="500"/>
+        </a:spcBef>
+        <a:buFont typeface="Arial" panose="020B0604020202020204" pitchFamily="34" charset="0"/>
+        <a:buChar char="•"/>
+        <a:defRPr sz="2400" kern="1200">
+          <a:solidFill>
+            <a:schemeClr val="tx1"/>
+          </a:solidFill>
+          <a:latin typeface="+mn-lt"/>
+          <a:ea typeface="+mn-ea"/>
+          <a:cs typeface="+mn-cs"/>
+        </a:defRPr>
+      </a:lvl2pPr>
+      <a:lvl3pPr marL="1143000" indent="-228600" algn="l" defTabSz="914400" rtl="0" eaLnBrk="1" latinLnBrk="0" hangingPunct="1">
+        <a:lnSpc>
+          <a:spcPct val="90000"/>
+        </a:lnSpc>
+        <a:spcBef>
+          <a:spcPts val="500"/>
+        </a:spcBef>
+        <a:buFont typeface="Arial" panose="020B0604020202020204" pitchFamily="34" charset="0"/>
+        <a:buChar char="•"/>
+        <a:defRPr sz="2000" kern="1200">
+          <a:solidFill>
+            <a:schemeClr val="tx1"/>
+          </a:solidFill>
+          <a:latin typeface="+mn-lt"/>
+          <a:ea typeface="+mn-ea"/>
+          <a:cs typeface="+mn-cs"/>
+        </a:defRPr>
+      </a:lvl3pPr>
+      <a:lvl4pPr marL="1600200" indent="-228600" algn="l" defTabSz="914400" rtl="0" eaLnBrk="1" latinLnBrk="0" hangingPunct="1">
+        <a:lnSpc>
+          <a:spcPct val="90000"/>
+        </a:lnSpc>
+        <a:spcBef>
+          <a:spcPts val="500"/>
+        </a:spcBef>
+        <a:buFont typeface="Arial" panose="020B0604020202020204" pitchFamily="34" charset="0"/>
+        <a:buChar char="•"/>
+        <a:defRPr sz="1800" kern="1200">
+          <a:solidFill>
+            <a:schemeClr val="tx1"/>
+          </a:solidFill>
+          <a:latin typeface="+mn-lt"/>
+          <a:ea typeface="+mn-ea"/>
+          <a:cs typeface="+mn-cs"/>
+        </a:defRPr>
+      </a:lvl4pPr>
+      <a:lvl5pPr marL="2057400" indent="-228600" algn="l" defTabSz="914400" rtl="0" eaLnBrk="1" latinLnBrk="0" hangingPunct="1">
+        <a:lnSpc>
+          <a:spcPct val="90000"/>
+        </a:lnSpc>
+        <a:spcBef>
+          <a:spcPts val="500"/>
+        </a:spcBef>
+        <a:buFont typeface="Arial" panose="020B0604020202020204" pitchFamily="34" charset="0"/>
+        <a:buChar char="•"/>
+        <a:defRPr sz="1800" kern="1200">
+          <a:solidFill>
+            <a:schemeClr val="tx1"/>
+          </a:solidFill>
+          <a:latin typeface="+mn-lt"/>
+          <a:ea typeface="+mn-ea"/>
+          <a:cs typeface="+mn-cs"/>
+        </a:defRPr>
+      </a:lvl5pPr>
+      <a:lvl6pPr marL="2514600" indent="-228600" algn="l" defTabSz="914400" rtl="0" eaLnBrk="1" latinLnBrk="0" hangingPunct="1">
+        <a:lnSpc>
+          <a:spcPct val="90000"/>
+        </a:lnSpc>
+        <a:spcBef>
+          <a:spcPts val="500"/>
+        </a:spcBef>
+        <a:buFont typeface="Arial" panose="020B0604020202020204" pitchFamily="34" charset="0"/>
+        <a:buChar char="•"/>
+        <a:defRPr sz="1800" kern="1200">
+          <a:solidFill>
+            <a:schemeClr val="tx1"/>
+          </a:solidFill>
+          <a:latin typeface="+mn-lt"/>
+          <a:ea typeface="+mn-ea"/>
+          <a:cs typeface="+mn-cs"/>
+        </a:defRPr>
+      </a:lvl6pPr>
+      <a:lvl7pPr marL="2971800" indent="-228600" algn="l" defTabSz="914400" rtl="0" eaLnBrk="1" latinLnBrk="0" hangingPunct="1">
+        <a:lnSpc>
+          <a:spcPct val="90000"/>
+        </a:lnSpc>
+        <a:spcBef>
+          <a:spcPts val="500"/>
+        </a:spcBef>
+        <a:buFont typeface="Arial" panose="020B0604020202020204" pitchFamily="34" charset="0"/>
+        <a:buChar char="•"/>
+        <a:defRPr sz="1800" kern="1200">
+          <a:solidFill>
+            <a:schemeClr val="tx1"/>
+          </a:solidFill>
+          <a:latin typeface="+mn-lt"/>
+          <a:ea typeface="+mn-ea"/>
+          <a:cs typeface="+mn-cs"/>
+        </a:defRPr>
+      </a:lvl7pPr>
+      <a:lvl8pPr marL="3429000" indent="-228600" algn="l" defTabSz="914400" rtl="0" eaLnBrk="1" latinLnBrk="0" hangingPunct="1">
+        <a:lnSpc>
+          <a:spcPct val="90000"/>
+        </a:lnSpc>
+        <a:spcBef>
+          <a:spcPts val="500"/>
+        </a:spcBef>
+        <a:buFont typeface="Arial" panose="020B0604020202020204" pitchFamily="34" charset="0"/>
+        <a:buChar char="•"/>
+        <a:defRPr sz="1800" kern="1200">
+          <a:solidFill>
+            <a:schemeClr val="tx1"/>
+          </a:solidFill>
+          <a:latin typeface="+mn-lt"/>
+          <a:ea typeface="+mn-ea"/>
+          <a:cs typeface="+mn-cs"/>
+        </a:defRPr>
+      </a:lvl8pPr>
+      <a:lvl9pPr marL="3886200" indent="-228600" algn="l" defTabSz="914400" rtl="0" eaLnBrk="1" latinLnBrk="0" hangingPunct="1">
+        <a:lnSpc>
+          <a:spcPct val="90000"/>
+        </a:lnSpc>
+        <a:spcBef>
+          <a:spcPts val="500"/>
+        </a:spcBef>
+        <a:buFont typeface="Arial" panose="020B0604020202020204" pitchFamily="34" charset="0"/>
+        <a:buChar char="•"/>
+        <a:defRPr sz="1800" kern="1200">
+          <a:solidFill>
+            <a:schemeClr val="tx1"/>
+          </a:solidFill>
+          <a:latin typeface="+mn-lt"/>
+          <a:ea typeface="+mn-ea"/>
+          <a:cs typeface="+mn-cs"/>
+        </a:defRPr>
+      </a:lvl9pPr>
+    </p:bodyStyle>
+    <p:otherStyle>
+      <a:defPPr>
+        <a:defRPr lang="en-US"/>
+      </a:defPPr>
+      <a:lvl1pPr marL="0" algn="l" defTabSz="914400" rtl="0" eaLnBrk="1" latinLnBrk="0" hangingPunct="1">
+        <a:defRPr sz="1800" kern="1200">
+          <a:solidFill>
+            <a:schemeClr val="tx1"/>
+          </a:solidFill>
+          <a:latin typeface="+mn-lt"/>
+          <a:ea typeface="+mn-ea"/>
+          <a:cs typeface="+mn-cs"/>
+        </a:defRPr>
+      </a:lvl1pPr>
+      <a:lvl2pPr marL="457200" algn="l" defTabSz="914400" rtl="0" eaLnBrk="1" latinLnBrk="0" hangingPunct="1">
+        <a:defRPr sz="1800" kern="1200">
+          <a:solidFill>
+            <a:schemeClr val="tx1"/>
+          </a:solidFill>
+          <a:latin typeface="+mn-lt"/>
+          <a:ea typeface="+mn-ea"/>
+          <a:cs typeface="+mn-cs"/>
+        </a:defRPr>
+      </a:lvl2pPr>
+      <a:lvl3pPr marL="914400" algn="l" defTabSz="914400" rtl="0" eaLnBrk="1" latinLnBrk="0" hangingPunct="1">
+        <a:defRPr sz="1800" kern="1200">
+          <a:solidFill>
+            <a:schemeClr val="tx1"/>
+          </a:solidFill>
+          <a:latin typeface="+mn-lt"/>
+          <a:ea typeface="+mn-ea"/>
+          <a:cs typeface="+mn-cs"/>
+        </a:defRPr>
+      </a:lvl3pPr>
+      <a:lvl4pPr marL="1371600" algn="l" defTabSz="914400" rtl="0" eaLnBrk="1" latinLnBrk="0" hangingPunct="1">
+        <a:defRPr sz="1800" kern="1200">
+          <a:solidFill>
+            <a:schemeClr val="tx1"/>
+          </a:solidFill>
+          <a:latin typeface="+mn-lt"/>
+          <a:ea typeface="+mn-ea"/>
+          <a:cs typeface="+mn-cs"/>
+        </a:defRPr>
+      </a:lvl4pPr>
+      <a:lvl5pPr marL="1828800" algn="l" defTabSz="914400" rtl="0" eaLnBrk="1" latinLnBrk="0" hangingPunct="1">
+        <a:defRPr sz="1800" kern="1200">
+          <a:solidFill>
+            <a:schemeClr val="tx1"/>
+          </a:solidFill>
+          <a:latin typeface="+mn-lt"/>
+          <a:ea typeface="+mn-ea"/>
+          <a:cs typeface="+mn-cs"/>
+        </a:defRPr>
+      </a:lvl5pPr>
+      <a:lvl6pPr marL="2286000" algn="l" defTabSz="914400" rtl="0" eaLnBrk="1" latinLnBrk="0" hangingPunct="1">
+        <a:defRPr sz="1800" kern="1200">
+          <a:solidFill>
+            <a:schemeClr val="tx1"/>
+          </a:solidFill>
+          <a:latin typeface="+mn-lt"/>
+          <a:ea typeface="+mn-ea"/>
+          <a:cs typeface="+mn-cs"/>
+        </a:defRPr>
+      </a:lvl6pPr>
+      <a:lvl7pPr marL="2743200" algn="l" defTabSz="914400" rtl="0" eaLnBrk="1" latinLnBrk="0" hangingPunct="1">
+        <a:defRPr sz="1800" kern="1200">
+          <a:solidFill>
+            <a:schemeClr val="tx1"/>
+          </a:solidFill>
+          <a:latin typeface="+mn-lt"/>
+          <a:ea typeface="+mn-ea"/>
+          <a:cs typeface="+mn-cs"/>
+        </a:defRPr>
+      </a:lvl7pPr>
+      <a:lvl8pPr marL="3200400" algn="l" defTabSz="914400" rtl="0" eaLnBrk="1" latinLnBrk="0" hangingPunct="1">
+        <a:defRPr sz="1800" kern="1200">
+          <a:solidFill>
+            <a:schemeClr val="tx1"/>
+          </a:solidFill>
+          <a:latin typeface="+mn-lt"/>
+          <a:ea typeface="+mn-ea"/>
+          <a:cs typeface="+mn-cs"/>
+        </a:defRPr>
+      </a:lvl8pPr>
+      <a:lvl9pPr marL="3657600" algn="l" defTabSz="914400" rtl="0" eaLnBrk="1" latinLnBrk="0" hangingPunct="1">
+        <a:defRPr sz="1800" kern="1200">
+          <a:solidFill>
+            <a:schemeClr val="tx1"/>
+          </a:solidFill>
+          <a:latin typeface="+mn-lt"/>
+          <a:ea typeface="+mn-ea"/>
+          <a:cs typeface="+mn-cs"/>
+        </a:defRPr>
+      </a:lvl9pPr>
+    </p:otherStyle>
+  </p:txStyles>
+</p:sldMaster>
+</file>
+
+<file path=ppt/slides/slide1.xml><?xml version="1.0" encoding="utf-8"?>
+<p:sld xmlns:a="http://schemas.openxmlformats.org/drawingml/2006/main" xmlns:r="http://schemas.openxmlformats.org/officeDocument/2006/relationships" xmlns:p="http://schemas.openxmlformats.org/presentationml/2006/main">
   <p:cSld>
     <p:spTree>
       <p:nvGrpSpPr>
@@ -1377,344 +2159,197 @@
       </p:grpSpPr>
       <p:sp>
         <p:nvSpPr>
-          <p:cNvPr id="0" name="PlaceHolder 1"/>
-          <p:cNvSpPr>
-            <a:spLocks noGrp="1"/>
-          </p:cNvSpPr>
-          <p:nvPr>
-            <p:ph type="title"/>
-          </p:nvPr>
-        </p:nvSpPr>
-        <p:spPr>
-          <a:xfrm>
-            <a:off x="504000" y="226080"/>
-            <a:ext cx="9071640" cy="946440"/>
-          </a:xfrm>
-          <a:prstGeom prst="rect">
-            <a:avLst/>
-          </a:prstGeom>
-        </p:spPr>
-        <p:txBody>
-          <a:bodyPr lIns="0" rIns="0" tIns="0" bIns="0" anchor="ctr"/>
+          <p:cNvPr id="41" name="TextShape 1"/>
+          <p:cNvSpPr txBox="1"/>
+          <p:nvPr/>
+        </p:nvSpPr>
+        <p:spPr>
+          <a:xfrm>
+            <a:off x="529560" y="1828800"/>
+            <a:ext cx="9071640" cy="1463040"/>
+          </a:xfrm>
+          <a:prstGeom prst="rect">
+            <a:avLst/>
+          </a:prstGeom>
+          <a:noFill/>
+          <a:ln>
+            <a:noFill/>
+          </a:ln>
+        </p:spPr>
+        <p:txBody>
+          <a:bodyPr lIns="0" tIns="0" rIns="0" bIns="0" anchor="ctr"/>
+          <a:lstStyle/>
           <a:p>
             <a:pPr algn="ctr"/>
             <a:r>
-              <a:rPr b="0" lang="en-US" sz="4400" spc="-1" strike="noStrike">
-                <a:latin typeface="Arial"/>
-              </a:rPr>
-              <a:t>Click to edit the title text format</a:t>
-            </a:r>
-            <a:endParaRPr b="0" lang="en-US" sz="4400" spc="-1" strike="noStrike">
+              <a:rPr lang="en-US" sz="3200" b="1" strike="noStrike" spc="-1">
+                <a:latin typeface="Arial"/>
+              </a:rPr>
+              <a:t>MVC Through SCRIPTING LANGUAGES</a:t>
+            </a:r>
+          </a:p>
+        </p:txBody>
+      </p:sp>
+      <p:sp>
+        <p:nvSpPr>
+          <p:cNvPr id="42" name="TextShape 2"/>
+          <p:cNvSpPr txBox="1"/>
+          <p:nvPr/>
+        </p:nvSpPr>
+        <p:spPr>
+          <a:xfrm>
+            <a:off x="1005840" y="731520"/>
+            <a:ext cx="3749040" cy="713520"/>
+          </a:xfrm>
+          <a:prstGeom prst="rect">
+            <a:avLst/>
+          </a:prstGeom>
+          <a:noFill/>
+          <a:ln>
+            <a:noFill/>
+          </a:ln>
+        </p:spPr>
+        <p:txBody>
+          <a:bodyPr lIns="90000" tIns="45000" rIns="90000" bIns="45000"/>
+          <a:lstStyle/>
+          <a:p>
+            <a:r>
+              <a:rPr lang="en-US" sz="4400" b="0" strike="noStrike" spc="-1">
+                <a:latin typeface="Arial"/>
+              </a:rPr>
+              <a:t>Welcome</a:t>
+            </a:r>
+          </a:p>
+        </p:txBody>
+      </p:sp>
+      <p:sp>
+        <p:nvSpPr>
+          <p:cNvPr id="43" name="TextShape 3"/>
+          <p:cNvSpPr txBox="1"/>
+          <p:nvPr/>
+        </p:nvSpPr>
+        <p:spPr>
+          <a:xfrm>
+            <a:off x="2286000" y="1463040"/>
+            <a:ext cx="1737360" cy="430200"/>
+          </a:xfrm>
+          <a:prstGeom prst="rect">
+            <a:avLst/>
+          </a:prstGeom>
+          <a:noFill/>
+          <a:ln>
+            <a:noFill/>
+          </a:ln>
+        </p:spPr>
+        <p:txBody>
+          <a:bodyPr lIns="90000" tIns="45000" rIns="90000" bIns="45000"/>
+          <a:lstStyle/>
+          <a:p>
+            <a:r>
+              <a:rPr lang="en-US" sz="2400" b="1" strike="noStrike" spc="-1">
+                <a:latin typeface="Arial"/>
+              </a:rPr>
+              <a:t>To</a:t>
+            </a:r>
+          </a:p>
+        </p:txBody>
+      </p:sp>
+      <p:sp>
+        <p:nvSpPr>
+          <p:cNvPr id="44" name="TextShape 4"/>
+          <p:cNvSpPr txBox="1"/>
+          <p:nvPr/>
+        </p:nvSpPr>
+        <p:spPr>
+          <a:xfrm>
+            <a:off x="6492240" y="3566160"/>
+            <a:ext cx="3291840" cy="1114200"/>
+          </a:xfrm>
+          <a:prstGeom prst="rect">
+            <a:avLst/>
+          </a:prstGeom>
+          <a:noFill/>
+          <a:ln>
+            <a:noFill/>
+          </a:ln>
+        </p:spPr>
+        <p:txBody>
+          <a:bodyPr lIns="90000" tIns="45000" rIns="90000" bIns="45000"/>
+          <a:lstStyle/>
+          <a:p>
+            <a:r>
+              <a:rPr lang="en-US" sz="1800" b="0" strike="noStrike" spc="-1">
+                <a:latin typeface="Arial"/>
+              </a:rPr>
+              <a:t>Mr. U. Joshua,</a:t>
+            </a:r>
+          </a:p>
+          <a:p>
+            <a:r>
+              <a:rPr lang="en-US" sz="1800" b="0" i="1" strike="noStrike" spc="-1">
+                <a:latin typeface="Arial"/>
+              </a:rPr>
+              <a:t>Asst. Prof.</a:t>
+            </a:r>
+            <a:endParaRPr lang="en-US" sz="1800" b="0" strike="noStrike" spc="-1">
               <a:latin typeface="Arial"/>
             </a:endParaRPr>
           </a:p>
-        </p:txBody>
-      </p:sp>
-      <p:sp>
-        <p:nvSpPr>
-          <p:cNvPr id="1" name="PlaceHolder 2"/>
-          <p:cNvSpPr>
-            <a:spLocks noGrp="1"/>
-          </p:cNvSpPr>
-          <p:nvPr>
-            <p:ph type="body"/>
-          </p:nvPr>
-        </p:nvSpPr>
-        <p:spPr>
-          <a:xfrm>
-            <a:off x="504000" y="1326600"/>
-            <a:ext cx="9071640" cy="3288240"/>
-          </a:xfrm>
-          <a:prstGeom prst="rect">
-            <a:avLst/>
-          </a:prstGeom>
-        </p:spPr>
-        <p:txBody>
-          <a:bodyPr lIns="0" rIns="0" tIns="0" bIns="0">
-            <a:normAutofit/>
-          </a:bodyPr>
-          <a:p>
-            <a:pPr marL="432000" indent="-324000">
-              <a:spcBef>
-                <a:spcPts val="1417"/>
-              </a:spcBef>
-              <a:buClr>
-                <a:srgbClr val="000000"/>
-              </a:buClr>
-              <a:buSzPct val="45000"/>
-              <a:buFont typeface="Wingdings" charset="2"/>
-              <a:buChar char=""/>
-            </a:pPr>
-            <a:r>
-              <a:rPr b="0" lang="en-US" sz="3200" spc="-1" strike="noStrike">
-                <a:latin typeface="Arial"/>
-              </a:rPr>
-              <a:t>Click to edit the outline text format</a:t>
-            </a:r>
-            <a:endParaRPr b="0" lang="en-US" sz="3200" spc="-1" strike="noStrike">
-              <a:latin typeface="Arial"/>
-            </a:endParaRPr>
-          </a:p>
-          <a:p>
-            <a:pPr lvl="1" marL="864000" indent="-324000">
-              <a:spcBef>
-                <a:spcPts val="1134"/>
-              </a:spcBef>
-              <a:buClr>
-                <a:srgbClr val="000000"/>
-              </a:buClr>
-              <a:buSzPct val="75000"/>
-              <a:buFont typeface="Symbol" charset="2"/>
-              <a:buChar char=""/>
-            </a:pPr>
-            <a:r>
-              <a:rPr b="0" lang="en-US" sz="2800" spc="-1" strike="noStrike">
-                <a:latin typeface="Arial"/>
-              </a:rPr>
-              <a:t>Second Outline Level</a:t>
-            </a:r>
-            <a:endParaRPr b="0" lang="en-US" sz="2800" spc="-1" strike="noStrike">
-              <a:latin typeface="Arial"/>
-            </a:endParaRPr>
-          </a:p>
-          <a:p>
-            <a:pPr lvl="2" marL="1296000" indent="-288000">
-              <a:spcBef>
-                <a:spcPts val="850"/>
-              </a:spcBef>
-              <a:buClr>
-                <a:srgbClr val="000000"/>
-              </a:buClr>
-              <a:buSzPct val="45000"/>
-              <a:buFont typeface="Wingdings" charset="2"/>
-              <a:buChar char=""/>
-            </a:pPr>
-            <a:r>
-              <a:rPr b="0" lang="en-US" sz="2400" spc="-1" strike="noStrike">
-                <a:latin typeface="Arial"/>
-              </a:rPr>
-              <a:t>Third Outline Level</a:t>
-            </a:r>
-            <a:endParaRPr b="0" lang="en-US" sz="2400" spc="-1" strike="noStrike">
-              <a:latin typeface="Arial"/>
-            </a:endParaRPr>
-          </a:p>
-          <a:p>
-            <a:pPr lvl="3" marL="1728000" indent="-216000">
-              <a:spcBef>
-                <a:spcPts val="567"/>
-              </a:spcBef>
-              <a:buClr>
-                <a:srgbClr val="000000"/>
-              </a:buClr>
-              <a:buSzPct val="75000"/>
-              <a:buFont typeface="Symbol" charset="2"/>
-              <a:buChar char=""/>
-            </a:pPr>
-            <a:r>
-              <a:rPr b="0" lang="en-US" sz="2000" spc="-1" strike="noStrike">
-                <a:latin typeface="Arial"/>
-              </a:rPr>
-              <a:t>Fourth Outline Level</a:t>
-            </a:r>
-            <a:endParaRPr b="0" lang="en-US" sz="2000" spc="-1" strike="noStrike">
-              <a:latin typeface="Arial"/>
-            </a:endParaRPr>
-          </a:p>
-          <a:p>
-            <a:pPr lvl="4" marL="2160000" indent="-216000">
-              <a:spcBef>
-                <a:spcPts val="283"/>
-              </a:spcBef>
-              <a:buClr>
-                <a:srgbClr val="000000"/>
-              </a:buClr>
-              <a:buSzPct val="45000"/>
-              <a:buFont typeface="Wingdings" charset="2"/>
-              <a:buChar char=""/>
-            </a:pPr>
-            <a:r>
-              <a:rPr b="0" lang="en-US" sz="2000" spc="-1" strike="noStrike">
-                <a:latin typeface="Arial"/>
-              </a:rPr>
-              <a:t>Fifth Outline Level</a:t>
-            </a:r>
-            <a:endParaRPr b="0" lang="en-US" sz="2000" spc="-1" strike="noStrike">
-              <a:latin typeface="Arial"/>
-            </a:endParaRPr>
-          </a:p>
-          <a:p>
-            <a:pPr lvl="5" marL="2592000" indent="-216000">
-              <a:spcBef>
-                <a:spcPts val="283"/>
-              </a:spcBef>
-              <a:buClr>
-                <a:srgbClr val="000000"/>
-              </a:buClr>
-              <a:buSzPct val="45000"/>
-              <a:buFont typeface="Wingdings" charset="2"/>
-              <a:buChar char=""/>
-            </a:pPr>
-            <a:r>
-              <a:rPr b="0" lang="en-US" sz="2000" spc="-1" strike="noStrike">
-                <a:latin typeface="Arial"/>
-              </a:rPr>
-              <a:t>Sixth Outline Level</a:t>
-            </a:r>
-            <a:endParaRPr b="0" lang="en-US" sz="2000" spc="-1" strike="noStrike">
-              <a:latin typeface="Arial"/>
-            </a:endParaRPr>
-          </a:p>
-          <a:p>
-            <a:pPr lvl="6" marL="3024000" indent="-216000">
-              <a:spcBef>
-                <a:spcPts val="283"/>
-              </a:spcBef>
-              <a:buClr>
-                <a:srgbClr val="000000"/>
-              </a:buClr>
-              <a:buSzPct val="45000"/>
-              <a:buFont typeface="Wingdings" charset="2"/>
-              <a:buChar char=""/>
-            </a:pPr>
-            <a:r>
-              <a:rPr b="0" lang="en-US" sz="2000" spc="-1" strike="noStrike">
-                <a:latin typeface="Arial"/>
-              </a:rPr>
-              <a:t>Seventh Outline Level</a:t>
-            </a:r>
-            <a:endParaRPr b="0" lang="en-US" sz="2000" spc="-1" strike="noStrike">
-              <a:latin typeface="Arial"/>
-            </a:endParaRPr>
-          </a:p>
-        </p:txBody>
-      </p:sp>
-      <p:sp>
-        <p:nvSpPr>
-          <p:cNvPr id="2" name="PlaceHolder 3"/>
-          <p:cNvSpPr>
-            <a:spLocks noGrp="1"/>
-          </p:cNvSpPr>
-          <p:nvPr>
-            <p:ph type="dt"/>
-          </p:nvPr>
-        </p:nvSpPr>
-        <p:spPr>
-          <a:xfrm>
-            <a:off x="504000" y="5165280"/>
-            <a:ext cx="2348280" cy="390600"/>
-          </a:xfrm>
-          <a:prstGeom prst="rect">
-            <a:avLst/>
-          </a:prstGeom>
-        </p:spPr>
-        <p:txBody>
-          <a:bodyPr lIns="0" rIns="0" tIns="0" bIns="0"/>
-          <a:p>
-            <a:r>
-              <a:rPr b="0" lang="en-US" sz="1400" spc="-1" strike="noStrike">
-                <a:latin typeface="Times New Roman"/>
-              </a:rPr>
-              <a:t>&lt;date/time&gt;</a:t>
-            </a:r>
-            <a:endParaRPr b="0" lang="en-US" sz="1400" spc="-1" strike="noStrike">
-              <a:latin typeface="Times New Roman"/>
-            </a:endParaRPr>
-          </a:p>
-        </p:txBody>
-      </p:sp>
-      <p:sp>
-        <p:nvSpPr>
-          <p:cNvPr id="3" name="PlaceHolder 4"/>
-          <p:cNvSpPr>
-            <a:spLocks noGrp="1"/>
-          </p:cNvSpPr>
-          <p:nvPr>
-            <p:ph type="ftr"/>
-          </p:nvPr>
-        </p:nvSpPr>
-        <p:spPr>
-          <a:xfrm>
-            <a:off x="3447360" y="5165280"/>
-            <a:ext cx="3195000" cy="390600"/>
-          </a:xfrm>
-          <a:prstGeom prst="rect">
-            <a:avLst/>
-          </a:prstGeom>
-        </p:spPr>
-        <p:txBody>
-          <a:bodyPr lIns="0" rIns="0" tIns="0" bIns="0"/>
-          <a:p>
-            <a:pPr algn="ctr"/>
-            <a:r>
-              <a:rPr b="0" lang="en-US" sz="1400" spc="-1" strike="noStrike">
-                <a:latin typeface="Times New Roman"/>
-              </a:rPr>
-              <a:t>&lt;footer&gt;</a:t>
-            </a:r>
-            <a:endParaRPr b="0" lang="en-US" sz="1400" spc="-1" strike="noStrike">
-              <a:latin typeface="Times New Roman"/>
-            </a:endParaRPr>
-          </a:p>
-        </p:txBody>
-      </p:sp>
-      <p:sp>
-        <p:nvSpPr>
-          <p:cNvPr id="4" name="PlaceHolder 5"/>
-          <p:cNvSpPr>
-            <a:spLocks noGrp="1"/>
-          </p:cNvSpPr>
-          <p:nvPr>
-            <p:ph type="sldNum"/>
-          </p:nvPr>
-        </p:nvSpPr>
-        <p:spPr>
-          <a:xfrm>
-            <a:off x="7227360" y="5165280"/>
-            <a:ext cx="2348280" cy="390600"/>
-          </a:xfrm>
-          <a:prstGeom prst="rect">
-            <a:avLst/>
-          </a:prstGeom>
-        </p:spPr>
-        <p:txBody>
-          <a:bodyPr lIns="0" rIns="0" tIns="0" bIns="0"/>
-          <a:p>
-            <a:pPr algn="r"/>
-            <a:fld id="{BD3A539B-743D-43CC-A65F-3A21E52F8418}" type="slidenum">
-              <a:rPr b="0" lang="en-US" sz="1400" spc="-1" strike="noStrike">
-                <a:latin typeface="Times New Roman"/>
-              </a:rPr>
-              <a:t>&lt;number&gt;</a:t>
-            </a:fld>
-            <a:endParaRPr b="0" lang="en-US" sz="1400" spc="-1" strike="noStrike">
-              <a:latin typeface="Times New Roman"/>
-            </a:endParaRPr>
+          <a:p>
+            <a:r>
+              <a:rPr lang="en-US" sz="1800" b="0" strike="noStrike" spc="-1">
+                <a:latin typeface="Arial"/>
+              </a:rPr>
+              <a:t>Department of CSE,</a:t>
+            </a:r>
+          </a:p>
+          <a:p>
+            <a:r>
+              <a:rPr lang="en-US" sz="1800" b="0" strike="noStrike" spc="-1">
+                <a:latin typeface="Arial"/>
+              </a:rPr>
+              <a:t>Email: jhashuva@cvr.ac.in</a:t>
+            </a:r>
           </a:p>
         </p:txBody>
       </p:sp>
     </p:spTree>
   </p:cSld>
-  <p:clrMap bg1="lt1" bg2="lt2" tx1="dk1" tx2="dk2" accent1="accent1" accent2="accent2" accent3="accent3" accent4="accent4" accent5="accent5" accent6="accent6" hlink="hlink" folHlink="folHlink"/>
-  <p:sldLayoutIdLst>
-    <p:sldLayoutId id="2147483649" r:id="rId2"/>
-    <p:sldLayoutId id="2147483650" r:id="rId3"/>
-    <p:sldLayoutId id="2147483651" r:id="rId4"/>
-    <p:sldLayoutId id="2147483652" r:id="rId5"/>
-    <p:sldLayoutId id="2147483653" r:id="rId6"/>
-    <p:sldLayoutId id="2147483654" r:id="rId7"/>
-    <p:sldLayoutId id="2147483655" r:id="rId8"/>
-    <p:sldLayoutId id="2147483656" r:id="rId9"/>
-    <p:sldLayoutId id="2147483657" r:id="rId10"/>
-    <p:sldLayoutId id="2147483658" r:id="rId11"/>
-    <p:sldLayoutId id="2147483659" r:id="rId12"/>
-    <p:sldLayoutId id="2147483660" r:id="rId13"/>
-  </p:sldLayoutIdLst>
-</p:sldMaster>
+  <p:clrMapOvr>
+    <a:masterClrMapping/>
+  </p:clrMapOvr>
+  <p:timing>
+    <p:tnLst>
+      <p:par>
+        <p:cTn id="1" dur="indefinite" restart="never" nodeType="tmRoot">
+          <p:childTnLst>
+            <p:seq>
+              <p:cTn id="2" dur="indefinite" nodeType="mainSeq"/>
+              <p:prevCondLst>
+                <p:cond evt="onPrev" delay="0">
+                  <p:tgtEl>
+                    <p:sldTgt/>
+                  </p:tgtEl>
+                </p:cond>
+              </p:prevCondLst>
+              <p:nextCondLst>
+                <p:cond evt="onNext" delay="0">
+                  <p:tgtEl>
+                    <p:sldTgt/>
+                  </p:tgtEl>
+                </p:cond>
+              </p:nextCondLst>
+            </p:seq>
+          </p:childTnLst>
+        </p:cTn>
+      </p:par>
+    </p:tnLst>
+  </p:timing>
+</p:sld>
 </file>
 
-<file path=ppt/slides/slide1.xml><?xml version="1.0" encoding="utf-8"?>
-<p:sld xmlns:a="http://schemas.openxmlformats.org/drawingml/2006/main" xmlns:p="http://schemas.openxmlformats.org/presentationml/2006/main" xmlns:r="http://schemas.openxmlformats.org/officeDocument/2006/relationships" xmlns:p14="http://schemas.microsoft.com/office/powerpoint/2010/main" xmlns:p15="http://schemas.microsoft.com/office/powerpoint/2012/main" xmlns:mc="http://schemas.openxmlformats.org/markup-compatibility/2006">
+<file path=ppt/slides/slide10.xml><?xml version="1.0" encoding="utf-8"?>
+<p:sld xmlns:a="http://schemas.openxmlformats.org/drawingml/2006/main" xmlns:r="http://schemas.openxmlformats.org/officeDocument/2006/relationships" xmlns:p="http://schemas.openxmlformats.org/presentationml/2006/main">
   <p:cSld>
     <p:spTree>
       <p:nvGrpSpPr>
@@ -1732,14 +2367,14 @@
       </p:grpSpPr>
       <p:sp>
         <p:nvSpPr>
-          <p:cNvPr id="41" name="TextShape 1"/>
+          <p:cNvPr id="64" name="TextShape 1"/>
           <p:cNvSpPr txBox="1"/>
           <p:nvPr/>
         </p:nvSpPr>
         <p:spPr>
           <a:xfrm>
-            <a:off x="529560" y="1828800"/>
-            <a:ext cx="9071640" cy="1463040"/>
+            <a:off x="504000" y="226080"/>
+            <a:ext cx="9071640" cy="946440"/>
           </a:xfrm>
           <a:prstGeom prst="rect">
             <a:avLst/>
@@ -1750,31 +2385,29 @@
           </a:ln>
         </p:spPr>
         <p:txBody>
-          <a:bodyPr lIns="0" rIns="0" tIns="0" bIns="0" anchor="ctr"/>
+          <a:bodyPr lIns="0" tIns="0" rIns="0" bIns="0" anchor="ctr"/>
+          <a:lstStyle/>
           <a:p>
             <a:pPr algn="ctr"/>
             <a:r>
-              <a:rPr b="1" lang="en-US" sz="3200" spc="-1" strike="noStrike">
-                <a:latin typeface="Arial"/>
-              </a:rPr>
-              <a:t>MVC Through SCRIPTING LANGUAGES</a:t>
-            </a:r>
-            <a:endParaRPr b="1" lang="en-US" sz="3200" spc="-1" strike="noStrike">
-              <a:latin typeface="Arial"/>
-            </a:endParaRPr>
-          </a:p>
-        </p:txBody>
-      </p:sp>
-      <p:sp>
-        <p:nvSpPr>
-          <p:cNvPr id="42" name="TextShape 2"/>
+              <a:rPr lang="en-US" sz="4400" b="0" strike="noStrike" spc="-1">
+                <a:latin typeface="Arial"/>
+              </a:rPr>
+              <a:t>Course Structure</a:t>
+            </a:r>
+          </a:p>
+        </p:txBody>
+      </p:sp>
+      <p:sp>
+        <p:nvSpPr>
+          <p:cNvPr id="65" name="TextShape 2"/>
           <p:cNvSpPr txBox="1"/>
           <p:nvPr/>
         </p:nvSpPr>
         <p:spPr>
           <a:xfrm>
-            <a:off x="1005840" y="731520"/>
-            <a:ext cx="3749040" cy="713520"/>
+            <a:off x="504000" y="1326600"/>
+            <a:ext cx="9071640" cy="3288240"/>
           </a:xfrm>
           <a:prstGeom prst="rect">
             <a:avLst/>
@@ -1785,163 +2418,117 @@
           </a:ln>
         </p:spPr>
         <p:txBody>
-          <a:bodyPr lIns="90000" rIns="90000" tIns="45000" bIns="45000"/>
-          <a:p>
-            <a:r>
-              <a:rPr b="0" lang="en-US" sz="4400" spc="-1" strike="noStrike">
-                <a:latin typeface="Arial"/>
-              </a:rPr>
-              <a:t>Welcome</a:t>
-            </a:r>
-            <a:endParaRPr b="0" lang="en-US" sz="4400" spc="-1" strike="noStrike">
-              <a:latin typeface="Arial"/>
-            </a:endParaRPr>
-          </a:p>
-        </p:txBody>
-      </p:sp>
-      <p:sp>
-        <p:nvSpPr>
-          <p:cNvPr id="43" name="TextShape 3"/>
-          <p:cNvSpPr txBox="1"/>
-          <p:nvPr/>
-        </p:nvSpPr>
-        <p:spPr>
-          <a:xfrm>
-            <a:off x="2286000" y="1463040"/>
-            <a:ext cx="1737360" cy="430200"/>
-          </a:xfrm>
-          <a:prstGeom prst="rect">
-            <a:avLst/>
-          </a:prstGeom>
-          <a:noFill/>
-          <a:ln>
-            <a:noFill/>
-          </a:ln>
-        </p:spPr>
-        <p:txBody>
-          <a:bodyPr lIns="90000" rIns="90000" tIns="45000" bIns="45000"/>
-          <a:p>
-            <a:r>
-              <a:rPr b="1" lang="en-US" sz="2400" spc="-1" strike="noStrike">
-                <a:latin typeface="Arial"/>
-              </a:rPr>
-              <a:t>To</a:t>
-            </a:r>
-            <a:endParaRPr b="1" lang="en-US" sz="2400" spc="-1" strike="noStrike">
-              <a:latin typeface="Arial"/>
-            </a:endParaRPr>
-          </a:p>
-        </p:txBody>
-      </p:sp>
-      <p:sp>
-        <p:nvSpPr>
-          <p:cNvPr id="44" name="TextShape 4"/>
-          <p:cNvSpPr txBox="1"/>
-          <p:nvPr/>
-        </p:nvSpPr>
-        <p:spPr>
-          <a:xfrm>
-            <a:off x="6492240" y="3566160"/>
-            <a:ext cx="3291840" cy="1114200"/>
-          </a:xfrm>
-          <a:prstGeom prst="rect">
-            <a:avLst/>
-          </a:prstGeom>
-          <a:noFill/>
-          <a:ln>
-            <a:noFill/>
-          </a:ln>
-        </p:spPr>
-        <p:txBody>
-          <a:bodyPr lIns="90000" rIns="90000" tIns="45000" bIns="45000"/>
-          <a:p>
-            <a:r>
-              <a:rPr b="0" lang="en-US" sz="1800" spc="-1" strike="noStrike">
-                <a:latin typeface="Arial"/>
-              </a:rPr>
-              <a:t>Mr. U. Joshua,</a:t>
-            </a:r>
-            <a:endParaRPr b="0" lang="en-US" sz="1800" spc="-1" strike="noStrike">
-              <a:latin typeface="Arial"/>
-            </a:endParaRPr>
-          </a:p>
-          <a:p>
-            <a:r>
-              <a:rPr b="0" i="1" lang="en-US" sz="1800" spc="-1" strike="noStrike">
-                <a:latin typeface="Arial"/>
-              </a:rPr>
-              <a:t>Asst. Prof.</a:t>
-            </a:r>
-            <a:endParaRPr b="0" lang="en-US" sz="1800" spc="-1" strike="noStrike">
-              <a:latin typeface="Arial"/>
-            </a:endParaRPr>
-          </a:p>
-          <a:p>
-            <a:r>
-              <a:rPr b="0" lang="en-US" sz="1800" spc="-1" strike="noStrike">
-                <a:latin typeface="Arial"/>
-              </a:rPr>
-              <a:t>Department of CSE,</a:t>
-            </a:r>
-            <a:endParaRPr b="0" lang="en-US" sz="1800" spc="-1" strike="noStrike">
-              <a:latin typeface="Arial"/>
-            </a:endParaRPr>
-          </a:p>
-          <a:p>
-            <a:r>
-              <a:rPr b="0" lang="en-US" sz="1800" spc="-1" strike="noStrike">
-                <a:latin typeface="Arial"/>
-              </a:rPr>
-              <a:t>Email: jhashuva@cvr.ac.in</a:t>
-            </a:r>
-            <a:endParaRPr b="0" lang="en-US" sz="1800" spc="-1" strike="noStrike">
-              <a:latin typeface="Arial"/>
-            </a:endParaRPr>
+          <a:bodyPr lIns="0" tIns="0" rIns="0" bIns="0">
+            <a:normAutofit fontScale="91000"/>
+          </a:bodyPr>
+          <a:lstStyle/>
+          <a:p>
+            <a:pPr marL="432000" indent="-324000">
+              <a:spcBef>
+                <a:spcPts val="1417"/>
+              </a:spcBef>
+              <a:buClr>
+                <a:srgbClr val="000000"/>
+              </a:buClr>
+              <a:buSzPct val="45000"/>
+              <a:buFont typeface="Wingdings" charset="2"/>
+              <a:buChar char=""/>
+            </a:pPr>
+            <a:r>
+              <a:rPr lang="en-US" sz="3200" b="0" strike="noStrike" spc="-1">
+                <a:latin typeface="Arial"/>
+              </a:rPr>
+              <a:t>Unit-I: Introduction to Python</a:t>
+            </a:r>
+          </a:p>
+          <a:p>
+            <a:pPr marL="432000" indent="-324000">
+              <a:spcBef>
+                <a:spcPts val="1417"/>
+              </a:spcBef>
+              <a:buClr>
+                <a:srgbClr val="000000"/>
+              </a:buClr>
+              <a:buSzPct val="45000"/>
+              <a:buFont typeface="Wingdings" charset="2"/>
+              <a:buChar char=""/>
+            </a:pPr>
+            <a:r>
+              <a:rPr lang="en-US" sz="3200" b="0" strike="noStrike" spc="-1">
+                <a:latin typeface="Arial"/>
+              </a:rPr>
+              <a:t>Unit-II: Functions and Structured Types</a:t>
+            </a:r>
+          </a:p>
+          <a:p>
+            <a:pPr marL="432000" indent="-324000">
+              <a:spcBef>
+                <a:spcPts val="1417"/>
+              </a:spcBef>
+              <a:buClr>
+                <a:srgbClr val="000000"/>
+              </a:buClr>
+              <a:buSzPct val="45000"/>
+              <a:buFont typeface="Wingdings" charset="2"/>
+              <a:buChar char=""/>
+            </a:pPr>
+            <a:r>
+              <a:rPr lang="en-US" sz="3200" b="0" strike="noStrike" spc="-1">
+                <a:latin typeface="Arial"/>
+              </a:rPr>
+              <a:t>Unit-III: Classes and Object-Oriented 		Programming</a:t>
+            </a:r>
+          </a:p>
+          <a:p>
+            <a:pPr marL="432000" indent="-324000">
+              <a:spcBef>
+                <a:spcPts val="1417"/>
+              </a:spcBef>
+              <a:buClr>
+                <a:srgbClr val="000000"/>
+              </a:buClr>
+              <a:buSzPct val="45000"/>
+              <a:buFont typeface="Wingdings" charset="2"/>
+              <a:buChar char=""/>
+            </a:pPr>
+            <a:r>
+              <a:rPr lang="en-US" sz="3200" b="0" strike="noStrike" spc="-1">
+                <a:latin typeface="Arial"/>
+              </a:rPr>
+              <a:t>Unit-IV: Advanced Python Programming</a:t>
+            </a:r>
+          </a:p>
+          <a:p>
+            <a:pPr marL="432000" indent="-324000">
+              <a:spcBef>
+                <a:spcPts val="1417"/>
+              </a:spcBef>
+              <a:buClr>
+                <a:srgbClr val="000000"/>
+              </a:buClr>
+              <a:buSzPct val="45000"/>
+              <a:buFont typeface="Wingdings" charset="2"/>
+              <a:buChar char=""/>
+            </a:pPr>
+            <a:r>
+              <a:rPr lang="en-US" sz="3200" b="0" strike="noStrike" spc="-1">
+                <a:latin typeface="Arial"/>
+              </a:rPr>
+              <a:t>Unit-V: Node JS &amp; AngularJS</a:t>
+            </a:r>
           </a:p>
         </p:txBody>
       </p:sp>
     </p:spTree>
   </p:cSld>
-  <mc:AlternateContent>
-    <mc:Choice Requires="p14">
-      <p:transition spd="slow" p14:dur="2000"/>
-    </mc:Choice>
-    <mc:Fallback>
-      <p:transition spd="slow"/>
-    </mc:Fallback>
-  </mc:AlternateContent>
-  <p:timing>
-    <p:tnLst>
-      <p:par>
-        <p:cTn id="1" dur="indefinite" restart="never" nodeType="tmRoot">
-          <p:childTnLst>
-            <p:seq>
-              <p:cTn id="2" dur="indefinite" nodeType="mainSeq"/>
-              <p:prevCondLst>
-                <p:cond delay="0" evt="onPrev">
-                  <p:tgtEl>
-                    <p:sldTgt/>
-                  </p:tgtEl>
-                </p:cond>
-              </p:prevCondLst>
-              <p:nextCondLst>
-                <p:cond delay="0" evt="onNext">
-                  <p:tgtEl>
-                    <p:sldTgt/>
-                  </p:tgtEl>
-                </p:cond>
-              </p:nextCondLst>
-            </p:seq>
-          </p:childTnLst>
-        </p:cTn>
-      </p:par>
-    </p:tnLst>
-  </p:timing>
+  <p:clrMapOvr>
+    <a:masterClrMapping/>
+  </p:clrMapOvr>
 </p:sld>
 </file>
 
-<file path=ppt/slides/slide10.xml><?xml version="1.0" encoding="utf-8"?>
-<p:sld xmlns:a="http://schemas.openxmlformats.org/drawingml/2006/main" xmlns:p="http://schemas.openxmlformats.org/presentationml/2006/main" xmlns:r="http://schemas.openxmlformats.org/officeDocument/2006/relationships" xmlns:p14="http://schemas.microsoft.com/office/powerpoint/2010/main" xmlns:p15="http://schemas.microsoft.com/office/powerpoint/2012/main" xmlns:mc="http://schemas.openxmlformats.org/markup-compatibility/2006">
+<file path=ppt/slides/slide11.xml><?xml version="1.0" encoding="utf-8"?>
+<p:sld xmlns:a="http://schemas.openxmlformats.org/drawingml/2006/main" xmlns:r="http://schemas.openxmlformats.org/officeDocument/2006/relationships" xmlns:p="http://schemas.openxmlformats.org/presentationml/2006/main">
   <p:cSld>
     <p:spTree>
       <p:nvGrpSpPr>
@@ -1959,7 +2546,7 @@
       </p:grpSpPr>
       <p:sp>
         <p:nvSpPr>
-          <p:cNvPr id="64" name="TextShape 1"/>
+          <p:cNvPr id="66" name="TextShape 1"/>
           <p:cNvSpPr txBox="1"/>
           <p:nvPr/>
         </p:nvSpPr>
@@ -1977,24 +2564,22 @@
           </a:ln>
         </p:spPr>
         <p:txBody>
-          <a:bodyPr lIns="0" rIns="0" tIns="0" bIns="0" anchor="ctr"/>
+          <a:bodyPr lIns="0" tIns="0" rIns="0" bIns="0" anchor="ctr"/>
+          <a:lstStyle/>
           <a:p>
             <a:pPr algn="ctr"/>
             <a:r>
-              <a:rPr b="0" lang="en-US" sz="4400" spc="-1" strike="noStrike">
-                <a:latin typeface="Arial"/>
-              </a:rPr>
-              <a:t>Course Structure</a:t>
-            </a:r>
-            <a:endParaRPr b="0" lang="en-US" sz="4400" spc="-1" strike="noStrike">
-              <a:latin typeface="Arial"/>
-            </a:endParaRPr>
-          </a:p>
-        </p:txBody>
-      </p:sp>
-      <p:sp>
-        <p:nvSpPr>
-          <p:cNvPr id="65" name="TextShape 2"/>
+              <a:rPr lang="en-US" sz="4400" b="0" strike="noStrike" spc="-1">
+                <a:latin typeface="Arial"/>
+              </a:rPr>
+              <a:t>Course Outcomes</a:t>
+            </a:r>
+          </a:p>
+        </p:txBody>
+      </p:sp>
+      <p:sp>
+        <p:nvSpPr>
+          <p:cNvPr id="67" name="TextShape 2"/>
           <p:cNvSpPr txBox="1"/>
           <p:nvPr/>
         </p:nvSpPr>
@@ -2012,28 +2597,42 @@
           </a:ln>
         </p:spPr>
         <p:txBody>
-          <a:bodyPr lIns="0" rIns="0" tIns="0" bIns="0">
-            <a:normAutofit fontScale="91000"/>
+          <a:bodyPr lIns="0" tIns="0" rIns="0" bIns="0">
+            <a:normAutofit/>
           </a:bodyPr>
-          <a:p>
-            <a:pPr marL="432000" indent="-324000">
-              <a:spcBef>
-                <a:spcPts val="1417"/>
-              </a:spcBef>
-              <a:buClr>
-                <a:srgbClr val="000000"/>
-              </a:buClr>
-              <a:buSzPct val="45000"/>
-              <a:buFont typeface="Wingdings" charset="2"/>
-              <a:buChar char=""/>
-            </a:pPr>
-            <a:r>
-              <a:rPr b="0" lang="en-US" sz="3200" spc="-1" strike="noStrike">
-                <a:latin typeface="Arial"/>
-              </a:rPr>
-              <a:t>Unit-I: Introduction to Python</a:t>
-            </a:r>
-            <a:endParaRPr b="0" lang="en-US" sz="3200" spc="-1" strike="noStrike">
+          <a:lstStyle/>
+          <a:p>
+            <a:pPr marL="432000" indent="-324000">
+              <a:spcBef>
+                <a:spcPts val="1417"/>
+              </a:spcBef>
+              <a:buClr>
+                <a:srgbClr val="000000"/>
+              </a:buClr>
+              <a:buSzPct val="45000"/>
+              <a:buFont typeface="Wingdings" charset="2"/>
+              <a:buChar char=""/>
+            </a:pPr>
+            <a:r>
+              <a:rPr lang="en-US" sz="3200" b="0" strike="noStrike" spc="-1">
+                <a:latin typeface="Arial"/>
+              </a:rPr>
+              <a:t>CO 1: Develop client side scripts using different 			scripting languages.</a:t>
+            </a:r>
+          </a:p>
+          <a:p>
+            <a:pPr marL="432000" indent="-324000">
+              <a:spcBef>
+                <a:spcPts val="1417"/>
+              </a:spcBef>
+              <a:buClr>
+                <a:srgbClr val="000000"/>
+              </a:buClr>
+              <a:buSzPct val="45000"/>
+              <a:buFont typeface="Wingdings" charset="2"/>
+              <a:buChar char=""/>
+            </a:pPr>
+            <a:endParaRPr lang="en-US" sz="3200" b="0" strike="noStrike" spc="-1">
               <a:latin typeface="Arial"/>
             </a:endParaRPr>
           </a:p>
@@ -2049,117 +2648,49 @@
               <a:buFont typeface="Wingdings" charset="2"/>
               <a:buChar char=""/>
             </a:pPr>
-            <a:r>
-              <a:rPr b="0" lang="en-US" sz="3200" spc="-1" strike="noStrike">
-                <a:latin typeface="Arial"/>
-              </a:rPr>
-              <a:t>Unit-II: Functions and Structured Types</a:t>
-            </a:r>
-            <a:endParaRPr b="0" lang="en-US" sz="3200" spc="-1" strike="noStrike">
+            <a:endParaRPr lang="en-US" sz="3200" b="0" strike="noStrike" spc="-1">
               <a:latin typeface="Arial"/>
             </a:endParaRPr>
           </a:p>
-          <a:p>
-            <a:pPr marL="432000" indent="-324000">
-              <a:spcBef>
-                <a:spcPts val="1417"/>
-              </a:spcBef>
-              <a:buClr>
-                <a:srgbClr val="000000"/>
-              </a:buClr>
-              <a:buSzPct val="45000"/>
-              <a:buFont typeface="Wingdings" charset="2"/>
-              <a:buChar char=""/>
-            </a:pPr>
-            <a:r>
-              <a:rPr b="0" lang="en-US" sz="3200" spc="-1" strike="noStrike">
-                <a:latin typeface="Arial"/>
-              </a:rPr>
-              <a:t>Unit-III: Classes and Object-Oriented </a:t>
-            </a:r>
-            <a:r>
-              <a:rPr b="0" lang="en-US" sz="3200" spc="-1" strike="noStrike">
-                <a:latin typeface="Arial"/>
-              </a:rPr>
-              <a:t>	</a:t>
-            </a:r>
-            <a:r>
-              <a:rPr b="0" lang="en-US" sz="3200" spc="-1" strike="noStrike">
-                <a:latin typeface="Arial"/>
-              </a:rPr>
-              <a:t>	</a:t>
-            </a:r>
-            <a:r>
-              <a:rPr b="0" lang="en-US" sz="3200" spc="-1" strike="noStrike">
-                <a:latin typeface="Arial"/>
-              </a:rPr>
-              <a:t>Programming</a:t>
-            </a:r>
-            <a:endParaRPr b="0" lang="en-US" sz="3200" spc="-1" strike="noStrike">
-              <a:latin typeface="Arial"/>
-            </a:endParaRPr>
-          </a:p>
-          <a:p>
-            <a:pPr marL="432000" indent="-324000">
-              <a:spcBef>
-                <a:spcPts val="1417"/>
-              </a:spcBef>
-              <a:buClr>
-                <a:srgbClr val="000000"/>
-              </a:buClr>
-              <a:buSzPct val="45000"/>
-              <a:buFont typeface="Wingdings" charset="2"/>
-              <a:buChar char=""/>
-            </a:pPr>
-            <a:r>
-              <a:rPr b="0" lang="en-US" sz="3200" spc="-1" strike="noStrike">
-                <a:latin typeface="Arial"/>
-              </a:rPr>
-              <a:t>Unit-IV: Advanced Python Programming</a:t>
-            </a:r>
-            <a:endParaRPr b="0" lang="en-US" sz="3200" spc="-1" strike="noStrike">
-              <a:latin typeface="Arial"/>
-            </a:endParaRPr>
-          </a:p>
-          <a:p>
-            <a:pPr marL="432000" indent="-324000">
-              <a:spcBef>
-                <a:spcPts val="1417"/>
-              </a:spcBef>
-              <a:buClr>
-                <a:srgbClr val="000000"/>
-              </a:buClr>
-              <a:buSzPct val="45000"/>
-              <a:buFont typeface="Wingdings" charset="2"/>
-              <a:buChar char=""/>
-            </a:pPr>
-            <a:r>
-              <a:rPr b="0" lang="en-US" sz="3200" spc="-1" strike="noStrike">
-                <a:latin typeface="Arial"/>
-              </a:rPr>
-              <a:t>Unit-V: Node JS &amp; AngularJS</a:t>
-            </a:r>
-            <a:endParaRPr b="0" lang="en-US" sz="3200" spc="-1" strike="noStrike">
-              <a:latin typeface="Arial"/>
-            </a:endParaRPr>
-          </a:p>
         </p:txBody>
       </p:sp>
     </p:spTree>
   </p:cSld>
-  <mc:AlternateContent>
-    <mc:Choice Requires="p14">
-      <p:transition spd="slow" p14:dur="2000"/>
-    </mc:Choice>
-    <mc:Fallback>
-      <p:transition spd="slow"/>
-    </mc:Fallback>
-  </mc:AlternateContent>
+  <p:clrMapOvr>
+    <a:masterClrMapping/>
+  </p:clrMapOvr>
+  <p:timing>
+    <p:tnLst>
+      <p:par>
+        <p:cTn id="1" dur="indefinite" restart="never" nodeType="tmRoot">
+          <p:childTnLst>
+            <p:seq>
+              <p:cTn id="2" dur="indefinite" nodeType="mainSeq"/>
+              <p:prevCondLst>
+                <p:cond evt="onPrev" delay="0">
+                  <p:tgtEl>
+                    <p:sldTgt/>
+                  </p:tgtEl>
+                </p:cond>
+              </p:prevCondLst>
+              <p:nextCondLst>
+                <p:cond evt="onNext" delay="0">
+                  <p:tgtEl>
+                    <p:sldTgt/>
+                  </p:tgtEl>
+                </p:cond>
+              </p:nextCondLst>
+            </p:seq>
+          </p:childTnLst>
+        </p:cTn>
+      </p:par>
+    </p:tnLst>
+  </p:timing>
 </p:sld>
 </file>
 
-<file path=ppt/slides/slide11.xml><?xml version="1.0" encoding="utf-8"?>
-<p:sld xmlns:a="http://schemas.openxmlformats.org/drawingml/2006/main" xmlns:p="http://schemas.openxmlformats.org/presentationml/2006/main" xmlns:r="http://schemas.openxmlformats.org/officeDocument/2006/relationships" xmlns:p14="http://schemas.microsoft.com/office/powerpoint/2010/main" xmlns:p15="http://schemas.microsoft.com/office/powerpoint/2012/main" xmlns:mc="http://schemas.openxmlformats.org/markup-compatibility/2006">
+<file path=ppt/slides/slide12.xml><?xml version="1.0" encoding="utf-8"?>
+<p:sld xmlns:a="http://schemas.openxmlformats.org/drawingml/2006/main" xmlns:r="http://schemas.openxmlformats.org/officeDocument/2006/relationships" xmlns:p="http://schemas.openxmlformats.org/presentationml/2006/main">
   <p:cSld>
     <p:spTree>
       <p:nvGrpSpPr>
@@ -2177,7 +2708,7 @@
       </p:grpSpPr>
       <p:sp>
         <p:nvSpPr>
-          <p:cNvPr id="66" name="TextShape 1"/>
+          <p:cNvPr id="68" name="TextShape 1"/>
           <p:cNvSpPr txBox="1"/>
           <p:nvPr/>
         </p:nvSpPr>
@@ -2195,24 +2726,22 @@
           </a:ln>
         </p:spPr>
         <p:txBody>
-          <a:bodyPr lIns="0" rIns="0" tIns="0" bIns="0" anchor="ctr"/>
+          <a:bodyPr lIns="0" tIns="0" rIns="0" bIns="0" anchor="ctr"/>
+          <a:lstStyle/>
           <a:p>
             <a:pPr algn="ctr"/>
             <a:r>
-              <a:rPr b="0" lang="en-US" sz="4400" spc="-1" strike="noStrike">
+              <a:rPr lang="en-US" sz="4400" b="0" strike="noStrike" spc="-1">
                 <a:latin typeface="Arial"/>
               </a:rPr>
               <a:t>Course Outcomes</a:t>
             </a:r>
-            <a:endParaRPr b="0" lang="en-US" sz="4400" spc="-1" strike="noStrike">
-              <a:latin typeface="Arial"/>
-            </a:endParaRPr>
-          </a:p>
-        </p:txBody>
-      </p:sp>
-      <p:sp>
-        <p:nvSpPr>
-          <p:cNvPr id="67" name="TextShape 2"/>
+          </a:p>
+        </p:txBody>
+      </p:sp>
+      <p:sp>
+        <p:nvSpPr>
+          <p:cNvPr id="69" name="TextShape 2"/>
           <p:cNvSpPr txBox="1"/>
           <p:nvPr/>
         </p:nvSpPr>
@@ -2230,115 +2759,71 @@
           </a:ln>
         </p:spPr>
         <p:txBody>
-          <a:bodyPr lIns="0" rIns="0" tIns="0" bIns="0">
+          <a:bodyPr lIns="0" tIns="0" rIns="0" bIns="0">
             <a:normAutofit/>
           </a:bodyPr>
-          <a:p>
-            <a:pPr marL="432000" indent="-324000">
-              <a:spcBef>
-                <a:spcPts val="1417"/>
-              </a:spcBef>
-              <a:buClr>
-                <a:srgbClr val="000000"/>
-              </a:buClr>
-              <a:buSzPct val="45000"/>
-              <a:buFont typeface="Wingdings" charset="2"/>
-              <a:buChar char=""/>
-            </a:pPr>
-            <a:r>
-              <a:rPr b="0" lang="en-US" sz="3200" spc="-1" strike="noStrike">
-                <a:latin typeface="Arial"/>
-              </a:rPr>
-              <a:t>CO 1: Develop client side scripts using different </a:t>
-            </a:r>
-            <a:r>
-              <a:rPr b="0" lang="en-US" sz="3200" spc="-1" strike="noStrike">
-                <a:latin typeface="Arial"/>
-              </a:rPr>
-              <a:t>	</a:t>
-            </a:r>
-            <a:r>
-              <a:rPr b="0" lang="en-US" sz="3200" spc="-1" strike="noStrike">
-                <a:latin typeface="Arial"/>
-              </a:rPr>
-              <a:t>	</a:t>
-            </a:r>
-            <a:r>
-              <a:rPr b="0" lang="en-US" sz="3200" spc="-1" strike="noStrike">
-                <a:latin typeface="Arial"/>
-              </a:rPr>
-              <a:t>	</a:t>
-            </a:r>
-            <a:r>
-              <a:rPr b="0" lang="en-US" sz="3200" spc="-1" strike="noStrike">
-                <a:latin typeface="Arial"/>
-              </a:rPr>
-              <a:t>scripting languages.</a:t>
-            </a:r>
-            <a:endParaRPr b="0" lang="en-US" sz="3200" spc="-1" strike="noStrike">
-              <a:latin typeface="Arial"/>
-            </a:endParaRPr>
-          </a:p>
-          <a:p>
-            <a:pPr marL="432000" indent="-324000">
-              <a:spcBef>
-                <a:spcPts val="1417"/>
-              </a:spcBef>
-              <a:buClr>
-                <a:srgbClr val="000000"/>
-              </a:buClr>
-              <a:buSzPct val="45000"/>
-              <a:buFont typeface="Wingdings" charset="2"/>
-              <a:buChar char=""/>
-            </a:pPr>
-            <a:endParaRPr b="0" lang="en-US" sz="3200" spc="-1" strike="noStrike">
-              <a:latin typeface="Arial"/>
-            </a:endParaRPr>
-          </a:p>
-          <a:p>
-            <a:pPr marL="432000" indent="-324000">
-              <a:spcBef>
-                <a:spcPts val="1417"/>
-              </a:spcBef>
-              <a:buClr>
-                <a:srgbClr val="000000"/>
-              </a:buClr>
-              <a:buSzPct val="45000"/>
-              <a:buFont typeface="Wingdings" charset="2"/>
-              <a:buChar char=""/>
-            </a:pPr>
-            <a:endParaRPr b="0" lang="en-US" sz="3200" spc="-1" strike="noStrike">
-              <a:latin typeface="Arial"/>
-            </a:endParaRPr>
+          <a:lstStyle/>
+          <a:p>
+            <a:pPr marL="432000" indent="-324000">
+              <a:spcBef>
+                <a:spcPts val="1417"/>
+              </a:spcBef>
+              <a:buClr>
+                <a:srgbClr val="000000"/>
+              </a:buClr>
+              <a:buSzPct val="45000"/>
+              <a:buFont typeface="Wingdings" charset="2"/>
+              <a:buChar char=""/>
+            </a:pPr>
+            <a:r>
+              <a:rPr lang="en-US" sz="3200" b="0" strike="noStrike" spc="-1">
+                <a:latin typeface="Arial"/>
+              </a:rPr>
+              <a:t>CO 1: Develop client side scripts using different 			scripting languages.</a:t>
+            </a:r>
+          </a:p>
+          <a:p>
+            <a:pPr marL="432000" indent="-324000">
+              <a:spcBef>
+                <a:spcPts val="1417"/>
+              </a:spcBef>
+              <a:buClr>
+                <a:srgbClr val="000000"/>
+              </a:buClr>
+              <a:buSzPct val="45000"/>
+              <a:buFont typeface="Wingdings" charset="2"/>
+              <a:buChar char=""/>
+            </a:pPr>
+            <a:r>
+              <a:rPr lang="en-US" sz="3200" b="0" strike="noStrike" spc="-1">
+                <a:latin typeface="Arial"/>
+              </a:rPr>
+              <a:t>CO 2: Implement the MVC architecture using 				effective frameworks.</a:t>
+            </a:r>
           </a:p>
         </p:txBody>
       </p:sp>
     </p:spTree>
   </p:cSld>
-  <mc:AlternateContent>
-    <mc:Choice Requires="p14">
-      <p:transition spd="slow" p14:dur="2000"/>
-    </mc:Choice>
-    <mc:Fallback>
-      <p:transition spd="slow"/>
-    </mc:Fallback>
-  </mc:AlternateContent>
+  <p:clrMapOvr>
+    <a:masterClrMapping/>
+  </p:clrMapOvr>
   <p:timing>
     <p:tnLst>
       <p:par>
-        <p:cTn id="19" dur="indefinite" restart="never" nodeType="tmRoot">
+        <p:cTn id="1" dur="indefinite" restart="never" nodeType="tmRoot">
           <p:childTnLst>
             <p:seq>
-              <p:cTn id="20" dur="indefinite" nodeType="mainSeq"/>
+              <p:cTn id="2" dur="indefinite" nodeType="mainSeq"/>
               <p:prevCondLst>
-                <p:cond delay="0" evt="onPrev">
+                <p:cond evt="onPrev" delay="0">
                   <p:tgtEl>
                     <p:sldTgt/>
                   </p:tgtEl>
                 </p:cond>
               </p:prevCondLst>
               <p:nextCondLst>
-                <p:cond delay="0" evt="onNext">
+                <p:cond evt="onNext" delay="0">
                   <p:tgtEl>
                     <p:sldTgt/>
                   </p:tgtEl>
@@ -2353,8 +2838,8 @@
 </p:sld>
 </file>
 
-<file path=ppt/slides/slide12.xml><?xml version="1.0" encoding="utf-8"?>
-<p:sld xmlns:a="http://schemas.openxmlformats.org/drawingml/2006/main" xmlns:p="http://schemas.openxmlformats.org/presentationml/2006/main" xmlns:r="http://schemas.openxmlformats.org/officeDocument/2006/relationships" xmlns:p14="http://schemas.microsoft.com/office/powerpoint/2010/main" xmlns:p15="http://schemas.microsoft.com/office/powerpoint/2012/main" xmlns:mc="http://schemas.openxmlformats.org/markup-compatibility/2006">
+<file path=ppt/slides/slide13.xml><?xml version="1.0" encoding="utf-8"?>
+<p:sld xmlns:a="http://schemas.openxmlformats.org/drawingml/2006/main" xmlns:r="http://schemas.openxmlformats.org/officeDocument/2006/relationships" xmlns:p="http://schemas.openxmlformats.org/presentationml/2006/main">
   <p:cSld>
     <p:spTree>
       <p:nvGrpSpPr>
@@ -2372,7 +2857,7 @@
       </p:grpSpPr>
       <p:sp>
         <p:nvSpPr>
-          <p:cNvPr id="68" name="TextShape 1"/>
+          <p:cNvPr id="70" name="TextShape 1"/>
           <p:cNvSpPr txBox="1"/>
           <p:nvPr/>
         </p:nvSpPr>
@@ -2390,24 +2875,22 @@
           </a:ln>
         </p:spPr>
         <p:txBody>
-          <a:bodyPr lIns="0" rIns="0" tIns="0" bIns="0" anchor="ctr"/>
+          <a:bodyPr lIns="0" tIns="0" rIns="0" bIns="0" anchor="ctr"/>
+          <a:lstStyle/>
           <a:p>
             <a:pPr algn="ctr"/>
             <a:r>
-              <a:rPr b="0" lang="en-US" sz="4400" spc="-1" strike="noStrike">
+              <a:rPr lang="en-US" sz="4400" b="0" strike="noStrike" spc="-1">
                 <a:latin typeface="Arial"/>
               </a:rPr>
               <a:t>Course Outcomes</a:t>
             </a:r>
-            <a:endParaRPr b="0" lang="en-US" sz="4400" spc="-1" strike="noStrike">
-              <a:latin typeface="Arial"/>
-            </a:endParaRPr>
-          </a:p>
-        </p:txBody>
-      </p:sp>
-      <p:sp>
-        <p:nvSpPr>
-          <p:cNvPr id="69" name="TextShape 2"/>
+          </a:p>
+        </p:txBody>
+      </p:sp>
+      <p:sp>
+        <p:nvSpPr>
+          <p:cNvPr id="71" name="TextShape 2"/>
           <p:cNvSpPr txBox="1"/>
           <p:nvPr/>
         </p:nvSpPr>
@@ -2425,135 +2908,90 @@
           </a:ln>
         </p:spPr>
         <p:txBody>
-          <a:bodyPr lIns="0" rIns="0" tIns="0" bIns="0">
+          <a:bodyPr lIns="0" tIns="0" rIns="0" bIns="0">
             <a:normAutofit/>
           </a:bodyPr>
-          <a:p>
-            <a:pPr marL="432000" indent="-324000">
-              <a:spcBef>
-                <a:spcPts val="1417"/>
-              </a:spcBef>
-              <a:buClr>
-                <a:srgbClr val="000000"/>
-              </a:buClr>
-              <a:buSzPct val="45000"/>
-              <a:buFont typeface="Wingdings" charset="2"/>
-              <a:buChar char=""/>
-            </a:pPr>
-            <a:r>
-              <a:rPr b="0" lang="en-US" sz="3200" spc="-1" strike="noStrike">
-                <a:latin typeface="Arial"/>
-              </a:rPr>
-              <a:t>CO 1: Develop client side scripts using different </a:t>
-            </a:r>
-            <a:r>
-              <a:rPr b="0" lang="en-US" sz="3200" spc="-1" strike="noStrike">
-                <a:latin typeface="Arial"/>
-              </a:rPr>
-              <a:t>	</a:t>
-            </a:r>
-            <a:r>
-              <a:rPr b="0" lang="en-US" sz="3200" spc="-1" strike="noStrike">
-                <a:latin typeface="Arial"/>
-              </a:rPr>
-              <a:t>	</a:t>
-            </a:r>
-            <a:r>
-              <a:rPr b="0" lang="en-US" sz="3200" spc="-1" strike="noStrike">
-                <a:latin typeface="Arial"/>
-              </a:rPr>
-              <a:t>	</a:t>
-            </a:r>
-            <a:r>
-              <a:rPr b="0" lang="en-US" sz="3200" spc="-1" strike="noStrike">
-                <a:latin typeface="Arial"/>
-              </a:rPr>
-              <a:t>scripting languages.</a:t>
-            </a:r>
-            <a:endParaRPr b="0" lang="en-US" sz="3200" spc="-1" strike="noStrike">
-              <a:latin typeface="Arial"/>
-            </a:endParaRPr>
-          </a:p>
-          <a:p>
-            <a:pPr marL="432000" indent="-324000">
-              <a:spcBef>
-                <a:spcPts val="1417"/>
-              </a:spcBef>
-              <a:buClr>
-                <a:srgbClr val="000000"/>
-              </a:buClr>
-              <a:buSzPct val="45000"/>
-              <a:buFont typeface="Wingdings" charset="2"/>
-              <a:buChar char=""/>
-            </a:pPr>
-            <a:r>
-              <a:rPr b="0" lang="en-US" sz="3200" spc="-1" strike="noStrike">
-                <a:latin typeface="Arial"/>
-              </a:rPr>
-              <a:t>CO 2: Implement the MVC architecture using </a:t>
-            </a:r>
-            <a:r>
-              <a:rPr b="0" lang="en-US" sz="3200" spc="-1" strike="noStrike">
-                <a:latin typeface="Arial"/>
-              </a:rPr>
-              <a:t>	</a:t>
-            </a:r>
-            <a:r>
-              <a:rPr b="0" lang="en-US" sz="3200" spc="-1" strike="noStrike">
-                <a:latin typeface="Arial"/>
-              </a:rPr>
-              <a:t>	</a:t>
-            </a:r>
-            <a:r>
-              <a:rPr b="0" lang="en-US" sz="3200" spc="-1" strike="noStrike">
-                <a:latin typeface="Arial"/>
-              </a:rPr>
-              <a:t>	</a:t>
-            </a:r>
-            <a:r>
-              <a:rPr b="0" lang="en-US" sz="3200" spc="-1" strike="noStrike">
-                <a:latin typeface="Arial"/>
-              </a:rPr>
-              <a:t>	</a:t>
-            </a:r>
-            <a:r>
-              <a:rPr b="0" lang="en-US" sz="3200" spc="-1" strike="noStrike">
-                <a:latin typeface="Arial"/>
-              </a:rPr>
-              <a:t>effective frameworks.</a:t>
-            </a:r>
-            <a:endParaRPr b="0" lang="en-US" sz="3200" spc="-1" strike="noStrike">
-              <a:latin typeface="Arial"/>
-            </a:endParaRPr>
+          <a:lstStyle/>
+          <a:p>
+            <a:pPr marL="432000" indent="-324000">
+              <a:spcBef>
+                <a:spcPts val="1417"/>
+              </a:spcBef>
+              <a:buClr>
+                <a:srgbClr val="000000"/>
+              </a:buClr>
+              <a:buSzPct val="45000"/>
+              <a:buFont typeface="Wingdings" charset="2"/>
+              <a:buChar char=""/>
+            </a:pPr>
+            <a:r>
+              <a:rPr lang="en-US" sz="3200" b="0" strike="noStrike" spc="-1">
+                <a:latin typeface="Arial"/>
+              </a:rPr>
+              <a:t>CO 1: Develop client side scripts using different 			scripting languages.</a:t>
+            </a:r>
+          </a:p>
+          <a:p>
+            <a:pPr marL="432000" indent="-324000">
+              <a:spcBef>
+                <a:spcPts val="1417"/>
+              </a:spcBef>
+              <a:buClr>
+                <a:srgbClr val="000000"/>
+              </a:buClr>
+              <a:buSzPct val="45000"/>
+              <a:buFont typeface="Wingdings" charset="2"/>
+              <a:buChar char=""/>
+            </a:pPr>
+            <a:r>
+              <a:rPr lang="en-US" sz="3200" b="0" strike="noStrike" spc="-1">
+                <a:latin typeface="Arial"/>
+              </a:rPr>
+              <a:t>CO 2: Implement the MVC architecture using 				effective frameworks.</a:t>
+            </a:r>
+          </a:p>
+          <a:p>
+            <a:pPr marL="432000" indent="-324000">
+              <a:spcBef>
+                <a:spcPts val="1417"/>
+              </a:spcBef>
+              <a:buClr>
+                <a:srgbClr val="000000"/>
+              </a:buClr>
+              <a:buSzPct val="45000"/>
+              <a:buFont typeface="Wingdings" charset="2"/>
+              <a:buChar char=""/>
+            </a:pPr>
+            <a:r>
+              <a:rPr lang="en-US" sz="3200" b="0" strike="noStrike" spc="-1">
+                <a:latin typeface="Arial"/>
+              </a:rPr>
+              <a:t>CO 3: Demonstrate the Database connectivity 			using IDEs</a:t>
+            </a:r>
           </a:p>
         </p:txBody>
       </p:sp>
     </p:spTree>
   </p:cSld>
-  <mc:AlternateContent>
-    <mc:Choice Requires="p14">
-      <p:transition spd="slow" p14:dur="2000"/>
-    </mc:Choice>
-    <mc:Fallback>
-      <p:transition spd="slow"/>
-    </mc:Fallback>
-  </mc:AlternateContent>
+  <p:clrMapOvr>
+    <a:masterClrMapping/>
+  </p:clrMapOvr>
   <p:timing>
     <p:tnLst>
       <p:par>
-        <p:cTn id="21" dur="indefinite" restart="never" nodeType="tmRoot">
+        <p:cTn id="1" dur="indefinite" restart="never" nodeType="tmRoot">
           <p:childTnLst>
             <p:seq>
-              <p:cTn id="22" dur="indefinite" nodeType="mainSeq"/>
+              <p:cTn id="2" dur="indefinite" nodeType="mainSeq"/>
               <p:prevCondLst>
-                <p:cond delay="0" evt="onPrev">
+                <p:cond evt="onPrev" delay="0">
                   <p:tgtEl>
                     <p:sldTgt/>
                   </p:tgtEl>
                 </p:cond>
               </p:prevCondLst>
               <p:nextCondLst>
-                <p:cond delay="0" evt="onNext">
+                <p:cond evt="onNext" delay="0">
                   <p:tgtEl>
                     <p:sldTgt/>
                   </p:tgtEl>
@@ -2568,8 +3006,8 @@
 </p:sld>
 </file>
 
-<file path=ppt/slides/slide13.xml><?xml version="1.0" encoding="utf-8"?>
-<p:sld xmlns:a="http://schemas.openxmlformats.org/drawingml/2006/main" xmlns:p="http://schemas.openxmlformats.org/presentationml/2006/main" xmlns:r="http://schemas.openxmlformats.org/officeDocument/2006/relationships" xmlns:p14="http://schemas.microsoft.com/office/powerpoint/2010/main" xmlns:p15="http://schemas.microsoft.com/office/powerpoint/2012/main" xmlns:mc="http://schemas.openxmlformats.org/markup-compatibility/2006">
+<file path=ppt/slides/slide14.xml><?xml version="1.0" encoding="utf-8"?>
+<p:sld xmlns:a="http://schemas.openxmlformats.org/drawingml/2006/main" xmlns:r="http://schemas.openxmlformats.org/officeDocument/2006/relationships" xmlns:p="http://schemas.openxmlformats.org/presentationml/2006/main">
   <p:cSld>
     <p:spTree>
       <p:nvGrpSpPr>
@@ -2587,7 +3025,7 @@
       </p:grpSpPr>
       <p:sp>
         <p:nvSpPr>
-          <p:cNvPr id="70" name="TextShape 1"/>
+          <p:cNvPr id="72" name="TextShape 1"/>
           <p:cNvSpPr txBox="1"/>
           <p:nvPr/>
         </p:nvSpPr>
@@ -2605,24 +3043,22 @@
           </a:ln>
         </p:spPr>
         <p:txBody>
-          <a:bodyPr lIns="0" rIns="0" tIns="0" bIns="0" anchor="ctr"/>
+          <a:bodyPr lIns="0" tIns="0" rIns="0" bIns="0" anchor="ctr"/>
+          <a:lstStyle/>
           <a:p>
             <a:pPr algn="ctr"/>
             <a:r>
-              <a:rPr b="0" lang="en-US" sz="4400" spc="-1" strike="noStrike">
+              <a:rPr lang="en-US" sz="4400" b="0" strike="noStrike" spc="-1">
                 <a:latin typeface="Arial"/>
               </a:rPr>
               <a:t>Course Outcomes</a:t>
             </a:r>
-            <a:endParaRPr b="0" lang="en-US" sz="4400" spc="-1" strike="noStrike">
-              <a:latin typeface="Arial"/>
-            </a:endParaRPr>
-          </a:p>
-        </p:txBody>
-      </p:sp>
-      <p:sp>
-        <p:nvSpPr>
-          <p:cNvPr id="71" name="TextShape 2"/>
+          </a:p>
+        </p:txBody>
+      </p:sp>
+      <p:sp>
+        <p:nvSpPr>
+          <p:cNvPr id="73" name="TextShape 2"/>
           <p:cNvSpPr txBox="1"/>
           <p:nvPr/>
         </p:nvSpPr>
@@ -2640,181 +3076,147 @@
           </a:ln>
         </p:spPr>
         <p:txBody>
-          <a:bodyPr lIns="0" rIns="0" tIns="0" bIns="0">
-            <a:normAutofit/>
+          <a:bodyPr lIns="0" tIns="0" rIns="0" bIns="0">
+            <a:normAutofit fontScale="52000"/>
           </a:bodyPr>
-          <a:p>
-            <a:pPr marL="432000" indent="-324000">
-              <a:spcBef>
-                <a:spcPts val="1417"/>
-              </a:spcBef>
-              <a:buClr>
-                <a:srgbClr val="000000"/>
-              </a:buClr>
-              <a:buSzPct val="45000"/>
-              <a:buFont typeface="Wingdings" charset="2"/>
-              <a:buChar char=""/>
-            </a:pPr>
-            <a:r>
-              <a:rPr b="0" lang="en-US" sz="3200" spc="-1" strike="noStrike">
-                <a:latin typeface="Arial"/>
-              </a:rPr>
-              <a:t>CO 1: Develop client side scripts using different </a:t>
-            </a:r>
-            <a:r>
-              <a:rPr b="0" lang="en-US" sz="3200" spc="-1" strike="noStrike">
-                <a:latin typeface="Arial"/>
-              </a:rPr>
-              <a:t>	</a:t>
-            </a:r>
-            <a:r>
-              <a:rPr b="0" lang="en-US" sz="3200" spc="-1" strike="noStrike">
-                <a:latin typeface="Arial"/>
-              </a:rPr>
-              <a:t>	</a:t>
-            </a:r>
-            <a:r>
-              <a:rPr b="0" lang="en-US" sz="3200" spc="-1" strike="noStrike">
-                <a:latin typeface="Arial"/>
-              </a:rPr>
-              <a:t>	</a:t>
-            </a:r>
-            <a:r>
-              <a:rPr b="0" lang="en-US" sz="3200" spc="-1" strike="noStrike">
-                <a:latin typeface="Arial"/>
-              </a:rPr>
-              <a:t>scripting languages.</a:t>
-            </a:r>
-            <a:endParaRPr b="0" lang="en-US" sz="3200" spc="-1" strike="noStrike">
-              <a:latin typeface="Arial"/>
-            </a:endParaRPr>
-          </a:p>
-          <a:p>
-            <a:pPr marL="432000" indent="-324000">
-              <a:spcBef>
-                <a:spcPts val="1417"/>
-              </a:spcBef>
-              <a:buClr>
-                <a:srgbClr val="000000"/>
-              </a:buClr>
-              <a:buSzPct val="45000"/>
-              <a:buFont typeface="Wingdings" charset="2"/>
-              <a:buChar char=""/>
-            </a:pPr>
-            <a:r>
-              <a:rPr b="0" lang="en-US" sz="3200" spc="-1" strike="noStrike">
-                <a:latin typeface="Arial"/>
-              </a:rPr>
-              <a:t>CO 2: Implement the MVC architecture using </a:t>
-            </a:r>
-            <a:r>
-              <a:rPr b="0" lang="en-US" sz="3200" spc="-1" strike="noStrike">
-                <a:latin typeface="Arial"/>
-              </a:rPr>
-              <a:t>	</a:t>
-            </a:r>
-            <a:r>
-              <a:rPr b="0" lang="en-US" sz="3200" spc="-1" strike="noStrike">
-                <a:latin typeface="Arial"/>
-              </a:rPr>
-              <a:t>	</a:t>
-            </a:r>
-            <a:r>
-              <a:rPr b="0" lang="en-US" sz="3200" spc="-1" strike="noStrike">
-                <a:latin typeface="Arial"/>
-              </a:rPr>
-              <a:t>	</a:t>
-            </a:r>
-            <a:r>
-              <a:rPr b="0" lang="en-US" sz="3200" spc="-1" strike="noStrike">
-                <a:latin typeface="Arial"/>
-              </a:rPr>
-              <a:t>	</a:t>
-            </a:r>
-            <a:r>
-              <a:rPr b="0" lang="en-US" sz="3200" spc="-1" strike="noStrike">
-                <a:latin typeface="Arial"/>
-              </a:rPr>
-              <a:t>effective frameworks.</a:t>
-            </a:r>
-            <a:endParaRPr b="0" lang="en-US" sz="3200" spc="-1" strike="noStrike">
-              <a:latin typeface="Arial"/>
-            </a:endParaRPr>
-          </a:p>
-          <a:p>
-            <a:pPr marL="432000" indent="-324000">
-              <a:spcBef>
-                <a:spcPts val="1417"/>
-              </a:spcBef>
-              <a:buClr>
-                <a:srgbClr val="000000"/>
-              </a:buClr>
-              <a:buSzPct val="45000"/>
-              <a:buFont typeface="Wingdings" charset="2"/>
-              <a:buChar char=""/>
-            </a:pPr>
-            <a:r>
-              <a:rPr b="0" lang="en-US" sz="3200" spc="-1" strike="noStrike">
-                <a:latin typeface="Arial"/>
-              </a:rPr>
-              <a:t>CO 3: Demonstrate the Database connectivity </a:t>
-            </a:r>
-            <a:r>
-              <a:rPr b="0" lang="en-US" sz="3200" spc="-1" strike="noStrike">
-                <a:latin typeface="Arial"/>
-              </a:rPr>
-              <a:t>	</a:t>
-            </a:r>
-            <a:r>
-              <a:rPr b="0" lang="en-US" sz="3200" spc="-1" strike="noStrike">
-                <a:latin typeface="Arial"/>
-              </a:rPr>
-              <a:t>	</a:t>
-            </a:r>
-            <a:r>
-              <a:rPr b="0" lang="en-US" sz="3200" spc="-1" strike="noStrike">
-                <a:latin typeface="Arial"/>
-              </a:rPr>
-              <a:t>	</a:t>
-            </a:r>
-            <a:r>
-              <a:rPr b="0" lang="en-US" sz="3200" spc="-1" strike="noStrike">
-                <a:latin typeface="Arial"/>
-              </a:rPr>
-              <a:t>using IDEs</a:t>
-            </a:r>
-            <a:endParaRPr b="0" lang="en-US" sz="3200" spc="-1" strike="noStrike">
-              <a:latin typeface="Arial"/>
-            </a:endParaRPr>
+          <a:lstStyle/>
+          <a:p>
+            <a:pPr marL="432000" indent="-324000">
+              <a:spcBef>
+                <a:spcPts val="1417"/>
+              </a:spcBef>
+              <a:buClr>
+                <a:srgbClr val="000000"/>
+              </a:buClr>
+              <a:buSzPct val="45000"/>
+              <a:buFont typeface="Wingdings" charset="2"/>
+              <a:buChar char=""/>
+            </a:pPr>
+            <a:r>
+              <a:rPr lang="en-US" sz="3200" b="0" strike="noStrike" spc="-1">
+                <a:latin typeface="Arial"/>
+              </a:rPr>
+              <a:t>CO 1: Develop client side scripts using different 					   </a:t>
+            </a:r>
+          </a:p>
+          <a:p>
+            <a:pPr marL="432000" indent="-324000">
+              <a:spcBef>
+                <a:spcPts val="1417"/>
+              </a:spcBef>
+              <a:buClr>
+                <a:srgbClr val="000000"/>
+              </a:buClr>
+              <a:buSzPct val="45000"/>
+              <a:buFont typeface="Wingdings" charset="2"/>
+              <a:buChar char=""/>
+            </a:pPr>
+            <a:r>
+              <a:rPr lang="en-US" sz="3200" b="0" strike="noStrike" spc="-1">
+                <a:latin typeface="Arial"/>
+              </a:rPr>
+              <a:t>           scripting languages.</a:t>
+            </a:r>
+          </a:p>
+          <a:p>
+            <a:pPr marL="432000" indent="-324000">
+              <a:spcBef>
+                <a:spcPts val="1417"/>
+              </a:spcBef>
+              <a:buClr>
+                <a:srgbClr val="000000"/>
+              </a:buClr>
+              <a:buSzPct val="45000"/>
+              <a:buFont typeface="Wingdings" charset="2"/>
+              <a:buChar char=""/>
+            </a:pPr>
+            <a:r>
+              <a:rPr lang="en-US" sz="3200" b="0" strike="noStrike" spc="-1">
+                <a:latin typeface="Arial"/>
+              </a:rPr>
+              <a:t>CO 2: Implement the MVC architecture using 				effective </a:t>
+            </a:r>
+          </a:p>
+          <a:p>
+            <a:pPr marL="432000" indent="-324000">
+              <a:spcBef>
+                <a:spcPts val="1417"/>
+              </a:spcBef>
+              <a:buClr>
+                <a:srgbClr val="000000"/>
+              </a:buClr>
+              <a:buSzPct val="45000"/>
+              <a:buFont typeface="Wingdings" charset="2"/>
+              <a:buChar char=""/>
+            </a:pPr>
+            <a:r>
+              <a:rPr lang="en-US" sz="3200" b="0" strike="noStrike" spc="-1">
+                <a:latin typeface="Arial"/>
+              </a:rPr>
+              <a:t>          frameworks.</a:t>
+            </a:r>
+          </a:p>
+          <a:p>
+            <a:pPr marL="432000" indent="-324000">
+              <a:spcBef>
+                <a:spcPts val="1417"/>
+              </a:spcBef>
+              <a:buClr>
+                <a:srgbClr val="000000"/>
+              </a:buClr>
+              <a:buSzPct val="45000"/>
+              <a:buFont typeface="Wingdings" charset="2"/>
+              <a:buChar char=""/>
+            </a:pPr>
+            <a:r>
+              <a:rPr lang="en-US" sz="3200" b="0" strike="noStrike" spc="-1">
+                <a:latin typeface="Arial"/>
+              </a:rPr>
+              <a:t>CO 3: Demonstrate the Database connectivity using IDEs</a:t>
+            </a:r>
+          </a:p>
+          <a:p>
+            <a:pPr marL="432000" indent="-324000">
+              <a:spcBef>
+                <a:spcPts val="1417"/>
+              </a:spcBef>
+              <a:buClr>
+                <a:srgbClr val="000000"/>
+              </a:buClr>
+              <a:buSzPct val="45000"/>
+              <a:buFont typeface="Wingdings" charset="2"/>
+              <a:buChar char=""/>
+            </a:pPr>
+            <a:r>
+              <a:rPr lang="en-US" sz="3200" b="0" strike="noStrike" spc="-1">
+                <a:latin typeface="Arial"/>
+              </a:rPr>
+              <a:t>CO 4: Map objects with relational model</a:t>
+            </a:r>
           </a:p>
         </p:txBody>
       </p:sp>
     </p:spTree>
   </p:cSld>
-  <mc:AlternateContent>
-    <mc:Choice Requires="p14">
-      <p:transition spd="slow" p14:dur="2000"/>
-    </mc:Choice>
-    <mc:Fallback>
-      <p:transition spd="slow"/>
-    </mc:Fallback>
-  </mc:AlternateContent>
+  <p:clrMapOvr>
+    <a:masterClrMapping/>
+  </p:clrMapOvr>
   <p:timing>
     <p:tnLst>
       <p:par>
-        <p:cTn id="23" dur="indefinite" restart="never" nodeType="tmRoot">
+        <p:cTn id="1" dur="indefinite" restart="never" nodeType="tmRoot">
           <p:childTnLst>
             <p:seq>
-              <p:cTn id="24" dur="indefinite" nodeType="mainSeq"/>
+              <p:cTn id="2" dur="indefinite" nodeType="mainSeq"/>
               <p:prevCondLst>
-                <p:cond delay="0" evt="onPrev">
+                <p:cond evt="onPrev" delay="0">
                   <p:tgtEl>
                     <p:sldTgt/>
                   </p:tgtEl>
                 </p:cond>
               </p:prevCondLst>
               <p:nextCondLst>
-                <p:cond delay="0" evt="onNext">
+                <p:cond evt="onNext" delay="0">
                   <p:tgtEl>
                     <p:sldTgt/>
                   </p:tgtEl>
@@ -2829,8 +3231,8 @@
 </p:sld>
 </file>
 
-<file path=ppt/slides/slide14.xml><?xml version="1.0" encoding="utf-8"?>
-<p:sld xmlns:a="http://schemas.openxmlformats.org/drawingml/2006/main" xmlns:p="http://schemas.openxmlformats.org/presentationml/2006/main" xmlns:r="http://schemas.openxmlformats.org/officeDocument/2006/relationships" xmlns:p14="http://schemas.microsoft.com/office/powerpoint/2010/main" xmlns:p15="http://schemas.microsoft.com/office/powerpoint/2012/main" xmlns:mc="http://schemas.openxmlformats.org/markup-compatibility/2006">
+<file path=ppt/slides/slide15.xml><?xml version="1.0" encoding="utf-8"?>
+<p:sld xmlns:a="http://schemas.openxmlformats.org/drawingml/2006/main" xmlns:r="http://schemas.openxmlformats.org/officeDocument/2006/relationships" xmlns:p="http://schemas.openxmlformats.org/presentationml/2006/main">
   <p:cSld>
     <p:spTree>
       <p:nvGrpSpPr>
@@ -2848,7 +3250,7 @@
       </p:grpSpPr>
       <p:sp>
         <p:nvSpPr>
-          <p:cNvPr id="72" name="TextShape 1"/>
+          <p:cNvPr id="74" name="TextShape 1"/>
           <p:cNvSpPr txBox="1"/>
           <p:nvPr/>
         </p:nvSpPr>
@@ -2866,24 +3268,22 @@
           </a:ln>
         </p:spPr>
         <p:txBody>
-          <a:bodyPr lIns="0" rIns="0" tIns="0" bIns="0" anchor="ctr"/>
+          <a:bodyPr lIns="0" tIns="0" rIns="0" bIns="0" anchor="ctr"/>
+          <a:lstStyle/>
           <a:p>
             <a:pPr algn="ctr"/>
             <a:r>
-              <a:rPr b="0" lang="en-US" sz="4400" spc="-1" strike="noStrike">
+              <a:rPr lang="en-US" sz="4400" b="0" strike="noStrike" spc="-1">
                 <a:latin typeface="Arial"/>
               </a:rPr>
               <a:t>Course Outcomes</a:t>
             </a:r>
-            <a:endParaRPr b="0" lang="en-US" sz="4400" spc="-1" strike="noStrike">
-              <a:latin typeface="Arial"/>
-            </a:endParaRPr>
-          </a:p>
-        </p:txBody>
-      </p:sp>
-      <p:sp>
-        <p:nvSpPr>
-          <p:cNvPr id="73" name="TextShape 2"/>
+          </a:p>
+        </p:txBody>
+      </p:sp>
+      <p:sp>
+        <p:nvSpPr>
+          <p:cNvPr id="75" name="TextShape 2"/>
           <p:cNvSpPr txBox="1"/>
           <p:nvPr/>
         </p:nvSpPr>
@@ -2901,247 +3301,140 @@
           </a:ln>
         </p:spPr>
         <p:txBody>
-          <a:bodyPr lIns="0" rIns="0" tIns="0" bIns="0">
-            <a:normAutofit fontScale="52000"/>
+          <a:bodyPr lIns="0" tIns="0" rIns="0" bIns="0">
+            <a:normAutofit fontScale="82000" lnSpcReduction="10000"/>
           </a:bodyPr>
-          <a:p>
-            <a:pPr marL="432000" indent="-324000">
-              <a:spcBef>
-                <a:spcPts val="1417"/>
-              </a:spcBef>
-              <a:buClr>
-                <a:srgbClr val="000000"/>
-              </a:buClr>
-              <a:buSzPct val="45000"/>
-              <a:buFont typeface="Wingdings" charset="2"/>
-              <a:buChar char=""/>
-            </a:pPr>
-            <a:r>
-              <a:rPr b="0" lang="en-US" sz="3200" spc="-1" strike="noStrike">
-                <a:latin typeface="Arial"/>
-              </a:rPr>
-              <a:t>CO 1: Develop client side scripts using different </a:t>
-            </a:r>
-            <a:r>
-              <a:rPr b="0" lang="en-US" sz="3200" spc="-1" strike="noStrike">
-                <a:latin typeface="Arial"/>
-              </a:rPr>
-              <a:t>	</a:t>
-            </a:r>
-            <a:r>
-              <a:rPr b="0" lang="en-US" sz="3200" spc="-1" strike="noStrike">
-                <a:latin typeface="Arial"/>
-              </a:rPr>
-              <a:t>	</a:t>
-            </a:r>
-            <a:r>
-              <a:rPr b="0" lang="en-US" sz="3200" spc="-1" strike="noStrike">
-                <a:latin typeface="Arial"/>
-              </a:rPr>
-              <a:t>	</a:t>
-            </a:r>
-            <a:r>
-              <a:rPr b="0" lang="en-US" sz="3200" spc="-1" strike="noStrike">
-                <a:latin typeface="Arial"/>
-              </a:rPr>
-              <a:t>	</a:t>
-            </a:r>
-            <a:r>
-              <a:rPr b="0" lang="en-US" sz="3200" spc="-1" strike="noStrike">
-                <a:latin typeface="Arial"/>
-              </a:rPr>
-              <a:t>	</a:t>
-            </a:r>
-            <a:r>
-              <a:rPr b="0" lang="en-US" sz="3200" spc="-1" strike="noStrike">
-                <a:latin typeface="Arial"/>
-              </a:rPr>
-              <a:t>   </a:t>
-            </a:r>
-            <a:endParaRPr b="0" lang="en-US" sz="3200" spc="-1" strike="noStrike">
-              <a:latin typeface="Arial"/>
-            </a:endParaRPr>
-          </a:p>
-          <a:p>
-            <a:pPr marL="432000" indent="-324000">
-              <a:spcBef>
-                <a:spcPts val="1417"/>
-              </a:spcBef>
-              <a:buClr>
-                <a:srgbClr val="000000"/>
-              </a:buClr>
-              <a:buSzPct val="45000"/>
-              <a:buFont typeface="Wingdings" charset="2"/>
-              <a:buChar char=""/>
-            </a:pPr>
-            <a:r>
-              <a:rPr b="0" lang="en-US" sz="3200" spc="-1" strike="noStrike">
-                <a:latin typeface="Arial"/>
-              </a:rPr>
-              <a:t>           </a:t>
-            </a:r>
-            <a:r>
-              <a:rPr b="0" lang="en-US" sz="3200" spc="-1" strike="noStrike">
-                <a:latin typeface="Arial"/>
-              </a:rPr>
-              <a:t>scripting languages.</a:t>
-            </a:r>
-            <a:endParaRPr b="0" lang="en-US" sz="3200" spc="-1" strike="noStrike">
-              <a:latin typeface="Arial"/>
-            </a:endParaRPr>
-          </a:p>
-          <a:p>
-            <a:pPr marL="432000" indent="-324000">
-              <a:spcBef>
-                <a:spcPts val="1417"/>
-              </a:spcBef>
-              <a:buClr>
-                <a:srgbClr val="000000"/>
-              </a:buClr>
-              <a:buSzPct val="45000"/>
-              <a:buFont typeface="Wingdings" charset="2"/>
-              <a:buChar char=""/>
-            </a:pPr>
-            <a:r>
-              <a:rPr b="0" lang="en-US" sz="3200" spc="-1" strike="noStrike">
-                <a:latin typeface="Arial"/>
-              </a:rPr>
-              <a:t>CO 2: Implement the MVC architecture using </a:t>
-            </a:r>
-            <a:r>
-              <a:rPr b="0" lang="en-US" sz="3200" spc="-1" strike="noStrike">
-                <a:latin typeface="Arial"/>
-              </a:rPr>
-              <a:t>	</a:t>
-            </a:r>
-            <a:r>
-              <a:rPr b="0" lang="en-US" sz="3200" spc="-1" strike="noStrike">
-                <a:latin typeface="Arial"/>
-              </a:rPr>
-              <a:t>	</a:t>
-            </a:r>
-            <a:r>
-              <a:rPr b="0" lang="en-US" sz="3200" spc="-1" strike="noStrike">
-                <a:latin typeface="Arial"/>
-              </a:rPr>
-              <a:t>	</a:t>
-            </a:r>
-            <a:r>
-              <a:rPr b="0" lang="en-US" sz="3200" spc="-1" strike="noStrike">
-                <a:latin typeface="Arial"/>
-              </a:rPr>
-              <a:t>	</a:t>
-            </a:r>
-            <a:r>
-              <a:rPr b="0" lang="en-US" sz="3200" spc="-1" strike="noStrike">
-                <a:latin typeface="Arial"/>
-              </a:rPr>
-              <a:t>effective </a:t>
-            </a:r>
-            <a:endParaRPr b="0" lang="en-US" sz="3200" spc="-1" strike="noStrike">
-              <a:latin typeface="Arial"/>
-            </a:endParaRPr>
-          </a:p>
-          <a:p>
-            <a:pPr marL="432000" indent="-324000">
-              <a:spcBef>
-                <a:spcPts val="1417"/>
-              </a:spcBef>
-              <a:buClr>
-                <a:srgbClr val="000000"/>
-              </a:buClr>
-              <a:buSzPct val="45000"/>
-              <a:buFont typeface="Wingdings" charset="2"/>
-              <a:buChar char=""/>
-            </a:pPr>
-            <a:r>
-              <a:rPr b="0" lang="en-US" sz="3200" spc="-1" strike="noStrike">
-                <a:latin typeface="Arial"/>
-              </a:rPr>
-              <a:t>          </a:t>
-            </a:r>
-            <a:r>
-              <a:rPr b="0" lang="en-US" sz="3200" spc="-1" strike="noStrike">
+          <a:lstStyle/>
+          <a:p>
+            <a:pPr marL="432000" indent="-324000">
+              <a:spcBef>
+                <a:spcPts val="1417"/>
+              </a:spcBef>
+              <a:buClr>
+                <a:srgbClr val="000000"/>
+              </a:buClr>
+              <a:buSzPct val="45000"/>
+              <a:buFont typeface="Wingdings" charset="2"/>
+              <a:buChar char=""/>
+            </a:pPr>
+            <a:r>
+              <a:rPr lang="en-US" sz="3200" b="0" strike="noStrike" spc="-1" dirty="0">
+                <a:latin typeface="Arial"/>
+              </a:rPr>
+              <a:t>CO 1: Develop client side scripts using different scripting 	 languages.</a:t>
+            </a:r>
+          </a:p>
+          <a:p>
+            <a:pPr marL="432000" indent="-324000">
+              <a:spcBef>
+                <a:spcPts val="1417"/>
+              </a:spcBef>
+              <a:buClr>
+                <a:srgbClr val="000000"/>
+              </a:buClr>
+              <a:buSzPct val="45000"/>
+              <a:buFont typeface="Wingdings" charset="2"/>
+              <a:buChar char=""/>
+            </a:pPr>
+            <a:r>
+              <a:rPr lang="en-US" sz="3200" b="0" strike="noStrike" spc="-1" dirty="0">
+                <a:latin typeface="Arial"/>
+              </a:rPr>
+              <a:t>CO 2: Implement the MVC architecture </a:t>
+            </a:r>
+            <a:r>
+              <a:rPr lang="en-US" sz="3200" b="0" strike="noStrike" spc="-1">
+                <a:latin typeface="Arial"/>
+              </a:rPr>
+              <a:t>using effective </a:t>
+            </a:r>
+            <a:r>
+              <a:rPr lang="en-US" sz="3200" b="0" strike="noStrike" spc="-1" dirty="0">
                 <a:latin typeface="Arial"/>
               </a:rPr>
               <a:t>frameworks.</a:t>
             </a:r>
-            <a:endParaRPr b="0" lang="en-US" sz="3200" spc="-1" strike="noStrike">
-              <a:latin typeface="Arial"/>
-            </a:endParaRPr>
-          </a:p>
-          <a:p>
-            <a:pPr marL="432000" indent="-324000">
-              <a:spcBef>
-                <a:spcPts val="1417"/>
-              </a:spcBef>
-              <a:buClr>
-                <a:srgbClr val="000000"/>
-              </a:buClr>
-              <a:buSzPct val="45000"/>
-              <a:buFont typeface="Wingdings" charset="2"/>
-              <a:buChar char=""/>
-            </a:pPr>
-            <a:r>
-              <a:rPr b="0" lang="en-US" sz="3200" spc="-1" strike="noStrike">
+          </a:p>
+          <a:p>
+            <a:pPr marL="432000" indent="-324000">
+              <a:spcBef>
+                <a:spcPts val="1417"/>
+              </a:spcBef>
+              <a:buClr>
+                <a:srgbClr val="000000"/>
+              </a:buClr>
+              <a:buSzPct val="45000"/>
+              <a:buFont typeface="Wingdings" charset="2"/>
+              <a:buChar char=""/>
+            </a:pPr>
+            <a:r>
+              <a:rPr lang="en-US" sz="3200" b="0" strike="noStrike" spc="-1" dirty="0">
                 <a:latin typeface="Arial"/>
               </a:rPr>
               <a:t>CO 3: Demonstrate the Database connectivity using IDEs</a:t>
             </a:r>
-            <a:endParaRPr b="0" lang="en-US" sz="3200" spc="-1" strike="noStrike">
-              <a:latin typeface="Arial"/>
-            </a:endParaRPr>
-          </a:p>
-          <a:p>
-            <a:pPr marL="432000" indent="-324000">
-              <a:spcBef>
-                <a:spcPts val="1417"/>
-              </a:spcBef>
-              <a:buClr>
-                <a:srgbClr val="000000"/>
-              </a:buClr>
-              <a:buSzPct val="45000"/>
-              <a:buFont typeface="Wingdings" charset="2"/>
-              <a:buChar char=""/>
-            </a:pPr>
-            <a:r>
-              <a:rPr b="0" lang="en-US" sz="3200" spc="-1" strike="noStrike">
+          </a:p>
+          <a:p>
+            <a:pPr marL="432000" indent="-324000">
+              <a:spcBef>
+                <a:spcPts val="1417"/>
+              </a:spcBef>
+              <a:buClr>
+                <a:srgbClr val="000000"/>
+              </a:buClr>
+              <a:buSzPct val="45000"/>
+              <a:buFont typeface="Wingdings" charset="2"/>
+              <a:buChar char=""/>
+            </a:pPr>
+            <a:r>
+              <a:rPr lang="en-US" sz="3200" b="0" strike="noStrike" spc="-1" dirty="0">
                 <a:latin typeface="Arial"/>
               </a:rPr>
               <a:t>CO 4: Map objects with relational model</a:t>
             </a:r>
-            <a:endParaRPr b="0" lang="en-US" sz="3200" spc="-1" strike="noStrike">
-              <a:latin typeface="Arial"/>
-            </a:endParaRPr>
+          </a:p>
+          <a:p>
+            <a:pPr marL="432000" indent="-324000">
+              <a:spcBef>
+                <a:spcPts val="1417"/>
+              </a:spcBef>
+              <a:buClr>
+                <a:srgbClr val="000000"/>
+              </a:buClr>
+              <a:buSzPct val="45000"/>
+              <a:buFont typeface="Wingdings" charset="2"/>
+              <a:buChar char=""/>
+            </a:pPr>
+            <a:r>
+              <a:rPr lang="en-US" sz="3200" b="0" strike="noStrike" spc="-1" dirty="0">
+                <a:latin typeface="Arial"/>
+              </a:rPr>
+              <a:t>CO 5: Master the versatile web languages</a:t>
+            </a:r>
           </a:p>
         </p:txBody>
       </p:sp>
     </p:spTree>
   </p:cSld>
-  <mc:AlternateContent>
-    <mc:Choice Requires="p14">
-      <p:transition spd="slow" p14:dur="2000"/>
-    </mc:Choice>
-    <mc:Fallback>
-      <p:transition spd="slow"/>
-    </mc:Fallback>
-  </mc:AlternateContent>
+  <p:clrMapOvr>
+    <a:masterClrMapping/>
+  </p:clrMapOvr>
   <p:timing>
     <p:tnLst>
       <p:par>
-        <p:cTn id="25" dur="indefinite" restart="never" nodeType="tmRoot">
+        <p:cTn id="1" dur="indefinite" restart="never" nodeType="tmRoot">
           <p:childTnLst>
             <p:seq>
-              <p:cTn id="26" dur="indefinite" nodeType="mainSeq"/>
+              <p:cTn id="2" dur="indefinite" nodeType="mainSeq"/>
               <p:prevCondLst>
-                <p:cond delay="0" evt="onPrev">
+                <p:cond evt="onPrev" delay="0">
                   <p:tgtEl>
                     <p:sldTgt/>
                   </p:tgtEl>
                 </p:cond>
               </p:prevCondLst>
               <p:nextCondLst>
-                <p:cond delay="0" evt="onNext">
+                <p:cond evt="onNext" delay="0">
                   <p:tgtEl>
                     <p:sldTgt/>
                   </p:tgtEl>
@@ -3156,8 +3449,8 @@
 </p:sld>
 </file>
 
-<file path=ppt/slides/slide15.xml><?xml version="1.0" encoding="utf-8"?>
-<p:sld xmlns:a="http://schemas.openxmlformats.org/drawingml/2006/main" xmlns:p="http://schemas.openxmlformats.org/presentationml/2006/main" xmlns:r="http://schemas.openxmlformats.org/officeDocument/2006/relationships" xmlns:p14="http://schemas.microsoft.com/office/powerpoint/2010/main" xmlns:p15="http://schemas.microsoft.com/office/powerpoint/2012/main" xmlns:mc="http://schemas.openxmlformats.org/markup-compatibility/2006">
+<file path=ppt/slides/slide2.xml><?xml version="1.0" encoding="utf-8"?>
+<p:sld xmlns:a="http://schemas.openxmlformats.org/drawingml/2006/main" xmlns:r="http://schemas.openxmlformats.org/officeDocument/2006/relationships" xmlns:p="http://schemas.openxmlformats.org/presentationml/2006/main">
   <p:cSld>
     <p:spTree>
       <p:nvGrpSpPr>
@@ -3175,7 +3468,7 @@
       </p:grpSpPr>
       <p:sp>
         <p:nvSpPr>
-          <p:cNvPr id="74" name="TextShape 1"/>
+          <p:cNvPr id="45" name="TextShape 1"/>
           <p:cNvSpPr txBox="1"/>
           <p:nvPr/>
         </p:nvSpPr>
@@ -3193,24 +3486,22 @@
           </a:ln>
         </p:spPr>
         <p:txBody>
-          <a:bodyPr lIns="0" rIns="0" tIns="0" bIns="0" anchor="ctr"/>
+          <a:bodyPr lIns="0" tIns="0" rIns="0" bIns="0" anchor="ctr"/>
+          <a:lstStyle/>
           <a:p>
             <a:pPr algn="ctr"/>
             <a:r>
-              <a:rPr b="0" lang="en-US" sz="4400" spc="-1" strike="noStrike">
-                <a:latin typeface="Arial"/>
-              </a:rPr>
-              <a:t>Course Outcomes</a:t>
-            </a:r>
-            <a:endParaRPr b="0" lang="en-US" sz="4400" spc="-1" strike="noStrike">
-              <a:latin typeface="Arial"/>
-            </a:endParaRPr>
-          </a:p>
-        </p:txBody>
-      </p:sp>
-      <p:sp>
-        <p:nvSpPr>
-          <p:cNvPr id="75" name="TextShape 2"/>
+              <a:rPr lang="en-US" sz="4400" b="0" strike="noStrike" spc="-1">
+                <a:latin typeface="Arial"/>
+              </a:rPr>
+              <a:t>Prerequisites</a:t>
+            </a:r>
+          </a:p>
+        </p:txBody>
+      </p:sp>
+      <p:sp>
+        <p:nvSpPr>
+          <p:cNvPr id="46" name="TextShape 2"/>
           <p:cNvSpPr txBox="1"/>
           <p:nvPr/>
         </p:nvSpPr>
@@ -3228,241 +3519,68 @@
           </a:ln>
         </p:spPr>
         <p:txBody>
-          <a:bodyPr lIns="0" rIns="0" tIns="0" bIns="0">
-            <a:normAutofit fontScale="52000"/>
+          <a:bodyPr lIns="0" tIns="0" rIns="0" bIns="0">
+            <a:normAutofit/>
           </a:bodyPr>
-          <a:p>
-            <a:pPr marL="432000" indent="-324000">
-              <a:spcBef>
-                <a:spcPts val="1417"/>
-              </a:spcBef>
-              <a:buClr>
-                <a:srgbClr val="000000"/>
-              </a:buClr>
-              <a:buSzPct val="45000"/>
-              <a:buFont typeface="Wingdings" charset="2"/>
-              <a:buChar char=""/>
-            </a:pPr>
-            <a:r>
-              <a:rPr b="0" lang="en-US" sz="3200" spc="-1" strike="noStrike">
-                <a:latin typeface="Arial"/>
-              </a:rPr>
-              <a:t>CO 1: Develop client side scripts using different </a:t>
-            </a:r>
-            <a:r>
-              <a:rPr b="0" lang="en-US" sz="3200" spc="-1" strike="noStrike">
-                <a:latin typeface="Arial"/>
-              </a:rPr>
-              <a:t>	</a:t>
-            </a:r>
-            <a:r>
-              <a:rPr b="0" lang="en-US" sz="3200" spc="-1" strike="noStrike">
-                <a:latin typeface="Arial"/>
-              </a:rPr>
-              <a:t>	</a:t>
-            </a:r>
-            <a:r>
-              <a:rPr b="0" lang="en-US" sz="3200" spc="-1" strike="noStrike">
-                <a:latin typeface="Arial"/>
-              </a:rPr>
-              <a:t>	</a:t>
-            </a:r>
-            <a:r>
-              <a:rPr b="0" lang="en-US" sz="3200" spc="-1" strike="noStrike">
-                <a:latin typeface="Arial"/>
-              </a:rPr>
-              <a:t>scripting </a:t>
-            </a:r>
-            <a:r>
-              <a:rPr b="0" lang="en-US" sz="3200" spc="-1" strike="noStrike">
-                <a:latin typeface="Arial"/>
-              </a:rPr>
-              <a:t>	</a:t>
-            </a:r>
-            <a:r>
-              <a:rPr b="0" lang="en-US" sz="3200" spc="-1" strike="noStrike">
-                <a:latin typeface="Arial"/>
-              </a:rPr>
-              <a:t> </a:t>
-            </a:r>
-            <a:endParaRPr b="0" lang="en-US" sz="3200" spc="-1" strike="noStrike">
+          <a:lstStyle/>
+          <a:p>
+            <a:pPr marL="432000" indent="-324000">
+              <a:spcBef>
+                <a:spcPts val="1417"/>
+              </a:spcBef>
+              <a:buClr>
+                <a:srgbClr val="000000"/>
+              </a:buClr>
+              <a:buSzPct val="45000"/>
+              <a:buFont typeface="Wingdings" charset="2"/>
+              <a:buChar char=""/>
+            </a:pPr>
+            <a:r>
+              <a:rPr lang="en-US" sz="3200" b="0" strike="noStrike" spc="-1">
+                <a:latin typeface="Arial"/>
+              </a:rPr>
+              <a:t>Object oriented Programming through Java</a:t>
+            </a:r>
+          </a:p>
+          <a:p>
+            <a:pPr marL="432000" indent="-324000">
+              <a:spcBef>
+                <a:spcPts val="1417"/>
+              </a:spcBef>
+              <a:buClr>
+                <a:srgbClr val="000000"/>
+              </a:buClr>
+              <a:buSzPct val="45000"/>
+              <a:buFont typeface="Wingdings" charset="2"/>
+              <a:buChar char=""/>
+            </a:pPr>
+            <a:endParaRPr lang="en-US" sz="3200" b="0" strike="noStrike" spc="-1">
               <a:latin typeface="Arial"/>
             </a:endParaRPr>
           </a:p>
-          <a:p>
-            <a:pPr marL="432000" indent="-324000">
-              <a:spcBef>
-                <a:spcPts val="1417"/>
-              </a:spcBef>
-              <a:buClr>
-                <a:srgbClr val="000000"/>
-              </a:buClr>
-              <a:buSzPct val="45000"/>
-              <a:buFont typeface="Wingdings" charset="2"/>
-              <a:buChar char=""/>
-            </a:pPr>
-            <a:r>
-              <a:rPr b="0" lang="en-US" sz="3200" spc="-1" strike="noStrike">
-                <a:latin typeface="Arial"/>
-              </a:rPr>
-              <a:t>          </a:t>
-            </a:r>
-            <a:r>
-              <a:rPr b="0" lang="en-US" sz="3200" spc="-1" strike="noStrike">
-                <a:latin typeface="Arial"/>
-              </a:rPr>
-              <a:t>languages.</a:t>
-            </a:r>
-            <a:endParaRPr b="0" lang="en-US" sz="3200" spc="-1" strike="noStrike">
-              <a:latin typeface="Arial"/>
-            </a:endParaRPr>
-          </a:p>
-          <a:p>
-            <a:pPr marL="432000" indent="-324000">
-              <a:spcBef>
-                <a:spcPts val="1417"/>
-              </a:spcBef>
-              <a:buClr>
-                <a:srgbClr val="000000"/>
-              </a:buClr>
-              <a:buSzPct val="45000"/>
-              <a:buFont typeface="Wingdings" charset="2"/>
-              <a:buChar char=""/>
-            </a:pPr>
-            <a:r>
-              <a:rPr b="0" lang="en-US" sz="3200" spc="-1" strike="noStrike">
-                <a:latin typeface="Arial"/>
-              </a:rPr>
-              <a:t>CO 2: Implement the MVC architecture using </a:t>
-            </a:r>
-            <a:r>
-              <a:rPr b="0" lang="en-US" sz="3200" spc="-1" strike="noStrike">
-                <a:latin typeface="Arial"/>
-              </a:rPr>
-              <a:t>	</a:t>
-            </a:r>
-            <a:r>
-              <a:rPr b="0" lang="en-US" sz="3200" spc="-1" strike="noStrike">
-                <a:latin typeface="Arial"/>
-              </a:rPr>
-              <a:t>	</a:t>
-            </a:r>
-            <a:r>
-              <a:rPr b="0" lang="en-US" sz="3200" spc="-1" strike="noStrike">
-                <a:latin typeface="Arial"/>
-              </a:rPr>
-              <a:t>	</a:t>
-            </a:r>
-            <a:r>
-              <a:rPr b="0" lang="en-US" sz="3200" spc="-1" strike="noStrike">
-                <a:latin typeface="Arial"/>
-              </a:rPr>
-              <a:t>	</a:t>
-            </a:r>
-            <a:r>
-              <a:rPr b="0" lang="en-US" sz="3200" spc="-1" strike="noStrike">
-                <a:latin typeface="Arial"/>
-              </a:rPr>
-              <a:t>effective frameworks.</a:t>
-            </a:r>
-            <a:endParaRPr b="0" lang="en-US" sz="3200" spc="-1" strike="noStrike">
-              <a:latin typeface="Arial"/>
-            </a:endParaRPr>
-          </a:p>
-          <a:p>
-            <a:pPr marL="432000" indent="-324000">
-              <a:spcBef>
-                <a:spcPts val="1417"/>
-              </a:spcBef>
-              <a:buClr>
-                <a:srgbClr val="000000"/>
-              </a:buClr>
-              <a:buSzPct val="45000"/>
-              <a:buFont typeface="Wingdings" charset="2"/>
-              <a:buChar char=""/>
-            </a:pPr>
-            <a:r>
-              <a:rPr b="0" lang="en-US" sz="3200" spc="-1" strike="noStrike">
-                <a:latin typeface="Arial"/>
-              </a:rPr>
-              <a:t>CO 3: Demonstrate the Database connectivity using IDEs</a:t>
-            </a:r>
-            <a:endParaRPr b="0" lang="en-US" sz="3200" spc="-1" strike="noStrike">
-              <a:latin typeface="Arial"/>
-            </a:endParaRPr>
-          </a:p>
-          <a:p>
-            <a:pPr marL="432000" indent="-324000">
-              <a:spcBef>
-                <a:spcPts val="1417"/>
-              </a:spcBef>
-              <a:buClr>
-                <a:srgbClr val="000000"/>
-              </a:buClr>
-              <a:buSzPct val="45000"/>
-              <a:buFont typeface="Wingdings" charset="2"/>
-              <a:buChar char=""/>
-            </a:pPr>
-            <a:r>
-              <a:rPr b="0" lang="en-US" sz="3200" spc="-1" strike="noStrike">
-                <a:latin typeface="Arial"/>
-              </a:rPr>
-              <a:t>CO 4: Map objects with relational model</a:t>
-            </a:r>
-            <a:endParaRPr b="0" lang="en-US" sz="3200" spc="-1" strike="noStrike">
-              <a:latin typeface="Arial"/>
-            </a:endParaRPr>
-          </a:p>
-          <a:p>
-            <a:pPr marL="432000" indent="-324000">
-              <a:spcBef>
-                <a:spcPts val="1417"/>
-              </a:spcBef>
-              <a:buClr>
-                <a:srgbClr val="000000"/>
-              </a:buClr>
-              <a:buSzPct val="45000"/>
-              <a:buFont typeface="Wingdings" charset="2"/>
-              <a:buChar char=""/>
-            </a:pPr>
-            <a:r>
-              <a:rPr b="0" lang="en-US" sz="3200" spc="-1" strike="noStrike">
-                <a:latin typeface="Arial"/>
-              </a:rPr>
-              <a:t>CO 5: Master the versatile web languages</a:t>
-            </a:r>
-            <a:endParaRPr b="0" lang="en-US" sz="3200" spc="-1" strike="noStrike">
-              <a:latin typeface="Arial"/>
-            </a:endParaRPr>
-          </a:p>
         </p:txBody>
       </p:sp>
     </p:spTree>
   </p:cSld>
-  <mc:AlternateContent>
-    <mc:Choice Requires="p14">
-      <p:transition spd="slow" p14:dur="2000"/>
-    </mc:Choice>
-    <mc:Fallback>
-      <p:transition spd="slow"/>
-    </mc:Fallback>
-  </mc:AlternateContent>
+  <p:clrMapOvr>
+    <a:masterClrMapping/>
+  </p:clrMapOvr>
   <p:timing>
     <p:tnLst>
       <p:par>
-        <p:cTn id="27" dur="indefinite" restart="never" nodeType="tmRoot">
+        <p:cTn id="1" dur="indefinite" restart="never" nodeType="tmRoot">
           <p:childTnLst>
             <p:seq>
-              <p:cTn id="28" dur="indefinite" nodeType="mainSeq"/>
+              <p:cTn id="2" dur="indefinite" nodeType="mainSeq"/>
               <p:prevCondLst>
-                <p:cond delay="0" evt="onPrev">
+                <p:cond evt="onPrev" delay="0">
                   <p:tgtEl>
                     <p:sldTgt/>
                   </p:tgtEl>
                 </p:cond>
               </p:prevCondLst>
               <p:nextCondLst>
-                <p:cond delay="0" evt="onNext">
+                <p:cond evt="onNext" delay="0">
                   <p:tgtEl>
                     <p:sldTgt/>
                   </p:tgtEl>
@@ -3477,8 +3595,8 @@
 </p:sld>
 </file>
 
-<file path=ppt/slides/slide2.xml><?xml version="1.0" encoding="utf-8"?>
-<p:sld xmlns:a="http://schemas.openxmlformats.org/drawingml/2006/main" xmlns:p="http://schemas.openxmlformats.org/presentationml/2006/main" xmlns:r="http://schemas.openxmlformats.org/officeDocument/2006/relationships" xmlns:p14="http://schemas.microsoft.com/office/powerpoint/2010/main" xmlns:p15="http://schemas.microsoft.com/office/powerpoint/2012/main" xmlns:mc="http://schemas.openxmlformats.org/markup-compatibility/2006">
+<file path=ppt/slides/slide3.xml><?xml version="1.0" encoding="utf-8"?>
+<p:sld xmlns:a="http://schemas.openxmlformats.org/drawingml/2006/main" xmlns:r="http://schemas.openxmlformats.org/officeDocument/2006/relationships" xmlns:p="http://schemas.openxmlformats.org/presentationml/2006/main">
   <p:cSld>
     <p:spTree>
       <p:nvGrpSpPr>
@@ -3496,7 +3614,7 @@
       </p:grpSpPr>
       <p:sp>
         <p:nvSpPr>
-          <p:cNvPr id="45" name="TextShape 1"/>
+          <p:cNvPr id="47" name="TextShape 1"/>
           <p:cNvSpPr txBox="1"/>
           <p:nvPr/>
         </p:nvSpPr>
@@ -3514,24 +3632,22 @@
           </a:ln>
         </p:spPr>
         <p:txBody>
-          <a:bodyPr lIns="0" rIns="0" tIns="0" bIns="0" anchor="ctr"/>
+          <a:bodyPr lIns="0" tIns="0" rIns="0" bIns="0" anchor="ctr"/>
+          <a:lstStyle/>
           <a:p>
             <a:pPr algn="ctr"/>
             <a:r>
-              <a:rPr b="0" lang="en-US" sz="4400" spc="-1" strike="noStrike">
-                <a:latin typeface="Arial"/>
-              </a:rPr>
-              <a:t>Prerequisites</a:t>
-            </a:r>
-            <a:endParaRPr b="0" lang="en-US" sz="4400" spc="-1" strike="noStrike">
-              <a:latin typeface="Arial"/>
-            </a:endParaRPr>
-          </a:p>
-        </p:txBody>
-      </p:sp>
-      <p:sp>
-        <p:nvSpPr>
-          <p:cNvPr id="46" name="TextShape 2"/>
+              <a:rPr lang="en-US" sz="4400" b="0" strike="noStrike" spc="-1">
+                <a:latin typeface="Arial"/>
+              </a:rPr>
+              <a:t>Course Objectives</a:t>
+            </a:r>
+          </a:p>
+        </p:txBody>
+      </p:sp>
+      <p:sp>
+        <p:nvSpPr>
+          <p:cNvPr id="48" name="TextShape 2"/>
           <p:cNvSpPr txBox="1"/>
           <p:nvPr/>
         </p:nvSpPr>
@@ -3549,75 +3665,68 @@
           </a:ln>
         </p:spPr>
         <p:txBody>
-          <a:bodyPr lIns="0" rIns="0" tIns="0" bIns="0">
+          <a:bodyPr lIns="0" tIns="0" rIns="0" bIns="0">
             <a:normAutofit/>
           </a:bodyPr>
-          <a:p>
-            <a:pPr marL="432000" indent="-324000">
-              <a:spcBef>
-                <a:spcPts val="1417"/>
-              </a:spcBef>
-              <a:buClr>
-                <a:srgbClr val="000000"/>
-              </a:buClr>
-              <a:buSzPct val="45000"/>
-              <a:buFont typeface="Wingdings" charset="2"/>
-              <a:buChar char=""/>
-            </a:pPr>
-            <a:r>
-              <a:rPr b="0" lang="en-US" sz="3200" spc="-1" strike="noStrike">
-                <a:latin typeface="Arial"/>
-              </a:rPr>
-              <a:t>Object oriented Programming through Java</a:t>
-            </a:r>
-            <a:endParaRPr b="0" lang="en-US" sz="3200" spc="-1" strike="noStrike">
+          <a:lstStyle/>
+          <a:p>
+            <a:pPr marL="432000" indent="-324000">
+              <a:spcBef>
+                <a:spcPts val="1417"/>
+              </a:spcBef>
+              <a:buClr>
+                <a:srgbClr val="000000"/>
+              </a:buClr>
+              <a:buSzPct val="45000"/>
+              <a:buFont typeface="Wingdings" charset="2"/>
+              <a:buChar char=""/>
+            </a:pPr>
+            <a:r>
+              <a:rPr lang="en-US" sz="3200" b="0" strike="noStrike" spc="-1">
+                <a:latin typeface="Arial"/>
+              </a:rPr>
+              <a:t>To introduce the interpretation features of different languages.</a:t>
+            </a:r>
+          </a:p>
+          <a:p>
+            <a:pPr marL="432000" indent="-324000">
+              <a:spcBef>
+                <a:spcPts val="1417"/>
+              </a:spcBef>
+              <a:buClr>
+                <a:srgbClr val="000000"/>
+              </a:buClr>
+              <a:buSzPct val="45000"/>
+              <a:buFont typeface="Wingdings" charset="2"/>
+              <a:buChar char=""/>
+            </a:pPr>
+            <a:endParaRPr lang="en-US" sz="3200" b="0" strike="noStrike" spc="-1">
               <a:latin typeface="Arial"/>
             </a:endParaRPr>
           </a:p>
-          <a:p>
-            <a:pPr marL="432000" indent="-324000">
-              <a:spcBef>
-                <a:spcPts val="1417"/>
-              </a:spcBef>
-              <a:buClr>
-                <a:srgbClr val="000000"/>
-              </a:buClr>
-              <a:buSzPct val="45000"/>
-              <a:buFont typeface="Wingdings" charset="2"/>
-              <a:buChar char=""/>
-            </a:pPr>
-            <a:endParaRPr b="0" lang="en-US" sz="3200" spc="-1" strike="noStrike">
-              <a:latin typeface="Arial"/>
-            </a:endParaRPr>
-          </a:p>
         </p:txBody>
       </p:sp>
     </p:spTree>
   </p:cSld>
-  <mc:AlternateContent>
-    <mc:Choice Requires="p14">
-      <p:transition spd="slow" p14:dur="2000"/>
-    </mc:Choice>
-    <mc:Fallback>
-      <p:transition spd="slow"/>
-    </mc:Fallback>
-  </mc:AlternateContent>
+  <p:clrMapOvr>
+    <a:masterClrMapping/>
+  </p:clrMapOvr>
   <p:timing>
     <p:tnLst>
       <p:par>
-        <p:cTn id="3" dur="indefinite" restart="never" nodeType="tmRoot">
+        <p:cTn id="1" dur="indefinite" restart="never" nodeType="tmRoot">
           <p:childTnLst>
             <p:seq>
-              <p:cTn id="4" dur="indefinite" nodeType="mainSeq"/>
+              <p:cTn id="2" dur="indefinite" nodeType="mainSeq"/>
               <p:prevCondLst>
-                <p:cond delay="0" evt="onPrev">
+                <p:cond evt="onPrev" delay="0">
                   <p:tgtEl>
                     <p:sldTgt/>
                   </p:tgtEl>
                 </p:cond>
               </p:prevCondLst>
               <p:nextCondLst>
-                <p:cond delay="0" evt="onNext">
+                <p:cond evt="onNext" delay="0">
                   <p:tgtEl>
                     <p:sldTgt/>
                   </p:tgtEl>
@@ -3632,8 +3741,8 @@
 </p:sld>
 </file>
 
-<file path=ppt/slides/slide3.xml><?xml version="1.0" encoding="utf-8"?>
-<p:sld xmlns:a="http://schemas.openxmlformats.org/drawingml/2006/main" xmlns:p="http://schemas.openxmlformats.org/presentationml/2006/main" xmlns:r="http://schemas.openxmlformats.org/officeDocument/2006/relationships" xmlns:p14="http://schemas.microsoft.com/office/powerpoint/2010/main" xmlns:p15="http://schemas.microsoft.com/office/powerpoint/2012/main" xmlns:mc="http://schemas.openxmlformats.org/markup-compatibility/2006">
+<file path=ppt/slides/slide4.xml><?xml version="1.0" encoding="utf-8"?>
+<p:sld xmlns:a="http://schemas.openxmlformats.org/drawingml/2006/main" xmlns:r="http://schemas.openxmlformats.org/officeDocument/2006/relationships" xmlns:p="http://schemas.openxmlformats.org/presentationml/2006/main">
   <p:cSld>
     <p:spTree>
       <p:nvGrpSpPr>
@@ -3651,7 +3760,7 @@
       </p:grpSpPr>
       <p:sp>
         <p:nvSpPr>
-          <p:cNvPr id="47" name="TextShape 1"/>
+          <p:cNvPr id="49" name="TextShape 1"/>
           <p:cNvSpPr txBox="1"/>
           <p:nvPr/>
         </p:nvSpPr>
@@ -3669,24 +3778,22 @@
           </a:ln>
         </p:spPr>
         <p:txBody>
-          <a:bodyPr lIns="0" rIns="0" tIns="0" bIns="0" anchor="ctr"/>
+          <a:bodyPr lIns="0" tIns="0" rIns="0" bIns="0" anchor="ctr"/>
+          <a:lstStyle/>
           <a:p>
             <a:pPr algn="ctr"/>
             <a:r>
-              <a:rPr b="0" lang="en-US" sz="4400" spc="-1" strike="noStrike">
+              <a:rPr lang="en-US" sz="4400" b="0" strike="noStrike" spc="-1">
                 <a:latin typeface="Arial"/>
               </a:rPr>
               <a:t>Course Objectives</a:t>
             </a:r>
-            <a:endParaRPr b="0" lang="en-US" sz="4400" spc="-1" strike="noStrike">
-              <a:latin typeface="Arial"/>
-            </a:endParaRPr>
-          </a:p>
-        </p:txBody>
-      </p:sp>
-      <p:sp>
-        <p:nvSpPr>
-          <p:cNvPr id="48" name="TextShape 2"/>
+          </a:p>
+        </p:txBody>
+      </p:sp>
+      <p:sp>
+        <p:nvSpPr>
+          <p:cNvPr id="50" name="TextShape 2"/>
           <p:cNvSpPr txBox="1"/>
           <p:nvPr/>
         </p:nvSpPr>
@@ -3704,28 +3811,61 @@
           </a:ln>
         </p:spPr>
         <p:txBody>
-          <a:bodyPr lIns="0" rIns="0" tIns="0" bIns="0">
+          <a:bodyPr lIns="0" tIns="0" rIns="0" bIns="0">
             <a:normAutofit/>
           </a:bodyPr>
-          <a:p>
-            <a:pPr marL="432000" indent="-324000">
-              <a:spcBef>
-                <a:spcPts val="1417"/>
-              </a:spcBef>
-              <a:buClr>
-                <a:srgbClr val="000000"/>
-              </a:buClr>
-              <a:buSzPct val="45000"/>
-              <a:buFont typeface="Wingdings" charset="2"/>
-              <a:buChar char=""/>
-            </a:pPr>
-            <a:r>
-              <a:rPr b="0" lang="en-US" sz="3200" spc="-1" strike="noStrike">
+          <a:lstStyle/>
+          <a:p>
+            <a:pPr marL="432000" indent="-324000">
+              <a:spcBef>
+                <a:spcPts val="1417"/>
+              </a:spcBef>
+              <a:buClr>
+                <a:srgbClr val="000000"/>
+              </a:buClr>
+              <a:buSzPct val="45000"/>
+              <a:buFont typeface="Wingdings" charset="2"/>
+              <a:buChar char=""/>
+            </a:pPr>
+            <a:r>
+              <a:rPr lang="en-US" sz="3200" b="0" strike="noStrike" spc="-1">
                 <a:latin typeface="Arial"/>
               </a:rPr>
               <a:t>To introduce the interpretation features of different languages.</a:t>
             </a:r>
-            <a:endParaRPr b="0" lang="en-US" sz="3200" spc="-1" strike="noStrike">
+          </a:p>
+          <a:p>
+            <a:pPr marL="432000" indent="-324000">
+              <a:spcBef>
+                <a:spcPts val="1417"/>
+              </a:spcBef>
+              <a:buClr>
+                <a:srgbClr val="000000"/>
+              </a:buClr>
+              <a:buSzPct val="45000"/>
+              <a:buFont typeface="Wingdings" charset="2"/>
+              <a:buChar char=""/>
+            </a:pPr>
+            <a:r>
+              <a:rPr lang="en-US" sz="3200" b="0" strike="noStrike" spc="-1">
+                <a:latin typeface="Arial"/>
+              </a:rPr>
+              <a:t>To give practical experience of client side scripting.</a:t>
+            </a:r>
+          </a:p>
+          <a:p>
+            <a:pPr marL="432000" indent="-324000">
+              <a:spcBef>
+                <a:spcPts val="1417"/>
+              </a:spcBef>
+              <a:buClr>
+                <a:srgbClr val="000000"/>
+              </a:buClr>
+              <a:buSzPct val="45000"/>
+              <a:buFont typeface="Wingdings" charset="2"/>
+              <a:buChar char=""/>
+            </a:pPr>
+            <a:endParaRPr lang="en-US" sz="3200" b="0" strike="noStrike" spc="-1">
               <a:latin typeface="Arial"/>
             </a:endParaRPr>
           </a:p>
@@ -3741,7 +3881,7 @@
               <a:buFont typeface="Wingdings" charset="2"/>
               <a:buChar char=""/>
             </a:pPr>
-            <a:endParaRPr b="0" lang="en-US" sz="3200" spc="-1" strike="noStrike">
+            <a:endParaRPr lang="en-US" sz="3200" b="0" strike="noStrike" spc="-1">
               <a:latin typeface="Arial"/>
             </a:endParaRPr>
           </a:p>
@@ -3749,30 +3889,25 @@
       </p:sp>
     </p:spTree>
   </p:cSld>
-  <mc:AlternateContent>
-    <mc:Choice Requires="p14">
-      <p:transition spd="slow" p14:dur="2000"/>
-    </mc:Choice>
-    <mc:Fallback>
-      <p:transition spd="slow"/>
-    </mc:Fallback>
-  </mc:AlternateContent>
+  <p:clrMapOvr>
+    <a:masterClrMapping/>
+  </p:clrMapOvr>
   <p:timing>
     <p:tnLst>
       <p:par>
-        <p:cTn id="5" dur="indefinite" restart="never" nodeType="tmRoot">
+        <p:cTn id="1" dur="indefinite" restart="never" nodeType="tmRoot">
           <p:childTnLst>
             <p:seq>
-              <p:cTn id="6" dur="indefinite" nodeType="mainSeq"/>
+              <p:cTn id="2" dur="indefinite" nodeType="mainSeq"/>
               <p:prevCondLst>
-                <p:cond delay="0" evt="onPrev">
+                <p:cond evt="onPrev" delay="0">
                   <p:tgtEl>
                     <p:sldTgt/>
                   </p:tgtEl>
                 </p:cond>
               </p:prevCondLst>
               <p:nextCondLst>
-                <p:cond delay="0" evt="onNext">
+                <p:cond evt="onNext" delay="0">
                   <p:tgtEl>
                     <p:sldTgt/>
                   </p:tgtEl>
@@ -3787,8 +3922,8 @@
 </p:sld>
 </file>
 
-<file path=ppt/slides/slide4.xml><?xml version="1.0" encoding="utf-8"?>
-<p:sld xmlns:a="http://schemas.openxmlformats.org/drawingml/2006/main" xmlns:p="http://schemas.openxmlformats.org/presentationml/2006/main" xmlns:r="http://schemas.openxmlformats.org/officeDocument/2006/relationships" xmlns:p14="http://schemas.microsoft.com/office/powerpoint/2010/main" xmlns:p15="http://schemas.microsoft.com/office/powerpoint/2012/main" xmlns:mc="http://schemas.openxmlformats.org/markup-compatibility/2006">
+<file path=ppt/slides/slide5.xml><?xml version="1.0" encoding="utf-8"?>
+<p:sld xmlns:a="http://schemas.openxmlformats.org/drawingml/2006/main" xmlns:r="http://schemas.openxmlformats.org/officeDocument/2006/relationships" xmlns:p="http://schemas.openxmlformats.org/presentationml/2006/main">
   <p:cSld>
     <p:spTree>
       <p:nvGrpSpPr>
@@ -3806,7 +3941,7 @@
       </p:grpSpPr>
       <p:sp>
         <p:nvSpPr>
-          <p:cNvPr id="49" name="TextShape 1"/>
+          <p:cNvPr id="51" name="TextShape 1"/>
           <p:cNvSpPr txBox="1"/>
           <p:nvPr/>
         </p:nvSpPr>
@@ -3824,24 +3959,22 @@
           </a:ln>
         </p:spPr>
         <p:txBody>
-          <a:bodyPr lIns="0" rIns="0" tIns="0" bIns="0" anchor="ctr"/>
+          <a:bodyPr lIns="0" tIns="0" rIns="0" bIns="0" anchor="ctr"/>
+          <a:lstStyle/>
           <a:p>
             <a:pPr algn="ctr"/>
             <a:r>
-              <a:rPr b="0" lang="en-US" sz="4400" spc="-1" strike="noStrike">
+              <a:rPr lang="en-US" sz="4400" b="0" strike="noStrike" spc="-1">
                 <a:latin typeface="Arial"/>
               </a:rPr>
               <a:t>Course Objectives</a:t>
             </a:r>
-            <a:endParaRPr b="0" lang="en-US" sz="4400" spc="-1" strike="noStrike">
-              <a:latin typeface="Arial"/>
-            </a:endParaRPr>
-          </a:p>
-        </p:txBody>
-      </p:sp>
-      <p:sp>
-        <p:nvSpPr>
-          <p:cNvPr id="50" name="TextShape 2"/>
+          </a:p>
+        </p:txBody>
+      </p:sp>
+      <p:sp>
+        <p:nvSpPr>
+          <p:cNvPr id="52" name="TextShape 2"/>
           <p:cNvSpPr txBox="1"/>
           <p:nvPr/>
         </p:nvSpPr>
@@ -3859,28 +3992,80 @@
           </a:ln>
         </p:spPr>
         <p:txBody>
-          <a:bodyPr lIns="0" rIns="0" tIns="0" bIns="0">
+          <a:bodyPr lIns="0" tIns="0" rIns="0" bIns="0">
             <a:normAutofit/>
           </a:bodyPr>
-          <a:p>
-            <a:pPr marL="432000" indent="-324000">
-              <a:spcBef>
-                <a:spcPts val="1417"/>
-              </a:spcBef>
-              <a:buClr>
-                <a:srgbClr val="000000"/>
-              </a:buClr>
-              <a:buSzPct val="45000"/>
-              <a:buFont typeface="Wingdings" charset="2"/>
-              <a:buChar char=""/>
-            </a:pPr>
-            <a:r>
-              <a:rPr b="0" lang="en-US" sz="3200" spc="-1" strike="noStrike">
+          <a:lstStyle/>
+          <a:p>
+            <a:pPr marL="432000" indent="-324000">
+              <a:spcBef>
+                <a:spcPts val="1417"/>
+              </a:spcBef>
+              <a:buClr>
+                <a:srgbClr val="000000"/>
+              </a:buClr>
+              <a:buSzPct val="45000"/>
+              <a:buFont typeface="Wingdings" charset="2"/>
+              <a:buChar char=""/>
+            </a:pPr>
+            <a:r>
+              <a:rPr lang="en-US" sz="3200" b="0" strike="noStrike" spc="-1">
                 <a:latin typeface="Arial"/>
               </a:rPr>
               <a:t>To introduce the interpretation features of different languages.</a:t>
             </a:r>
-            <a:endParaRPr b="0" lang="en-US" sz="3200" spc="-1" strike="noStrike">
+          </a:p>
+          <a:p>
+            <a:pPr marL="432000" indent="-324000">
+              <a:spcBef>
+                <a:spcPts val="1417"/>
+              </a:spcBef>
+              <a:buClr>
+                <a:srgbClr val="000000"/>
+              </a:buClr>
+              <a:buSzPct val="45000"/>
+              <a:buFont typeface="Wingdings" charset="2"/>
+              <a:buChar char=""/>
+            </a:pPr>
+            <a:r>
+              <a:rPr lang="en-US" sz="3200" b="0" strike="noStrike" spc="-1">
+                <a:latin typeface="Arial"/>
+              </a:rPr>
+              <a:t>To give practical experience of client side scripting.</a:t>
+            </a:r>
+          </a:p>
+          <a:p>
+            <a:pPr marL="432000" indent="-324000">
+              <a:spcBef>
+                <a:spcPts val="1417"/>
+              </a:spcBef>
+              <a:buClr>
+                <a:srgbClr val="000000"/>
+              </a:buClr>
+              <a:buSzPct val="45000"/>
+              <a:buFont typeface="Wingdings" charset="2"/>
+              <a:buChar char=""/>
+            </a:pPr>
+            <a:r>
+              <a:rPr lang="en-US" sz="3200" b="0" strike="noStrike" spc="-1">
+                <a:latin typeface="Arial"/>
+              </a:rPr>
+              <a:t>To enable the students to improve their productivity through scripting constructs.</a:t>
+            </a:r>
+          </a:p>
+          <a:p>
+            <a:pPr marL="432000" indent="-324000">
+              <a:spcBef>
+                <a:spcPts val="1417"/>
+              </a:spcBef>
+              <a:buClr>
+                <a:srgbClr val="000000"/>
+              </a:buClr>
+              <a:buSzPct val="45000"/>
+              <a:buFont typeface="Wingdings" charset="2"/>
+              <a:buChar char=""/>
+            </a:pPr>
+            <a:endParaRPr lang="en-US" sz="3200" b="0" strike="noStrike" spc="-1">
               <a:latin typeface="Arial"/>
             </a:endParaRPr>
           </a:p>
@@ -3896,76 +4081,33 @@
               <a:buFont typeface="Wingdings" charset="2"/>
               <a:buChar char=""/>
             </a:pPr>
-            <a:r>
-              <a:rPr b="0" lang="en-US" sz="3200" spc="-1" strike="noStrike">
-                <a:latin typeface="Arial"/>
-              </a:rPr>
-              <a:t>To give practical experience of client side scripting.</a:t>
-            </a:r>
-            <a:endParaRPr b="0" lang="en-US" sz="3200" spc="-1" strike="noStrike">
+            <a:endParaRPr lang="en-US" sz="3200" b="0" strike="noStrike" spc="-1">
               <a:latin typeface="Arial"/>
             </a:endParaRPr>
           </a:p>
-          <a:p>
-            <a:pPr marL="432000" indent="-324000">
-              <a:spcBef>
-                <a:spcPts val="1417"/>
-              </a:spcBef>
-              <a:buClr>
-                <a:srgbClr val="000000"/>
-              </a:buClr>
-              <a:buSzPct val="45000"/>
-              <a:buFont typeface="Wingdings" charset="2"/>
-              <a:buChar char=""/>
-            </a:pPr>
-            <a:endParaRPr b="0" lang="en-US" sz="3200" spc="-1" strike="noStrike">
-              <a:latin typeface="Arial"/>
-            </a:endParaRPr>
-          </a:p>
-          <a:p>
-            <a:pPr marL="432000" indent="-324000">
-              <a:spcBef>
-                <a:spcPts val="1417"/>
-              </a:spcBef>
-              <a:buClr>
-                <a:srgbClr val="000000"/>
-              </a:buClr>
-              <a:buSzPct val="45000"/>
-              <a:buFont typeface="Wingdings" charset="2"/>
-              <a:buChar char=""/>
-            </a:pPr>
-            <a:endParaRPr b="0" lang="en-US" sz="3200" spc="-1" strike="noStrike">
-              <a:latin typeface="Arial"/>
-            </a:endParaRPr>
-          </a:p>
         </p:txBody>
       </p:sp>
     </p:spTree>
   </p:cSld>
-  <mc:AlternateContent>
-    <mc:Choice Requires="p14">
-      <p:transition spd="slow" p14:dur="2000"/>
-    </mc:Choice>
-    <mc:Fallback>
-      <p:transition spd="slow"/>
-    </mc:Fallback>
-  </mc:AlternateContent>
+  <p:clrMapOvr>
+    <a:masterClrMapping/>
+  </p:clrMapOvr>
   <p:timing>
     <p:tnLst>
       <p:par>
-        <p:cTn id="7" dur="indefinite" restart="never" nodeType="tmRoot">
+        <p:cTn id="1" dur="indefinite" restart="never" nodeType="tmRoot">
           <p:childTnLst>
             <p:seq>
-              <p:cTn id="8" dur="indefinite" nodeType="mainSeq"/>
+              <p:cTn id="2" dur="indefinite" nodeType="mainSeq"/>
               <p:prevCondLst>
-                <p:cond delay="0" evt="onPrev">
+                <p:cond evt="onPrev" delay="0">
                   <p:tgtEl>
                     <p:sldTgt/>
                   </p:tgtEl>
                 </p:cond>
               </p:prevCondLst>
               <p:nextCondLst>
-                <p:cond delay="0" evt="onNext">
+                <p:cond evt="onNext" delay="0">
                   <p:tgtEl>
                     <p:sldTgt/>
                   </p:tgtEl>
@@ -3980,8 +4122,8 @@
 </p:sld>
 </file>
 
-<file path=ppt/slides/slide5.xml><?xml version="1.0" encoding="utf-8"?>
-<p:sld xmlns:a="http://schemas.openxmlformats.org/drawingml/2006/main" xmlns:p="http://schemas.openxmlformats.org/presentationml/2006/main" xmlns:r="http://schemas.openxmlformats.org/officeDocument/2006/relationships" xmlns:p14="http://schemas.microsoft.com/office/powerpoint/2010/main" xmlns:p15="http://schemas.microsoft.com/office/powerpoint/2012/main" xmlns:mc="http://schemas.openxmlformats.org/markup-compatibility/2006">
+<file path=ppt/slides/slide6.xml><?xml version="1.0" encoding="utf-8"?>
+<p:sld xmlns:a="http://schemas.openxmlformats.org/drawingml/2006/main" xmlns:r="http://schemas.openxmlformats.org/officeDocument/2006/relationships" xmlns:p="http://schemas.openxmlformats.org/presentationml/2006/main">
   <p:cSld>
     <p:spTree>
       <p:nvGrpSpPr>
@@ -3999,7 +4141,7 @@
       </p:grpSpPr>
       <p:sp>
         <p:nvSpPr>
-          <p:cNvPr id="51" name="TextShape 1"/>
+          <p:cNvPr id="53" name="TextShape 1"/>
           <p:cNvSpPr txBox="1"/>
           <p:nvPr/>
         </p:nvSpPr>
@@ -4017,24 +4159,22 @@
           </a:ln>
         </p:spPr>
         <p:txBody>
-          <a:bodyPr lIns="0" rIns="0" tIns="0" bIns="0" anchor="ctr"/>
+          <a:bodyPr lIns="0" tIns="0" rIns="0" bIns="0" anchor="ctr"/>
+          <a:lstStyle/>
           <a:p>
             <a:pPr algn="ctr"/>
             <a:r>
-              <a:rPr b="0" lang="en-US" sz="4400" spc="-1" strike="noStrike">
+              <a:rPr lang="en-US" sz="4400" b="0" strike="noStrike" spc="-1">
                 <a:latin typeface="Arial"/>
               </a:rPr>
               <a:t>Course Objectives</a:t>
             </a:r>
-            <a:endParaRPr b="0" lang="en-US" sz="4400" spc="-1" strike="noStrike">
-              <a:latin typeface="Arial"/>
-            </a:endParaRPr>
-          </a:p>
-        </p:txBody>
-      </p:sp>
-      <p:sp>
-        <p:nvSpPr>
-          <p:cNvPr id="52" name="TextShape 2"/>
+          </a:p>
+        </p:txBody>
+      </p:sp>
+      <p:sp>
+        <p:nvSpPr>
+          <p:cNvPr id="54" name="TextShape 2"/>
           <p:cNvSpPr txBox="1"/>
           <p:nvPr/>
         </p:nvSpPr>
@@ -4052,28 +4192,80 @@
           </a:ln>
         </p:spPr>
         <p:txBody>
-          <a:bodyPr lIns="0" rIns="0" tIns="0" bIns="0">
+          <a:bodyPr lIns="0" tIns="0" rIns="0" bIns="0">
             <a:normAutofit/>
           </a:bodyPr>
-          <a:p>
-            <a:pPr marL="432000" indent="-324000">
-              <a:spcBef>
-                <a:spcPts val="1417"/>
-              </a:spcBef>
-              <a:buClr>
-                <a:srgbClr val="000000"/>
-              </a:buClr>
-              <a:buSzPct val="45000"/>
-              <a:buFont typeface="Wingdings" charset="2"/>
-              <a:buChar char=""/>
-            </a:pPr>
-            <a:r>
-              <a:rPr b="0" lang="en-US" sz="3200" spc="-1" strike="noStrike">
+          <a:lstStyle/>
+          <a:p>
+            <a:pPr marL="432000" indent="-324000">
+              <a:spcBef>
+                <a:spcPts val="1417"/>
+              </a:spcBef>
+              <a:buClr>
+                <a:srgbClr val="000000"/>
+              </a:buClr>
+              <a:buSzPct val="45000"/>
+              <a:buFont typeface="Wingdings" charset="2"/>
+              <a:buChar char=""/>
+            </a:pPr>
+            <a:r>
+              <a:rPr lang="en-US" sz="3200" b="0" strike="noStrike" spc="-1">
                 <a:latin typeface="Arial"/>
               </a:rPr>
               <a:t>To introduce the interpretation features of different languages.</a:t>
             </a:r>
-            <a:endParaRPr b="0" lang="en-US" sz="3200" spc="-1" strike="noStrike">
+          </a:p>
+          <a:p>
+            <a:pPr marL="432000" indent="-324000">
+              <a:spcBef>
+                <a:spcPts val="1417"/>
+              </a:spcBef>
+              <a:buClr>
+                <a:srgbClr val="000000"/>
+              </a:buClr>
+              <a:buSzPct val="45000"/>
+              <a:buFont typeface="Wingdings" charset="2"/>
+              <a:buChar char=""/>
+            </a:pPr>
+            <a:r>
+              <a:rPr lang="en-US" sz="3200" b="0" strike="noStrike" spc="-1">
+                <a:latin typeface="Arial"/>
+              </a:rPr>
+              <a:t>To give practical experience of client side scripting.</a:t>
+            </a:r>
+          </a:p>
+          <a:p>
+            <a:pPr marL="432000" indent="-324000">
+              <a:spcBef>
+                <a:spcPts val="1417"/>
+              </a:spcBef>
+              <a:buClr>
+                <a:srgbClr val="000000"/>
+              </a:buClr>
+              <a:buSzPct val="45000"/>
+              <a:buFont typeface="Wingdings" charset="2"/>
+              <a:buChar char=""/>
+            </a:pPr>
+            <a:r>
+              <a:rPr lang="en-US" sz="3200" b="0" strike="noStrike" spc="-1">
+                <a:latin typeface="Arial"/>
+              </a:rPr>
+              <a:t>To enable the students to improve their productivity through scripting constructs.</a:t>
+            </a:r>
+          </a:p>
+          <a:p>
+            <a:pPr marL="432000" indent="-324000">
+              <a:spcBef>
+                <a:spcPts val="1417"/>
+              </a:spcBef>
+              <a:buClr>
+                <a:srgbClr val="000000"/>
+              </a:buClr>
+              <a:buSzPct val="45000"/>
+              <a:buFont typeface="Wingdings" charset="2"/>
+              <a:buChar char=""/>
+            </a:pPr>
+            <a:endParaRPr lang="en-US" sz="3200" b="0" strike="noStrike" spc="-1">
               <a:latin typeface="Arial"/>
             </a:endParaRPr>
           </a:p>
@@ -4089,98 +4281,65 @@
               <a:buFont typeface="Wingdings" charset="2"/>
               <a:buChar char=""/>
             </a:pPr>
-            <a:r>
-              <a:rPr b="0" lang="en-US" sz="3200" spc="-1" strike="noStrike">
-                <a:latin typeface="Arial"/>
-              </a:rPr>
-              <a:t>To give practical experience of client side scripting.</a:t>
-            </a:r>
-            <a:endParaRPr b="0" lang="en-US" sz="3200" spc="-1" strike="noStrike">
+            <a:endParaRPr lang="en-US" sz="3200" b="0" strike="noStrike" spc="-1">
               <a:latin typeface="Arial"/>
             </a:endParaRPr>
           </a:p>
-          <a:p>
-            <a:pPr marL="432000" indent="-324000">
-              <a:spcBef>
-                <a:spcPts val="1417"/>
-              </a:spcBef>
-              <a:buClr>
-                <a:srgbClr val="000000"/>
-              </a:buClr>
-              <a:buSzPct val="45000"/>
-              <a:buFont typeface="Wingdings" charset="2"/>
-              <a:buChar char=""/>
-            </a:pPr>
-            <a:r>
-              <a:rPr b="0" lang="en-US" sz="3200" spc="-1" strike="noStrike">
-                <a:latin typeface="Arial"/>
-              </a:rPr>
-              <a:t>To enable the students to improve their productivity through scripting constructs.</a:t>
-            </a:r>
-            <a:endParaRPr b="0" lang="en-US" sz="3200" spc="-1" strike="noStrike">
-              <a:latin typeface="Arial"/>
-            </a:endParaRPr>
-          </a:p>
-          <a:p>
-            <a:pPr marL="432000" indent="-324000">
-              <a:spcBef>
-                <a:spcPts val="1417"/>
-              </a:spcBef>
-              <a:buClr>
-                <a:srgbClr val="000000"/>
-              </a:buClr>
-              <a:buSzPct val="45000"/>
-              <a:buFont typeface="Wingdings" charset="2"/>
-              <a:buChar char=""/>
-            </a:pPr>
-            <a:endParaRPr b="0" lang="en-US" sz="3200" spc="-1" strike="noStrike">
-              <a:latin typeface="Arial"/>
-            </a:endParaRPr>
-          </a:p>
-          <a:p>
-            <a:pPr marL="432000" indent="-324000">
-              <a:spcBef>
-                <a:spcPts val="1417"/>
-              </a:spcBef>
-              <a:buClr>
-                <a:srgbClr val="000000"/>
-              </a:buClr>
-              <a:buSzPct val="45000"/>
-              <a:buFont typeface="Wingdings" charset="2"/>
-              <a:buChar char=""/>
-            </a:pPr>
-            <a:endParaRPr b="0" lang="en-US" sz="3200" spc="-1" strike="noStrike">
-              <a:latin typeface="Arial"/>
-            </a:endParaRPr>
+        </p:txBody>
+      </p:sp>
+      <p:sp>
+        <p:nvSpPr>
+          <p:cNvPr id="55" name="TextShape 3"/>
+          <p:cNvSpPr txBox="1"/>
+          <p:nvPr/>
+        </p:nvSpPr>
+        <p:spPr>
+          <a:xfrm>
+            <a:off x="7680960" y="4937760"/>
+            <a:ext cx="1828800" cy="346320"/>
+          </a:xfrm>
+          <a:prstGeom prst="rect">
+            <a:avLst/>
+          </a:prstGeom>
+          <a:noFill/>
+          <a:ln>
+            <a:noFill/>
+          </a:ln>
+        </p:spPr>
+        <p:txBody>
+          <a:bodyPr lIns="90000" tIns="45000" rIns="90000" bIns="45000"/>
+          <a:lstStyle/>
+          <a:p>
+            <a:r>
+              <a:rPr lang="en-US" sz="1800" b="0" strike="noStrike" spc="-1">
+                <a:latin typeface="Arial"/>
+              </a:rPr>
+              <a:t>Continue..</a:t>
+            </a:r>
           </a:p>
         </p:txBody>
       </p:sp>
     </p:spTree>
   </p:cSld>
-  <mc:AlternateContent>
-    <mc:Choice Requires="p14">
-      <p:transition spd="slow" p14:dur="2000"/>
-    </mc:Choice>
-    <mc:Fallback>
-      <p:transition spd="slow"/>
-    </mc:Fallback>
-  </mc:AlternateContent>
+  <p:clrMapOvr>
+    <a:masterClrMapping/>
+  </p:clrMapOvr>
   <p:timing>
     <p:tnLst>
       <p:par>
-        <p:cTn id="9" dur="indefinite" restart="never" nodeType="tmRoot">
+        <p:cTn id="1" dur="indefinite" restart="never" nodeType="tmRoot">
           <p:childTnLst>
             <p:seq>
-              <p:cTn id="10" dur="indefinite" nodeType="mainSeq"/>
+              <p:cTn id="2" dur="indefinite" nodeType="mainSeq"/>
               <p:prevCondLst>
-                <p:cond delay="0" evt="onPrev">
+                <p:cond evt="onPrev" delay="0">
                   <p:tgtEl>
                     <p:sldTgt/>
                   </p:tgtEl>
                 </p:cond>
               </p:prevCondLst>
               <p:nextCondLst>
-                <p:cond delay="0" evt="onNext">
+                <p:cond evt="onNext" delay="0">
                   <p:tgtEl>
                     <p:sldTgt/>
                   </p:tgtEl>
@@ -4195,8 +4354,8 @@
 </p:sld>
 </file>
 
-<file path=ppt/slides/slide6.xml><?xml version="1.0" encoding="utf-8"?>
-<p:sld xmlns:a="http://schemas.openxmlformats.org/drawingml/2006/main" xmlns:p="http://schemas.openxmlformats.org/presentationml/2006/main" xmlns:r="http://schemas.openxmlformats.org/officeDocument/2006/relationships" xmlns:p14="http://schemas.microsoft.com/office/powerpoint/2010/main" xmlns:p15="http://schemas.microsoft.com/office/powerpoint/2012/main" xmlns:mc="http://schemas.openxmlformats.org/markup-compatibility/2006">
+<file path=ppt/slides/slide7.xml><?xml version="1.0" encoding="utf-8"?>
+<p:sld xmlns:a="http://schemas.openxmlformats.org/drawingml/2006/main" xmlns:r="http://schemas.openxmlformats.org/officeDocument/2006/relationships" xmlns:p="http://schemas.openxmlformats.org/presentationml/2006/main">
   <p:cSld>
     <p:spTree>
       <p:nvGrpSpPr>
@@ -4214,7 +4373,7 @@
       </p:grpSpPr>
       <p:sp>
         <p:nvSpPr>
-          <p:cNvPr id="53" name="TextShape 1"/>
+          <p:cNvPr id="56" name="TextShape 1"/>
           <p:cNvSpPr txBox="1"/>
           <p:nvPr/>
         </p:nvSpPr>
@@ -4232,24 +4391,22 @@
           </a:ln>
         </p:spPr>
         <p:txBody>
-          <a:bodyPr lIns="0" rIns="0" tIns="0" bIns="0" anchor="ctr"/>
+          <a:bodyPr lIns="0" tIns="0" rIns="0" bIns="0" anchor="ctr"/>
+          <a:lstStyle/>
           <a:p>
             <a:pPr algn="ctr"/>
             <a:r>
-              <a:rPr b="0" lang="en-US" sz="4400" spc="-1" strike="noStrike">
+              <a:rPr lang="en-US" sz="4400" b="0" strike="noStrike" spc="-1">
                 <a:latin typeface="Arial"/>
               </a:rPr>
               <a:t>Course Objectives</a:t>
             </a:r>
-            <a:endParaRPr b="0" lang="en-US" sz="4400" spc="-1" strike="noStrike">
-              <a:latin typeface="Arial"/>
-            </a:endParaRPr>
-          </a:p>
-        </p:txBody>
-      </p:sp>
-      <p:sp>
-        <p:nvSpPr>
-          <p:cNvPr id="54" name="TextShape 2"/>
+          </a:p>
+        </p:txBody>
+      </p:sp>
+      <p:sp>
+        <p:nvSpPr>
+          <p:cNvPr id="57" name="TextShape 2"/>
           <p:cNvSpPr txBox="1"/>
           <p:nvPr/>
         </p:nvSpPr>
@@ -4267,28 +4424,42 @@
           </a:ln>
         </p:spPr>
         <p:txBody>
-          <a:bodyPr lIns="0" rIns="0" tIns="0" bIns="0">
+          <a:bodyPr lIns="0" tIns="0" rIns="0" bIns="0">
             <a:normAutofit/>
           </a:bodyPr>
-          <a:p>
-            <a:pPr marL="432000" indent="-324000">
-              <a:spcBef>
-                <a:spcPts val="1417"/>
-              </a:spcBef>
-              <a:buClr>
-                <a:srgbClr val="000000"/>
-              </a:buClr>
-              <a:buSzPct val="45000"/>
-              <a:buFont typeface="Wingdings" charset="2"/>
-              <a:buChar char=""/>
-            </a:pPr>
-            <a:r>
-              <a:rPr b="0" lang="en-US" sz="3200" spc="-1" strike="noStrike">
-                <a:latin typeface="Arial"/>
-              </a:rPr>
-              <a:t>To introduce the interpretation features of different languages.</a:t>
-            </a:r>
-            <a:endParaRPr b="0" lang="en-US" sz="3200" spc="-1" strike="noStrike">
+          <a:lstStyle/>
+          <a:p>
+            <a:pPr marL="432000" indent="-324000">
+              <a:spcBef>
+                <a:spcPts val="1417"/>
+              </a:spcBef>
+              <a:buClr>
+                <a:srgbClr val="000000"/>
+              </a:buClr>
+              <a:buSzPct val="45000"/>
+              <a:buFont typeface="Wingdings" charset="2"/>
+              <a:buChar char=""/>
+            </a:pPr>
+            <a:r>
+              <a:rPr lang="en-US" sz="3200" b="0" strike="noStrike" spc="-1">
+                <a:latin typeface="Arial"/>
+              </a:rPr>
+              <a:t>To develop the skills necessary for server side scripting  and database connectivity</a:t>
+            </a:r>
+          </a:p>
+          <a:p>
+            <a:pPr marL="432000" indent="-324000">
+              <a:spcBef>
+                <a:spcPts val="1417"/>
+              </a:spcBef>
+              <a:buClr>
+                <a:srgbClr val="000000"/>
+              </a:buClr>
+              <a:buSzPct val="45000"/>
+              <a:buFont typeface="Wingdings" charset="2"/>
+              <a:buChar char=""/>
+            </a:pPr>
+            <a:endParaRPr lang="en-US" sz="3200" b="0" strike="noStrike" spc="-1">
               <a:latin typeface="Arial"/>
             </a:endParaRPr>
           </a:p>
@@ -4304,75 +4475,15 @@
               <a:buFont typeface="Wingdings" charset="2"/>
               <a:buChar char=""/>
             </a:pPr>
-            <a:r>
-              <a:rPr b="0" lang="en-US" sz="3200" spc="-1" strike="noStrike">
-                <a:latin typeface="Arial"/>
-              </a:rPr>
-              <a:t>To give practical experience of client side scripting.</a:t>
-            </a:r>
-            <a:endParaRPr b="0" lang="en-US" sz="3200" spc="-1" strike="noStrike">
+            <a:endParaRPr lang="en-US" sz="3200" b="0" strike="noStrike" spc="-1">
               <a:latin typeface="Arial"/>
             </a:endParaRPr>
           </a:p>
-          <a:p>
-            <a:pPr marL="432000" indent="-324000">
-              <a:spcBef>
-                <a:spcPts val="1417"/>
-              </a:spcBef>
-              <a:buClr>
-                <a:srgbClr val="000000"/>
-              </a:buClr>
-              <a:buSzPct val="45000"/>
-              <a:buFont typeface="Wingdings" charset="2"/>
-              <a:buChar char=""/>
-            </a:pPr>
-            <a:r>
-              <a:rPr b="0" lang="en-US" sz="3200" spc="-1" strike="noStrike">
-                <a:latin typeface="Arial"/>
-              </a:rPr>
-              <a:t>To enable the students to improve their productivity through scripting constructs.</a:t>
-            </a:r>
-            <a:endParaRPr b="0" lang="en-US" sz="3200" spc="-1" strike="noStrike">
-              <a:latin typeface="Arial"/>
-            </a:endParaRPr>
-          </a:p>
-          <a:p>
-            <a:pPr marL="432000" indent="-324000">
-              <a:spcBef>
-                <a:spcPts val="1417"/>
-              </a:spcBef>
-              <a:buClr>
-                <a:srgbClr val="000000"/>
-              </a:buClr>
-              <a:buSzPct val="45000"/>
-              <a:buFont typeface="Wingdings" charset="2"/>
-              <a:buChar char=""/>
-            </a:pPr>
-            <a:endParaRPr b="0" lang="en-US" sz="3200" spc="-1" strike="noStrike">
-              <a:latin typeface="Arial"/>
-            </a:endParaRPr>
-          </a:p>
-          <a:p>
-            <a:pPr marL="432000" indent="-324000">
-              <a:spcBef>
-                <a:spcPts val="1417"/>
-              </a:spcBef>
-              <a:buClr>
-                <a:srgbClr val="000000"/>
-              </a:buClr>
-              <a:buSzPct val="45000"/>
-              <a:buFont typeface="Wingdings" charset="2"/>
-              <a:buChar char=""/>
-            </a:pPr>
-            <a:endParaRPr b="0" lang="en-US" sz="3200" spc="-1" strike="noStrike">
-              <a:latin typeface="Arial"/>
-            </a:endParaRPr>
-          </a:p>
-        </p:txBody>
-      </p:sp>
-      <p:sp>
-        <p:nvSpPr>
-          <p:cNvPr id="55" name="TextShape 3"/>
+        </p:txBody>
+      </p:sp>
+      <p:sp>
+        <p:nvSpPr>
+          <p:cNvPr id="58" name="TextShape 3"/>
           <p:cNvSpPr txBox="1"/>
           <p:nvPr/>
         </p:nvSpPr>
@@ -4390,46 +4501,39 @@
           </a:ln>
         </p:spPr>
         <p:txBody>
-          <a:bodyPr lIns="90000" rIns="90000" tIns="45000" bIns="45000"/>
-          <a:p>
-            <a:r>
-              <a:rPr b="0" lang="en-US" sz="1800" spc="-1" strike="noStrike">
+          <a:bodyPr lIns="90000" tIns="45000" rIns="90000" bIns="45000"/>
+          <a:lstStyle/>
+          <a:p>
+            <a:r>
+              <a:rPr lang="en-US" sz="1800" b="0" strike="noStrike" spc="-1">
                 <a:latin typeface="Arial"/>
               </a:rPr>
               <a:t>Continue..</a:t>
             </a:r>
-            <a:endParaRPr b="0" lang="en-US" sz="1800" spc="-1" strike="noStrike">
-              <a:latin typeface="Arial"/>
-            </a:endParaRPr>
           </a:p>
         </p:txBody>
       </p:sp>
     </p:spTree>
   </p:cSld>
-  <mc:AlternateContent>
-    <mc:Choice Requires="p14">
-      <p:transition spd="slow" p14:dur="2000"/>
-    </mc:Choice>
-    <mc:Fallback>
-      <p:transition spd="slow"/>
-    </mc:Fallback>
-  </mc:AlternateContent>
+  <p:clrMapOvr>
+    <a:masterClrMapping/>
+  </p:clrMapOvr>
   <p:timing>
     <p:tnLst>
       <p:par>
-        <p:cTn id="11" dur="indefinite" restart="never" nodeType="tmRoot">
+        <p:cTn id="1" dur="indefinite" restart="never" nodeType="tmRoot">
           <p:childTnLst>
             <p:seq>
-              <p:cTn id="12" dur="indefinite" nodeType="mainSeq"/>
+              <p:cTn id="2" dur="indefinite" nodeType="mainSeq"/>
               <p:prevCondLst>
-                <p:cond delay="0" evt="onPrev">
+                <p:cond evt="onPrev" delay="0">
                   <p:tgtEl>
                     <p:sldTgt/>
                   </p:tgtEl>
                 </p:cond>
               </p:prevCondLst>
               <p:nextCondLst>
-                <p:cond delay="0" evt="onNext">
+                <p:cond evt="onNext" delay="0">
                   <p:tgtEl>
                     <p:sldTgt/>
                   </p:tgtEl>
@@ -4444,8 +4548,8 @@
 </p:sld>
 </file>
 
-<file path=ppt/slides/slide7.xml><?xml version="1.0" encoding="utf-8"?>
-<p:sld xmlns:a="http://schemas.openxmlformats.org/drawingml/2006/main" xmlns:p="http://schemas.openxmlformats.org/presentationml/2006/main" xmlns:r="http://schemas.openxmlformats.org/officeDocument/2006/relationships" xmlns:p14="http://schemas.microsoft.com/office/powerpoint/2010/main" xmlns:p15="http://schemas.microsoft.com/office/powerpoint/2012/main" xmlns:mc="http://schemas.openxmlformats.org/markup-compatibility/2006">
+<file path=ppt/slides/slide8.xml><?xml version="1.0" encoding="utf-8"?>
+<p:sld xmlns:a="http://schemas.openxmlformats.org/drawingml/2006/main" xmlns:r="http://schemas.openxmlformats.org/officeDocument/2006/relationships" xmlns:p="http://schemas.openxmlformats.org/presentationml/2006/main">
   <p:cSld>
     <p:spTree>
       <p:nvGrpSpPr>
@@ -4463,7 +4567,7 @@
       </p:grpSpPr>
       <p:sp>
         <p:nvSpPr>
-          <p:cNvPr id="56" name="TextShape 1"/>
+          <p:cNvPr id="59" name="TextShape 1"/>
           <p:cNvSpPr txBox="1"/>
           <p:nvPr/>
         </p:nvSpPr>
@@ -4481,24 +4585,22 @@
           </a:ln>
         </p:spPr>
         <p:txBody>
-          <a:bodyPr lIns="0" rIns="0" tIns="0" bIns="0" anchor="ctr"/>
+          <a:bodyPr lIns="0" tIns="0" rIns="0" bIns="0" anchor="ctr"/>
+          <a:lstStyle/>
           <a:p>
             <a:pPr algn="ctr"/>
             <a:r>
-              <a:rPr b="0" lang="en-US" sz="4400" spc="-1" strike="noStrike">
+              <a:rPr lang="en-US" sz="4400" b="0" strike="noStrike" spc="-1">
                 <a:latin typeface="Arial"/>
               </a:rPr>
               <a:t>Course Objectives</a:t>
             </a:r>
-            <a:endParaRPr b="0" lang="en-US" sz="4400" spc="-1" strike="noStrike">
-              <a:latin typeface="Arial"/>
-            </a:endParaRPr>
-          </a:p>
-        </p:txBody>
-      </p:sp>
-      <p:sp>
-        <p:nvSpPr>
-          <p:cNvPr id="57" name="TextShape 2"/>
+          </a:p>
+        </p:txBody>
+      </p:sp>
+      <p:sp>
+        <p:nvSpPr>
+          <p:cNvPr id="60" name="TextShape 2"/>
           <p:cNvSpPr txBox="1"/>
           <p:nvPr/>
         </p:nvSpPr>
@@ -4516,28 +4618,61 @@
           </a:ln>
         </p:spPr>
         <p:txBody>
-          <a:bodyPr lIns="0" rIns="0" tIns="0" bIns="0">
+          <a:bodyPr lIns="0" tIns="0" rIns="0" bIns="0">
             <a:normAutofit/>
           </a:bodyPr>
-          <a:p>
-            <a:pPr marL="432000" indent="-324000">
-              <a:spcBef>
-                <a:spcPts val="1417"/>
-              </a:spcBef>
-              <a:buClr>
-                <a:srgbClr val="000000"/>
-              </a:buClr>
-              <a:buSzPct val="45000"/>
-              <a:buFont typeface="Wingdings" charset="2"/>
-              <a:buChar char=""/>
-            </a:pPr>
-            <a:r>
-              <a:rPr b="0" lang="en-US" sz="3200" spc="-1" strike="noStrike">
-                <a:latin typeface="Arial"/>
-              </a:rPr>
-              <a:t>To develop the skills necessary for server side scripting  and database connectivity</a:t>
-            </a:r>
-            <a:endParaRPr b="0" lang="en-US" sz="3200" spc="-1" strike="noStrike">
+          <a:lstStyle/>
+          <a:p>
+            <a:pPr marL="432000" indent="-324000">
+              <a:spcBef>
+                <a:spcPts val="1417"/>
+              </a:spcBef>
+              <a:buClr>
+                <a:srgbClr val="000000"/>
+              </a:buClr>
+              <a:buSzPct val="45000"/>
+              <a:buFont typeface="Wingdings" charset="2"/>
+              <a:buChar char=""/>
+            </a:pPr>
+            <a:r>
+              <a:rPr lang="en-US" sz="3200" b="0" strike="noStrike" spc="-1">
+                <a:latin typeface="Arial"/>
+              </a:rPr>
+              <a:t>To develop the skills necessary for server side scripting  and database connectivity.</a:t>
+            </a:r>
+          </a:p>
+          <a:p>
+            <a:pPr marL="432000" indent="-324000">
+              <a:spcBef>
+                <a:spcPts val="1417"/>
+              </a:spcBef>
+              <a:buClr>
+                <a:srgbClr val="000000"/>
+              </a:buClr>
+              <a:buSzPct val="45000"/>
+              <a:buFont typeface="Wingdings" charset="2"/>
+              <a:buChar char=""/>
+            </a:pPr>
+            <a:r>
+              <a:rPr lang="en-US" sz="3200" b="0" strike="noStrike" spc="-1">
+                <a:latin typeface="Arial"/>
+              </a:rPr>
+              <a:t>To expose different web application frameworks.</a:t>
+            </a:r>
+          </a:p>
+          <a:p>
+            <a:pPr marL="432000" indent="-324000">
+              <a:spcBef>
+                <a:spcPts val="1417"/>
+              </a:spcBef>
+              <a:buClr>
+                <a:srgbClr val="000000"/>
+              </a:buClr>
+              <a:buSzPct val="45000"/>
+              <a:buFont typeface="Wingdings" charset="2"/>
+              <a:buChar char=""/>
+            </a:pPr>
+            <a:endParaRPr lang="en-US" sz="3200" b="0" strike="noStrike" spc="-1">
               <a:latin typeface="Arial"/>
             </a:endParaRPr>
           </a:p>
@@ -4553,31 +4688,15 @@
               <a:buFont typeface="Wingdings" charset="2"/>
               <a:buChar char=""/>
             </a:pPr>
-            <a:endParaRPr b="0" lang="en-US" sz="3200" spc="-1" strike="noStrike">
+            <a:endParaRPr lang="en-US" sz="3200" b="0" strike="noStrike" spc="-1">
               <a:latin typeface="Arial"/>
             </a:endParaRPr>
           </a:p>
-          <a:p>
-            <a:pPr marL="432000" indent="-324000">
-              <a:spcBef>
-                <a:spcPts val="1417"/>
-              </a:spcBef>
-              <a:buClr>
-                <a:srgbClr val="000000"/>
-              </a:buClr>
-              <a:buSzPct val="45000"/>
-              <a:buFont typeface="Wingdings" charset="2"/>
-              <a:buChar char=""/>
-            </a:pPr>
-            <a:endParaRPr b="0" lang="en-US" sz="3200" spc="-1" strike="noStrike">
-              <a:latin typeface="Arial"/>
-            </a:endParaRPr>
-          </a:p>
-        </p:txBody>
-      </p:sp>
-      <p:sp>
-        <p:nvSpPr>
-          <p:cNvPr id="58" name="TextShape 3"/>
+        </p:txBody>
+      </p:sp>
+      <p:sp>
+        <p:nvSpPr>
+          <p:cNvPr id="61" name="TextShape 3"/>
           <p:cNvSpPr txBox="1"/>
           <p:nvPr/>
         </p:nvSpPr>
@@ -4595,46 +4714,39 @@
           </a:ln>
         </p:spPr>
         <p:txBody>
-          <a:bodyPr lIns="90000" rIns="90000" tIns="45000" bIns="45000"/>
-          <a:p>
-            <a:r>
-              <a:rPr b="0" lang="en-US" sz="1800" spc="-1" strike="noStrike">
+          <a:bodyPr lIns="90000" tIns="45000" rIns="90000" bIns="45000"/>
+          <a:lstStyle/>
+          <a:p>
+            <a:r>
+              <a:rPr lang="en-US" sz="1800" b="0" strike="noStrike" spc="-1">
                 <a:latin typeface="Arial"/>
               </a:rPr>
               <a:t>Continue..</a:t>
             </a:r>
-            <a:endParaRPr b="0" lang="en-US" sz="1800" spc="-1" strike="noStrike">
-              <a:latin typeface="Arial"/>
-            </a:endParaRPr>
           </a:p>
         </p:txBody>
       </p:sp>
     </p:spTree>
   </p:cSld>
-  <mc:AlternateContent>
-    <mc:Choice Requires="p14">
-      <p:transition spd="slow" p14:dur="2000"/>
-    </mc:Choice>
-    <mc:Fallback>
-      <p:transition spd="slow"/>
-    </mc:Fallback>
-  </mc:AlternateContent>
+  <p:clrMapOvr>
+    <a:masterClrMapping/>
+  </p:clrMapOvr>
   <p:timing>
     <p:tnLst>
       <p:par>
-        <p:cTn id="13" dur="indefinite" restart="never" nodeType="tmRoot">
+        <p:cTn id="1" dur="indefinite" restart="never" nodeType="tmRoot">
           <p:childTnLst>
             <p:seq>
-              <p:cTn id="14" dur="indefinite" nodeType="mainSeq"/>
+              <p:cTn id="2" dur="indefinite" nodeType="mainSeq"/>
               <p:prevCondLst>
-                <p:cond delay="0" evt="onPrev">
+                <p:cond evt="onPrev" delay="0">
                   <p:tgtEl>
                     <p:sldTgt/>
                   </p:tgtEl>
                 </p:cond>
               </p:prevCondLst>
               <p:nextCondLst>
-                <p:cond delay="0" evt="onNext">
+                <p:cond evt="onNext" delay="0">
                   <p:tgtEl>
                     <p:sldTgt/>
                   </p:tgtEl>
@@ -4649,8 +4761,8 @@
 </p:sld>
 </file>
 
-<file path=ppt/slides/slide8.xml><?xml version="1.0" encoding="utf-8"?>
-<p:sld xmlns:a="http://schemas.openxmlformats.org/drawingml/2006/main" xmlns:p="http://schemas.openxmlformats.org/presentationml/2006/main" xmlns:r="http://schemas.openxmlformats.org/officeDocument/2006/relationships" xmlns:p14="http://schemas.microsoft.com/office/powerpoint/2010/main" xmlns:p15="http://schemas.microsoft.com/office/powerpoint/2012/main" xmlns:mc="http://schemas.openxmlformats.org/markup-compatibility/2006">
+<file path=ppt/slides/slide9.xml><?xml version="1.0" encoding="utf-8"?>
+<p:sld xmlns:a="http://schemas.openxmlformats.org/drawingml/2006/main" xmlns:r="http://schemas.openxmlformats.org/officeDocument/2006/relationships" xmlns:p="http://schemas.openxmlformats.org/presentationml/2006/main">
   <p:cSld>
     <p:spTree>
       <p:nvGrpSpPr>
@@ -4668,7 +4780,7 @@
       </p:grpSpPr>
       <p:sp>
         <p:nvSpPr>
-          <p:cNvPr id="59" name="TextShape 1"/>
+          <p:cNvPr id="62" name="TextShape 1"/>
           <p:cNvSpPr txBox="1"/>
           <p:nvPr/>
         </p:nvSpPr>
@@ -4686,24 +4798,22 @@
           </a:ln>
         </p:spPr>
         <p:txBody>
-          <a:bodyPr lIns="0" rIns="0" tIns="0" bIns="0" anchor="ctr"/>
+          <a:bodyPr lIns="0" tIns="0" rIns="0" bIns="0" anchor="ctr"/>
+          <a:lstStyle/>
           <a:p>
             <a:pPr algn="ctr"/>
             <a:r>
-              <a:rPr b="0" lang="en-US" sz="4400" spc="-1" strike="noStrike">
-                <a:latin typeface="Arial"/>
-              </a:rPr>
-              <a:t>Course Objectives</a:t>
-            </a:r>
-            <a:endParaRPr b="0" lang="en-US" sz="4400" spc="-1" strike="noStrike">
-              <a:latin typeface="Arial"/>
-            </a:endParaRPr>
-          </a:p>
-        </p:txBody>
-      </p:sp>
-      <p:sp>
-        <p:nvSpPr>
-          <p:cNvPr id="60" name="TextShape 2"/>
+              <a:rPr lang="en-US" sz="4400" b="0" strike="noStrike" spc="-1">
+                <a:latin typeface="Arial"/>
+              </a:rPr>
+              <a:t>Academic Plan</a:t>
+            </a:r>
+          </a:p>
+        </p:txBody>
+      </p:sp>
+      <p:sp>
+        <p:nvSpPr>
+          <p:cNvPr id="63" name="TextShape 2"/>
           <p:cNvSpPr txBox="1"/>
           <p:nvPr/>
         </p:nvSpPr>
@@ -4721,370 +4831,109 @@
           </a:ln>
         </p:spPr>
         <p:txBody>
-          <a:bodyPr lIns="0" rIns="0" tIns="0" bIns="0">
+          <a:bodyPr lIns="0" tIns="0" rIns="0" bIns="0">
             <a:normAutofit/>
           </a:bodyPr>
-          <a:p>
-            <a:pPr marL="432000" indent="-324000">
-              <a:spcBef>
-                <a:spcPts val="1417"/>
-              </a:spcBef>
-              <a:buClr>
-                <a:srgbClr val="000000"/>
-              </a:buClr>
-              <a:buSzPct val="45000"/>
-              <a:buFont typeface="Wingdings" charset="2"/>
-              <a:buChar char=""/>
-            </a:pPr>
-            <a:r>
-              <a:rPr b="0" lang="en-US" sz="3200" spc="-1" strike="noStrike">
-                <a:latin typeface="Arial"/>
-              </a:rPr>
-              <a:t>To develop the skills necessary for server side scripting  and database connectivity.</a:t>
-            </a:r>
-            <a:endParaRPr b="0" lang="en-US" sz="3200" spc="-1" strike="noStrike">
-              <a:latin typeface="Arial"/>
-            </a:endParaRPr>
-          </a:p>
-          <a:p>
-            <a:pPr marL="432000" indent="-324000">
-              <a:spcBef>
-                <a:spcPts val="1417"/>
-              </a:spcBef>
-              <a:buClr>
-                <a:srgbClr val="000000"/>
-              </a:buClr>
-              <a:buSzPct val="45000"/>
-              <a:buFont typeface="Wingdings" charset="2"/>
-              <a:buChar char=""/>
-            </a:pPr>
-            <a:r>
-              <a:rPr b="0" lang="en-US" sz="3200" spc="-1" strike="noStrike">
-                <a:latin typeface="Arial"/>
-              </a:rPr>
-              <a:t>To expose different web application frameworks.</a:t>
-            </a:r>
-            <a:endParaRPr b="0" lang="en-US" sz="3200" spc="-1" strike="noStrike">
-              <a:latin typeface="Arial"/>
-            </a:endParaRPr>
-          </a:p>
-          <a:p>
-            <a:pPr marL="432000" indent="-324000">
-              <a:spcBef>
-                <a:spcPts val="1417"/>
-              </a:spcBef>
-              <a:buClr>
-                <a:srgbClr val="000000"/>
-              </a:buClr>
-              <a:buSzPct val="45000"/>
-              <a:buFont typeface="Wingdings" charset="2"/>
-              <a:buChar char=""/>
-            </a:pPr>
-            <a:endParaRPr b="0" lang="en-US" sz="3200" spc="-1" strike="noStrike">
-              <a:latin typeface="Arial"/>
-            </a:endParaRPr>
-          </a:p>
-          <a:p>
-            <a:pPr marL="432000" indent="-324000">
-              <a:spcBef>
-                <a:spcPts val="1417"/>
-              </a:spcBef>
-              <a:buClr>
-                <a:srgbClr val="000000"/>
-              </a:buClr>
-              <a:buSzPct val="45000"/>
-              <a:buFont typeface="Wingdings" charset="2"/>
-              <a:buChar char=""/>
-            </a:pPr>
-            <a:endParaRPr b="0" lang="en-US" sz="3200" spc="-1" strike="noStrike">
-              <a:latin typeface="Arial"/>
-            </a:endParaRPr>
-          </a:p>
-        </p:txBody>
-      </p:sp>
-      <p:sp>
-        <p:nvSpPr>
-          <p:cNvPr id="61" name="TextShape 3"/>
-          <p:cNvSpPr txBox="1"/>
-          <p:nvPr/>
-        </p:nvSpPr>
-        <p:spPr>
-          <a:xfrm>
-            <a:off x="7680960" y="4937760"/>
-            <a:ext cx="1828800" cy="346320"/>
-          </a:xfrm>
-          <a:prstGeom prst="rect">
-            <a:avLst/>
-          </a:prstGeom>
-          <a:noFill/>
-          <a:ln>
-            <a:noFill/>
-          </a:ln>
-        </p:spPr>
-        <p:txBody>
-          <a:bodyPr lIns="90000" rIns="90000" tIns="45000" bIns="45000"/>
-          <a:p>
-            <a:r>
-              <a:rPr b="0" lang="en-US" sz="1800" spc="-1" strike="noStrike">
-                <a:latin typeface="Arial"/>
-              </a:rPr>
-              <a:t>Continue..</a:t>
-            </a:r>
-            <a:endParaRPr b="0" lang="en-US" sz="1800" spc="-1" strike="noStrike">
-              <a:latin typeface="Arial"/>
-            </a:endParaRPr>
+          <a:lstStyle/>
+          <a:p>
+            <a:pPr marL="432000" indent="-324000">
+              <a:spcBef>
+                <a:spcPts val="1417"/>
+              </a:spcBef>
+              <a:buClr>
+                <a:srgbClr val="000000"/>
+              </a:buClr>
+              <a:buSzPct val="45000"/>
+              <a:buFont typeface="Wingdings" charset="2"/>
+              <a:buChar char=""/>
+            </a:pPr>
+            <a:r>
+              <a:rPr lang="en-US" sz="3200" b="0" strike="noStrike" spc="-1">
+                <a:latin typeface="Arial"/>
+              </a:rPr>
+              <a:t>Instruction: 3 Periods/week</a:t>
+            </a:r>
+          </a:p>
+          <a:p>
+            <a:pPr marL="432000" indent="-324000">
+              <a:spcBef>
+                <a:spcPts val="1417"/>
+              </a:spcBef>
+              <a:buClr>
+                <a:srgbClr val="000000"/>
+              </a:buClr>
+              <a:buSzPct val="45000"/>
+              <a:buFont typeface="Wingdings" charset="2"/>
+              <a:buChar char=""/>
+            </a:pPr>
+            <a:r>
+              <a:rPr lang="en-US" sz="3200" b="0" strike="noStrike" spc="-1">
+                <a:latin typeface="Arial"/>
+              </a:rPr>
+              <a:t>Sessional Marks: 30</a:t>
+            </a:r>
+          </a:p>
+          <a:p>
+            <a:pPr marL="432000" indent="-324000">
+              <a:spcBef>
+                <a:spcPts val="1417"/>
+              </a:spcBef>
+              <a:buClr>
+                <a:srgbClr val="000000"/>
+              </a:buClr>
+              <a:buSzPct val="45000"/>
+              <a:buFont typeface="Wingdings" charset="2"/>
+              <a:buChar char=""/>
+            </a:pPr>
+            <a:r>
+              <a:rPr lang="en-US" sz="3200" b="0" strike="noStrike" spc="-1">
+                <a:latin typeface="Arial"/>
+              </a:rPr>
+              <a:t>End Exam : 70</a:t>
+            </a:r>
+          </a:p>
+          <a:p>
+            <a:pPr marL="432000" indent="-324000">
+              <a:spcBef>
+                <a:spcPts val="1417"/>
+              </a:spcBef>
+              <a:buClr>
+                <a:srgbClr val="000000"/>
+              </a:buClr>
+              <a:buSzPct val="45000"/>
+              <a:buFont typeface="Wingdings" charset="2"/>
+              <a:buChar char=""/>
+            </a:pPr>
+            <a:r>
+              <a:rPr lang="en-US" sz="3200" b="0" strike="noStrike" spc="-1">
+                <a:latin typeface="Arial"/>
+              </a:rPr>
+              <a:t>Credits		: 3 </a:t>
+            </a:r>
           </a:p>
         </p:txBody>
       </p:sp>
     </p:spTree>
   </p:cSld>
-  <mc:AlternateContent>
-    <mc:Choice Requires="p14">
-      <p:transition spd="slow" p14:dur="2000"/>
-    </mc:Choice>
-    <mc:Fallback>
-      <p:transition spd="slow"/>
-    </mc:Fallback>
-  </mc:AlternateContent>
+  <p:clrMapOvr>
+    <a:masterClrMapping/>
+  </p:clrMapOvr>
   <p:timing>
     <p:tnLst>
       <p:par>
-        <p:cTn id="15" dur="indefinite" restart="never" nodeType="tmRoot">
+        <p:cTn id="1" dur="indefinite" restart="never" nodeType="tmRoot">
           <p:childTnLst>
             <p:seq>
-              <p:cTn id="16" dur="indefinite" nodeType="mainSeq"/>
+              <p:cTn id="2" dur="indefinite" nodeType="mainSeq"/>
               <p:prevCondLst>
-                <p:cond delay="0" evt="onPrev">
+                <p:cond evt="onPrev" delay="0">
                   <p:tgtEl>
                     <p:sldTgt/>
                   </p:tgtEl>
                 </p:cond>
               </p:prevCondLst>
               <p:nextCondLst>
-                <p:cond delay="0" evt="onNext">
-                  <p:tgtEl>
-                    <p:sldTgt/>
-                  </p:tgtEl>
-                </p:cond>
-              </p:nextCondLst>
-            </p:seq>
-          </p:childTnLst>
-        </p:cTn>
-      </p:par>
-    </p:tnLst>
-  </p:timing>
-</p:sld>
-</file>
-
-<file path=ppt/slides/slide9.xml><?xml version="1.0" encoding="utf-8"?>
-<p:sld xmlns:a="http://schemas.openxmlformats.org/drawingml/2006/main" xmlns:p="http://schemas.openxmlformats.org/presentationml/2006/main" xmlns:r="http://schemas.openxmlformats.org/officeDocument/2006/relationships" xmlns:p14="http://schemas.microsoft.com/office/powerpoint/2010/main" xmlns:p15="http://schemas.microsoft.com/office/powerpoint/2012/main" xmlns:mc="http://schemas.openxmlformats.org/markup-compatibility/2006">
-  <p:cSld>
-    <p:spTree>
-      <p:nvGrpSpPr>
-        <p:cNvPr id="1" name=""/>
-        <p:cNvGrpSpPr/>
-        <p:nvPr/>
-      </p:nvGrpSpPr>
-      <p:grpSpPr>
-        <a:xfrm>
-          <a:off x="0" y="0"/>
-          <a:ext cx="0" cy="0"/>
-          <a:chOff x="0" y="0"/>
-          <a:chExt cx="0" cy="0"/>
-        </a:xfrm>
-      </p:grpSpPr>
-      <p:sp>
-        <p:nvSpPr>
-          <p:cNvPr id="62" name="TextShape 1"/>
-          <p:cNvSpPr txBox="1"/>
-          <p:nvPr/>
-        </p:nvSpPr>
-        <p:spPr>
-          <a:xfrm>
-            <a:off x="504000" y="226080"/>
-            <a:ext cx="9071640" cy="946440"/>
-          </a:xfrm>
-          <a:prstGeom prst="rect">
-            <a:avLst/>
-          </a:prstGeom>
-          <a:noFill/>
-          <a:ln>
-            <a:noFill/>
-          </a:ln>
-        </p:spPr>
-        <p:txBody>
-          <a:bodyPr lIns="0" rIns="0" tIns="0" bIns="0" anchor="ctr"/>
-          <a:p>
-            <a:pPr algn="ctr"/>
-            <a:r>
-              <a:rPr b="0" lang="en-US" sz="4400" spc="-1" strike="noStrike">
-                <a:latin typeface="Arial"/>
-              </a:rPr>
-              <a:t>Academic Plan</a:t>
-            </a:r>
-            <a:endParaRPr b="0" lang="en-US" sz="4400" spc="-1" strike="noStrike">
-              <a:latin typeface="Arial"/>
-            </a:endParaRPr>
-          </a:p>
-        </p:txBody>
-      </p:sp>
-      <p:sp>
-        <p:nvSpPr>
-          <p:cNvPr id="63" name="TextShape 2"/>
-          <p:cNvSpPr txBox="1"/>
-          <p:nvPr/>
-        </p:nvSpPr>
-        <p:spPr>
-          <a:xfrm>
-            <a:off x="504000" y="1326600"/>
-            <a:ext cx="9071640" cy="3288240"/>
-          </a:xfrm>
-          <a:prstGeom prst="rect">
-            <a:avLst/>
-          </a:prstGeom>
-          <a:noFill/>
-          <a:ln>
-            <a:noFill/>
-          </a:ln>
-        </p:spPr>
-        <p:txBody>
-          <a:bodyPr lIns="0" rIns="0" tIns="0" bIns="0">
-            <a:normAutofit/>
-          </a:bodyPr>
-          <a:p>
-            <a:pPr marL="432000" indent="-324000">
-              <a:spcBef>
-                <a:spcPts val="1417"/>
-              </a:spcBef>
-              <a:buClr>
-                <a:srgbClr val="000000"/>
-              </a:buClr>
-              <a:buSzPct val="45000"/>
-              <a:buFont typeface="Wingdings" charset="2"/>
-              <a:buChar char=""/>
-            </a:pPr>
-            <a:r>
-              <a:rPr b="0" lang="en-US" sz="3200" spc="-1" strike="noStrike">
-                <a:latin typeface="Arial"/>
-              </a:rPr>
-              <a:t>Instruction: 3 Periods/week</a:t>
-            </a:r>
-            <a:endParaRPr b="0" lang="en-US" sz="3200" spc="-1" strike="noStrike">
-              <a:latin typeface="Arial"/>
-            </a:endParaRPr>
-          </a:p>
-          <a:p>
-            <a:pPr marL="432000" indent="-324000">
-              <a:spcBef>
-                <a:spcPts val="1417"/>
-              </a:spcBef>
-              <a:buClr>
-                <a:srgbClr val="000000"/>
-              </a:buClr>
-              <a:buSzPct val="45000"/>
-              <a:buFont typeface="Wingdings" charset="2"/>
-              <a:buChar char=""/>
-            </a:pPr>
-            <a:r>
-              <a:rPr b="0" lang="en-US" sz="3200" spc="-1" strike="noStrike">
-                <a:latin typeface="Arial"/>
-              </a:rPr>
-              <a:t>Sessional Marks: 30</a:t>
-            </a:r>
-            <a:endParaRPr b="0" lang="en-US" sz="3200" spc="-1" strike="noStrike">
-              <a:latin typeface="Arial"/>
-            </a:endParaRPr>
-          </a:p>
-          <a:p>
-            <a:pPr marL="432000" indent="-324000">
-              <a:spcBef>
-                <a:spcPts val="1417"/>
-              </a:spcBef>
-              <a:buClr>
-                <a:srgbClr val="000000"/>
-              </a:buClr>
-              <a:buSzPct val="45000"/>
-              <a:buFont typeface="Wingdings" charset="2"/>
-              <a:buChar char=""/>
-            </a:pPr>
-            <a:r>
-              <a:rPr b="0" lang="en-US" sz="3200" spc="-1" strike="noStrike">
-                <a:latin typeface="Arial"/>
-              </a:rPr>
-              <a:t>End Exam : 70</a:t>
-            </a:r>
-            <a:endParaRPr b="0" lang="en-US" sz="3200" spc="-1" strike="noStrike">
-              <a:latin typeface="Arial"/>
-            </a:endParaRPr>
-          </a:p>
-          <a:p>
-            <a:pPr marL="432000" indent="-324000">
-              <a:spcBef>
-                <a:spcPts val="1417"/>
-              </a:spcBef>
-              <a:buClr>
-                <a:srgbClr val="000000"/>
-              </a:buClr>
-              <a:buSzPct val="45000"/>
-              <a:buFont typeface="Wingdings" charset="2"/>
-              <a:buChar char=""/>
-            </a:pPr>
-            <a:r>
-              <a:rPr b="0" lang="en-US" sz="3200" spc="-1" strike="noStrike">
-                <a:latin typeface="Arial"/>
-              </a:rPr>
-              <a:t>Credits</a:t>
-            </a:r>
-            <a:r>
-              <a:rPr b="0" lang="en-US" sz="3200" spc="-1" strike="noStrike">
-                <a:latin typeface="Arial"/>
-              </a:rPr>
-              <a:t>	</a:t>
-            </a:r>
-            <a:r>
-              <a:rPr b="0" lang="en-US" sz="3200" spc="-1" strike="noStrike">
-                <a:latin typeface="Arial"/>
-              </a:rPr>
-              <a:t>	</a:t>
-            </a:r>
-            <a:r>
-              <a:rPr b="0" lang="en-US" sz="3200" spc="-1" strike="noStrike">
-                <a:latin typeface="Arial"/>
-              </a:rPr>
-              <a:t>: 3 </a:t>
-            </a:r>
-            <a:endParaRPr b="0" lang="en-US" sz="3200" spc="-1" strike="noStrike">
-              <a:latin typeface="Arial"/>
-            </a:endParaRPr>
-          </a:p>
-        </p:txBody>
-      </p:sp>
-    </p:spTree>
-  </p:cSld>
-  <mc:AlternateContent>
-    <mc:Choice Requires="p14">
-      <p:transition spd="slow" p14:dur="2000"/>
-    </mc:Choice>
-    <mc:Fallback>
-      <p:transition spd="slow"/>
-    </mc:Fallback>
-  </mc:AlternateContent>
-  <p:timing>
-    <p:tnLst>
-      <p:par>
-        <p:cTn id="17" dur="indefinite" restart="never" nodeType="tmRoot">
-          <p:childTnLst>
-            <p:seq>
-              <p:cTn id="18" dur="indefinite" nodeType="mainSeq"/>
-              <p:prevCondLst>
-                <p:cond delay="0" evt="onPrev">
-                  <p:tgtEl>
-                    <p:sldTgt/>
-                  </p:tgtEl>
-                </p:cond>
-              </p:prevCondLst>
-              <p:nextCondLst>
-                <p:cond delay="0" evt="onNext">
+                <p:cond evt="onNext" delay="0">
                   <p:tgtEl>
                     <p:sldTgt/>
                   </p:tgtEl>
@@ -5110,31 +4959,31 @@
         <a:sysClr val="window" lastClr="FFFFFF"/>
       </a:lt1>
       <a:dk2>
-        <a:srgbClr val="1f497d"/>
+        <a:srgbClr val="1F497D"/>
       </a:dk2>
       <a:lt2>
-        <a:srgbClr val="eeece1"/>
+        <a:srgbClr val="EEECE1"/>
       </a:lt2>
       <a:accent1>
-        <a:srgbClr val="4f81bd"/>
+        <a:srgbClr val="4F81BD"/>
       </a:accent1>
       <a:accent2>
-        <a:srgbClr val="c0504d"/>
+        <a:srgbClr val="C0504D"/>
       </a:accent2>
       <a:accent3>
-        <a:srgbClr val="9bbb59"/>
+        <a:srgbClr val="9BBB59"/>
       </a:accent3>
       <a:accent4>
-        <a:srgbClr val="8064a2"/>
+        <a:srgbClr val="8064A2"/>
       </a:accent4>
       <a:accent5>
-        <a:srgbClr val="4bacc6"/>
+        <a:srgbClr val="4BACC6"/>
       </a:accent5>
       <a:accent6>
-        <a:srgbClr val="f79646"/>
+        <a:srgbClr val="F79646"/>
       </a:accent6>
       <a:hlink>
-        <a:srgbClr val="0000ff"/>
+        <a:srgbClr val="0000FF"/>
       </a:hlink>
       <a:folHlink>
         <a:srgbClr val="800080"/>
@@ -5319,5 +5168,7 @@
       </a:bgFillStyleLst>
     </a:fmtScheme>
   </a:themeElements>
+  <a:objectDefaults/>
+  <a:extraClrSchemeLst/>
 </a:theme>
 </file>